--- a/s1/slides/s1.pptx
+++ b/s1/slides/s1.pptx
@@ -1,37 +1,461 @@
 
 <file path=ppt/presentation.xml><?xml version="1.0" encoding="utf-8"?>
-<p:presentation xmlns:a="http://schemas.openxmlformats.org/drawingml/2006/main" xmlns:p="http://schemas.openxmlformats.org/presentationml/2006/main" xmlns:r="http://schemas.openxmlformats.org/officeDocument/2006/relationships" xmlns:p14="http://schemas.microsoft.com/office/powerpoint/2010/main" xmlns:p15="http://schemas.microsoft.com/office/powerpoint/2012/main" xmlns:mc="http://schemas.openxmlformats.org/markup-compatibility/2006">
+<p:presentation xmlns:a="http://schemas.openxmlformats.org/drawingml/2006/main" xmlns:r="http://schemas.openxmlformats.org/officeDocument/2006/relationships" xmlns:p="http://schemas.openxmlformats.org/presentationml/2006/main">
   <p:sldMasterIdLst>
-    <p:sldMasterId id="2147483648" r:id="rId2"/>
-    <p:sldMasterId id="2147483661" r:id="rId3"/>
+    <p:sldMasterId id="2147483648" r:id="rId1"/>
+    <p:sldMasterId id="2147483661" r:id="rId2"/>
   </p:sldMasterIdLst>
   <p:notesMasterIdLst>
-    <p:notesMasterId r:id="rId4"/>
+    <p:notesMasterId r:id="rId15"/>
   </p:notesMasterIdLst>
   <p:sldIdLst>
-    <p:sldId id="256" r:id="rId5"/>
-    <p:sldId id="257" r:id="rId6"/>
-    <p:sldId id="258" r:id="rId7"/>
-    <p:sldId id="259" r:id="rId8"/>
-    <p:sldId id="260" r:id="rId9"/>
-    <p:sldId id="261" r:id="rId10"/>
-    <p:sldId id="262" r:id="rId11"/>
-    <p:sldId id="263" r:id="rId12"/>
-    <p:sldId id="264" r:id="rId13"/>
-    <p:sldId id="265" r:id="rId14"/>
-    <p:sldId id="266" r:id="rId15"/>
-    <p:sldId id="267" r:id="rId16"/>
-    <p:sldId id="268" r:id="rId17"/>
-    <p:sldId id="269" r:id="rId18"/>
-    <p:sldId id="270" r:id="rId19"/>
+    <p:sldId id="256" r:id="rId3"/>
+    <p:sldId id="257" r:id="rId4"/>
+    <p:sldId id="258" r:id="rId5"/>
+    <p:sldId id="259" r:id="rId6"/>
+    <p:sldId id="260" r:id="rId7"/>
+    <p:sldId id="271" r:id="rId8"/>
+    <p:sldId id="261" r:id="rId9"/>
+    <p:sldId id="262" r:id="rId10"/>
+    <p:sldId id="263" r:id="rId11"/>
+    <p:sldId id="264" r:id="rId12"/>
+    <p:sldId id="267" r:id="rId13"/>
+    <p:sldId id="272" r:id="rId14"/>
   </p:sldIdLst>
   <p:sldSz cx="12192000" cy="6858000"/>
   <p:notesSz cx="6858000" cy="9144000"/>
+  <p:defaultTextStyle>
+    <a:defPPr>
+      <a:defRPr lang="en-US"/>
+    </a:defPPr>
+    <a:lvl1pPr marL="0" algn="l" defTabSz="914400" rtl="0" eaLnBrk="1" latinLnBrk="0" hangingPunct="1">
+      <a:defRPr sz="1800" kern="1200">
+        <a:solidFill>
+          <a:schemeClr val="tx1"/>
+        </a:solidFill>
+        <a:latin typeface="+mn-lt"/>
+        <a:ea typeface="+mn-ea"/>
+        <a:cs typeface="+mn-cs"/>
+      </a:defRPr>
+    </a:lvl1pPr>
+    <a:lvl2pPr marL="457200" algn="l" defTabSz="914400" rtl="0" eaLnBrk="1" latinLnBrk="0" hangingPunct="1">
+      <a:defRPr sz="1800" kern="1200">
+        <a:solidFill>
+          <a:schemeClr val="tx1"/>
+        </a:solidFill>
+        <a:latin typeface="+mn-lt"/>
+        <a:ea typeface="+mn-ea"/>
+        <a:cs typeface="+mn-cs"/>
+      </a:defRPr>
+    </a:lvl2pPr>
+    <a:lvl3pPr marL="914400" algn="l" defTabSz="914400" rtl="0" eaLnBrk="1" latinLnBrk="0" hangingPunct="1">
+      <a:defRPr sz="1800" kern="1200">
+        <a:solidFill>
+          <a:schemeClr val="tx1"/>
+        </a:solidFill>
+        <a:latin typeface="+mn-lt"/>
+        <a:ea typeface="+mn-ea"/>
+        <a:cs typeface="+mn-cs"/>
+      </a:defRPr>
+    </a:lvl3pPr>
+    <a:lvl4pPr marL="1371600" algn="l" defTabSz="914400" rtl="0" eaLnBrk="1" latinLnBrk="0" hangingPunct="1">
+      <a:defRPr sz="1800" kern="1200">
+        <a:solidFill>
+          <a:schemeClr val="tx1"/>
+        </a:solidFill>
+        <a:latin typeface="+mn-lt"/>
+        <a:ea typeface="+mn-ea"/>
+        <a:cs typeface="+mn-cs"/>
+      </a:defRPr>
+    </a:lvl4pPr>
+    <a:lvl5pPr marL="1828800" algn="l" defTabSz="914400" rtl="0" eaLnBrk="1" latinLnBrk="0" hangingPunct="1">
+      <a:defRPr sz="1800" kern="1200">
+        <a:solidFill>
+          <a:schemeClr val="tx1"/>
+        </a:solidFill>
+        <a:latin typeface="+mn-lt"/>
+        <a:ea typeface="+mn-ea"/>
+        <a:cs typeface="+mn-cs"/>
+      </a:defRPr>
+    </a:lvl5pPr>
+    <a:lvl6pPr marL="2286000" algn="l" defTabSz="914400" rtl="0" eaLnBrk="1" latinLnBrk="0" hangingPunct="1">
+      <a:defRPr sz="1800" kern="1200">
+        <a:solidFill>
+          <a:schemeClr val="tx1"/>
+        </a:solidFill>
+        <a:latin typeface="+mn-lt"/>
+        <a:ea typeface="+mn-ea"/>
+        <a:cs typeface="+mn-cs"/>
+      </a:defRPr>
+    </a:lvl6pPr>
+    <a:lvl7pPr marL="2743200" algn="l" defTabSz="914400" rtl="0" eaLnBrk="1" latinLnBrk="0" hangingPunct="1">
+      <a:defRPr sz="1800" kern="1200">
+        <a:solidFill>
+          <a:schemeClr val="tx1"/>
+        </a:solidFill>
+        <a:latin typeface="+mn-lt"/>
+        <a:ea typeface="+mn-ea"/>
+        <a:cs typeface="+mn-cs"/>
+      </a:defRPr>
+    </a:lvl7pPr>
+    <a:lvl8pPr marL="3200400" algn="l" defTabSz="914400" rtl="0" eaLnBrk="1" latinLnBrk="0" hangingPunct="1">
+      <a:defRPr sz="1800" kern="1200">
+        <a:solidFill>
+          <a:schemeClr val="tx1"/>
+        </a:solidFill>
+        <a:latin typeface="+mn-lt"/>
+        <a:ea typeface="+mn-ea"/>
+        <a:cs typeface="+mn-cs"/>
+      </a:defRPr>
+    </a:lvl8pPr>
+    <a:lvl9pPr marL="3657600" algn="l" defTabSz="914400" rtl="0" eaLnBrk="1" latinLnBrk="0" hangingPunct="1">
+      <a:defRPr sz="1800" kern="1200">
+        <a:solidFill>
+          <a:schemeClr val="tx1"/>
+        </a:solidFill>
+        <a:latin typeface="+mn-lt"/>
+        <a:ea typeface="+mn-ea"/>
+        <a:cs typeface="+mn-cs"/>
+      </a:defRPr>
+    </a:lvl9pPr>
+  </p:defaultTextStyle>
 </p:presentation>
 </file>
 
 <file path=ppt/notesMasters/notesMaster1.xml><?xml version="1.0" encoding="utf-8"?>
-<p:notesMaster xmlns:a="http://schemas.openxmlformats.org/drawingml/2006/main" xmlns:p="http://schemas.openxmlformats.org/presentationml/2006/main" xmlns:r="http://schemas.openxmlformats.org/officeDocument/2006/relationships" xmlns:p14="http://schemas.microsoft.com/office/powerpoint/2010/main" xmlns:p15="http://schemas.microsoft.com/office/powerpoint/2012/main" xmlns:mc="http://schemas.openxmlformats.org/markup-compatibility/2006">
+<p:notesMaster xmlns:a="http://schemas.openxmlformats.org/drawingml/2006/main" xmlns:r="http://schemas.openxmlformats.org/officeDocument/2006/relationships" xmlns:p="http://schemas.openxmlformats.org/presentationml/2006/main">
+  <p:cSld>
+    <p:bg>
+      <p:bgRef idx="1001">
+        <a:schemeClr val="bg1"/>
+      </p:bgRef>
+    </p:bg>
+    <p:spTree>
+      <p:nvGrpSpPr>
+        <p:cNvPr id="1" name=""/>
+        <p:cNvGrpSpPr/>
+        <p:nvPr/>
+      </p:nvGrpSpPr>
+      <p:grpSpPr>
+        <a:xfrm>
+          <a:off x="0" y="0"/>
+          <a:ext cx="0" cy="0"/>
+          <a:chOff x="0" y="0"/>
+          <a:chExt cx="0" cy="0"/>
+        </a:xfrm>
+      </p:grpSpPr>
+      <p:sp>
+        <p:nvSpPr>
+          <p:cNvPr id="80" name="PlaceHolder 1"/>
+          <p:cNvSpPr>
+            <a:spLocks noGrp="1" noRot="1" noChangeAspect="1"/>
+          </p:cNvSpPr>
+          <p:nvPr>
+            <p:ph type="sldImg"/>
+          </p:nvPr>
+        </p:nvSpPr>
+        <p:spPr>
+          <a:xfrm>
+            <a:off x="533520" y="764280"/>
+            <a:ext cx="6704640" cy="3771360"/>
+          </a:xfrm>
+          <a:prstGeom prst="rect">
+            <a:avLst/>
+          </a:prstGeom>
+        </p:spPr>
+        <p:txBody>
+          <a:bodyPr lIns="0" tIns="0" rIns="0" bIns="0" anchor="ctr">
+            <a:noAutofit/>
+          </a:bodyPr>
+          <a:lstStyle/>
+          <a:p>
+            <a:r>
+              <a:rPr lang="en-US" sz="1800" b="0" strike="noStrike" spc="-1">
+                <a:solidFill>
+                  <a:srgbClr val="000000"/>
+                </a:solidFill>
+                <a:latin typeface="Calibri"/>
+              </a:rPr>
+              <a:t>Click to move the slide</a:t>
+            </a:r>
+          </a:p>
+        </p:txBody>
+      </p:sp>
+      <p:sp>
+        <p:nvSpPr>
+          <p:cNvPr id="81" name="PlaceHolder 2"/>
+          <p:cNvSpPr>
+            <a:spLocks noGrp="1"/>
+          </p:cNvSpPr>
+          <p:nvPr>
+            <p:ph type="body"/>
+          </p:nvPr>
+        </p:nvSpPr>
+        <p:spPr>
+          <a:xfrm>
+            <a:off x="777240" y="4777560"/>
+            <a:ext cx="6217560" cy="4525920"/>
+          </a:xfrm>
+          <a:prstGeom prst="rect">
+            <a:avLst/>
+          </a:prstGeom>
+        </p:spPr>
+        <p:txBody>
+          <a:bodyPr lIns="0" tIns="0" rIns="0" bIns="0">
+            <a:noAutofit/>
+          </a:bodyPr>
+          <a:lstStyle/>
+          <a:p>
+            <a:r>
+              <a:rPr lang="en-US" sz="2000" b="0" strike="noStrike" spc="-1">
+                <a:latin typeface="Arial"/>
+              </a:rPr>
+              <a:t>Click to edit the notes format</a:t>
+            </a:r>
+          </a:p>
+        </p:txBody>
+      </p:sp>
+      <p:sp>
+        <p:nvSpPr>
+          <p:cNvPr id="82" name="PlaceHolder 3"/>
+          <p:cNvSpPr>
+            <a:spLocks noGrp="1"/>
+          </p:cNvSpPr>
+          <p:nvPr>
+            <p:ph type="hdr"/>
+          </p:nvPr>
+        </p:nvSpPr>
+        <p:spPr>
+          <a:xfrm>
+            <a:off x="0" y="0"/>
+            <a:ext cx="3372840" cy="502560"/>
+          </a:xfrm>
+          <a:prstGeom prst="rect">
+            <a:avLst/>
+          </a:prstGeom>
+        </p:spPr>
+        <p:txBody>
+          <a:bodyPr lIns="0" tIns="0" rIns="0" bIns="0">
+            <a:noAutofit/>
+          </a:bodyPr>
+          <a:lstStyle/>
+          <a:p>
+            <a:r>
+              <a:rPr lang="en-US" sz="1400" b="0" strike="noStrike" spc="-1">
+                <a:latin typeface="Times New Roman"/>
+              </a:rPr>
+              <a:t>&lt;header&gt;</a:t>
+            </a:r>
+          </a:p>
+        </p:txBody>
+      </p:sp>
+      <p:sp>
+        <p:nvSpPr>
+          <p:cNvPr id="83" name="PlaceHolder 4"/>
+          <p:cNvSpPr>
+            <a:spLocks noGrp="1"/>
+          </p:cNvSpPr>
+          <p:nvPr>
+            <p:ph type="dt"/>
+          </p:nvPr>
+        </p:nvSpPr>
+        <p:spPr>
+          <a:xfrm>
+            <a:off x="4399200" y="0"/>
+            <a:ext cx="3372840" cy="502560"/>
+          </a:xfrm>
+          <a:prstGeom prst="rect">
+            <a:avLst/>
+          </a:prstGeom>
+        </p:spPr>
+        <p:txBody>
+          <a:bodyPr lIns="0" tIns="0" rIns="0" bIns="0">
+            <a:noAutofit/>
+          </a:bodyPr>
+          <a:lstStyle/>
+          <a:p>
+            <a:pPr algn="r"/>
+            <a:r>
+              <a:rPr lang="en-US" sz="1400" b="0" strike="noStrike" spc="-1">
+                <a:latin typeface="Times New Roman"/>
+              </a:rPr>
+              <a:t>&lt;date/time&gt;</a:t>
+            </a:r>
+          </a:p>
+        </p:txBody>
+      </p:sp>
+      <p:sp>
+        <p:nvSpPr>
+          <p:cNvPr id="84" name="PlaceHolder 5"/>
+          <p:cNvSpPr>
+            <a:spLocks noGrp="1"/>
+          </p:cNvSpPr>
+          <p:nvPr>
+            <p:ph type="ftr"/>
+          </p:nvPr>
+        </p:nvSpPr>
+        <p:spPr>
+          <a:xfrm>
+            <a:off x="0" y="9555480"/>
+            <a:ext cx="3372840" cy="502560"/>
+          </a:xfrm>
+          <a:prstGeom prst="rect">
+            <a:avLst/>
+          </a:prstGeom>
+        </p:spPr>
+        <p:txBody>
+          <a:bodyPr lIns="0" tIns="0" rIns="0" bIns="0" anchor="b">
+            <a:noAutofit/>
+          </a:bodyPr>
+          <a:lstStyle/>
+          <a:p>
+            <a:r>
+              <a:rPr lang="en-US" sz="1400" b="0" strike="noStrike" spc="-1">
+                <a:latin typeface="Times New Roman"/>
+              </a:rPr>
+              <a:t>&lt;footer&gt;</a:t>
+            </a:r>
+          </a:p>
+        </p:txBody>
+      </p:sp>
+      <p:sp>
+        <p:nvSpPr>
+          <p:cNvPr id="85" name="PlaceHolder 6"/>
+          <p:cNvSpPr>
+            <a:spLocks noGrp="1"/>
+          </p:cNvSpPr>
+          <p:nvPr>
+            <p:ph type="sldNum"/>
+          </p:nvPr>
+        </p:nvSpPr>
+        <p:spPr>
+          <a:xfrm>
+            <a:off x="4399200" y="9555480"/>
+            <a:ext cx="3372840" cy="502560"/>
+          </a:xfrm>
+          <a:prstGeom prst="rect">
+            <a:avLst/>
+          </a:prstGeom>
+        </p:spPr>
+        <p:txBody>
+          <a:bodyPr lIns="0" tIns="0" rIns="0" bIns="0" anchor="b">
+            <a:noAutofit/>
+          </a:bodyPr>
+          <a:lstStyle/>
+          <a:p>
+            <a:pPr algn="r"/>
+            <a:fld id="{62ED0877-C086-430F-B2E6-1B9A2255C703}" type="slidenum">
+              <a:rPr lang="en-US" sz="1400" b="0" strike="noStrike" spc="-1">
+                <a:latin typeface="Times New Roman"/>
+              </a:rPr>
+              <a:t>‹#›</a:t>
+            </a:fld>
+            <a:endParaRPr lang="en-US" sz="1400" b="0" strike="noStrike" spc="-1">
+              <a:latin typeface="Times New Roman"/>
+            </a:endParaRPr>
+          </a:p>
+        </p:txBody>
+      </p:sp>
+    </p:spTree>
+  </p:cSld>
+  <p:clrMap bg1="lt1" tx1="dk1" bg2="lt2" tx2="dk2" accent1="accent1" accent2="accent2" accent3="accent3" accent4="accent4" accent5="accent5" accent6="accent6" hlink="hlink" folHlink="folHlink"/>
+  <p:notesStyle>
+    <a:lvl1pPr marL="0" algn="l" defTabSz="914400" rtl="0" eaLnBrk="1" latinLnBrk="0" hangingPunct="1">
+      <a:defRPr sz="1200" kern="1200">
+        <a:solidFill>
+          <a:schemeClr val="tx1"/>
+        </a:solidFill>
+        <a:latin typeface="+mn-lt"/>
+        <a:ea typeface="+mn-ea"/>
+        <a:cs typeface="+mn-cs"/>
+      </a:defRPr>
+    </a:lvl1pPr>
+    <a:lvl2pPr marL="457200" algn="l" defTabSz="914400" rtl="0" eaLnBrk="1" latinLnBrk="0" hangingPunct="1">
+      <a:defRPr sz="1200" kern="1200">
+        <a:solidFill>
+          <a:schemeClr val="tx1"/>
+        </a:solidFill>
+        <a:latin typeface="+mn-lt"/>
+        <a:ea typeface="+mn-ea"/>
+        <a:cs typeface="+mn-cs"/>
+      </a:defRPr>
+    </a:lvl2pPr>
+    <a:lvl3pPr marL="914400" algn="l" defTabSz="914400" rtl="0" eaLnBrk="1" latinLnBrk="0" hangingPunct="1">
+      <a:defRPr sz="1200" kern="1200">
+        <a:solidFill>
+          <a:schemeClr val="tx1"/>
+        </a:solidFill>
+        <a:latin typeface="+mn-lt"/>
+        <a:ea typeface="+mn-ea"/>
+        <a:cs typeface="+mn-cs"/>
+      </a:defRPr>
+    </a:lvl3pPr>
+    <a:lvl4pPr marL="1371600" algn="l" defTabSz="914400" rtl="0" eaLnBrk="1" latinLnBrk="0" hangingPunct="1">
+      <a:defRPr sz="1200" kern="1200">
+        <a:solidFill>
+          <a:schemeClr val="tx1"/>
+        </a:solidFill>
+        <a:latin typeface="+mn-lt"/>
+        <a:ea typeface="+mn-ea"/>
+        <a:cs typeface="+mn-cs"/>
+      </a:defRPr>
+    </a:lvl4pPr>
+    <a:lvl5pPr marL="1828800" algn="l" defTabSz="914400" rtl="0" eaLnBrk="1" latinLnBrk="0" hangingPunct="1">
+      <a:defRPr sz="1200" kern="1200">
+        <a:solidFill>
+          <a:schemeClr val="tx1"/>
+        </a:solidFill>
+        <a:latin typeface="+mn-lt"/>
+        <a:ea typeface="+mn-ea"/>
+        <a:cs typeface="+mn-cs"/>
+      </a:defRPr>
+    </a:lvl5pPr>
+    <a:lvl6pPr marL="2286000" algn="l" defTabSz="914400" rtl="0" eaLnBrk="1" latinLnBrk="0" hangingPunct="1">
+      <a:defRPr sz="1200" kern="1200">
+        <a:solidFill>
+          <a:schemeClr val="tx1"/>
+        </a:solidFill>
+        <a:latin typeface="+mn-lt"/>
+        <a:ea typeface="+mn-ea"/>
+        <a:cs typeface="+mn-cs"/>
+      </a:defRPr>
+    </a:lvl6pPr>
+    <a:lvl7pPr marL="2743200" algn="l" defTabSz="914400" rtl="0" eaLnBrk="1" latinLnBrk="0" hangingPunct="1">
+      <a:defRPr sz="1200" kern="1200">
+        <a:solidFill>
+          <a:schemeClr val="tx1"/>
+        </a:solidFill>
+        <a:latin typeface="+mn-lt"/>
+        <a:ea typeface="+mn-ea"/>
+        <a:cs typeface="+mn-cs"/>
+      </a:defRPr>
+    </a:lvl7pPr>
+    <a:lvl8pPr marL="3200400" algn="l" defTabSz="914400" rtl="0" eaLnBrk="1" latinLnBrk="0" hangingPunct="1">
+      <a:defRPr sz="1200" kern="1200">
+        <a:solidFill>
+          <a:schemeClr val="tx1"/>
+        </a:solidFill>
+        <a:latin typeface="+mn-lt"/>
+        <a:ea typeface="+mn-ea"/>
+        <a:cs typeface="+mn-cs"/>
+      </a:defRPr>
+    </a:lvl8pPr>
+    <a:lvl9pPr marL="3657600" algn="l" defTabSz="914400" rtl="0" eaLnBrk="1" latinLnBrk="0" hangingPunct="1">
+      <a:defRPr sz="1200" kern="1200">
+        <a:solidFill>
+          <a:schemeClr val="tx1"/>
+        </a:solidFill>
+        <a:latin typeface="+mn-lt"/>
+        <a:ea typeface="+mn-ea"/>
+        <a:cs typeface="+mn-cs"/>
+      </a:defRPr>
+    </a:lvl9pPr>
+  </p:notesStyle>
+</p:notesMaster>
+</file>
+
+<file path=ppt/notesSlides/notesSlide1.xml><?xml version="1.0" encoding="utf-8"?>
+<p:notes xmlns:a="http://schemas.openxmlformats.org/drawingml/2006/main" xmlns:r="http://schemas.openxmlformats.org/officeDocument/2006/relationships" xmlns:p="http://schemas.openxmlformats.org/presentationml/2006/main">
   <p:cSld>
     <p:spTree>
       <p:nvGrpSpPr>
@@ -49,223 +473,96 @@
       </p:grpSpPr>
       <p:sp>
         <p:nvSpPr>
-          <p:cNvPr id="80" name="PlaceHolder 1"/>
+          <p:cNvPr id="133" name="PlaceHolder 1"/>
+          <p:cNvSpPr>
+            <a:spLocks noGrp="1" noRot="1" noChangeAspect="1"/>
+          </p:cNvSpPr>
+          <p:nvPr>
+            <p:ph type="sldImg"/>
+          </p:nvPr>
+        </p:nvSpPr>
+        <p:spPr>
+          <a:xfrm>
+            <a:off x="685800" y="1143000"/>
+            <a:ext cx="5486040" cy="3085920"/>
+          </a:xfrm>
+          <a:prstGeom prst="rect">
+            <a:avLst/>
+          </a:prstGeom>
+        </p:spPr>
+      </p:sp>
+      <p:sp>
+        <p:nvSpPr>
+          <p:cNvPr id="134" name="PlaceHolder 2"/>
           <p:cNvSpPr>
             <a:spLocks noGrp="1"/>
           </p:cNvSpPr>
           <p:nvPr>
-            <p:ph type="sldImg"/>
-          </p:nvPr>
-        </p:nvSpPr>
-        <p:spPr>
-          <a:xfrm>
-            <a:off x="533520" y="764280"/>
-            <a:ext cx="6704640" cy="3771360"/>
-          </a:xfrm>
-          <a:prstGeom prst="rect">
-            <a:avLst/>
-          </a:prstGeom>
-        </p:spPr>
-        <p:txBody>
-          <a:bodyPr lIns="0" rIns="0" tIns="0" bIns="0" anchor="ctr">
+            <p:ph type="body"/>
+          </p:nvPr>
+        </p:nvSpPr>
+        <p:spPr>
+          <a:xfrm>
+            <a:off x="685800" y="4400640"/>
+            <a:ext cx="5486040" cy="3600000"/>
+          </a:xfrm>
+          <a:prstGeom prst="rect">
+            <a:avLst/>
+          </a:prstGeom>
+        </p:spPr>
+        <p:txBody>
+          <a:bodyPr>
             <a:noAutofit/>
           </a:bodyPr>
-          <a:p>
-            <a:r>
-              <a:rPr b="0" lang="en-US" sz="1800" spc="-1" strike="noStrike">
+          <a:lstStyle/>
+          <a:p>
+            <a:endParaRPr lang="en-US" sz="2000" b="0" strike="noStrike" spc="-1">
+              <a:latin typeface="Arial"/>
+            </a:endParaRPr>
+          </a:p>
+        </p:txBody>
+      </p:sp>
+      <p:sp>
+        <p:nvSpPr>
+          <p:cNvPr id="135" name="TextShape 3"/>
+          <p:cNvSpPr txBox="1"/>
+          <p:nvPr/>
+        </p:nvSpPr>
+        <p:spPr>
+          <a:xfrm>
+            <a:off x="3884760" y="8685360"/>
+            <a:ext cx="2971440" cy="458280"/>
+          </a:xfrm>
+          <a:prstGeom prst="rect">
+            <a:avLst/>
+          </a:prstGeom>
+          <a:noFill/>
+          <a:ln>
+            <a:noFill/>
+          </a:ln>
+        </p:spPr>
+        <p:txBody>
+          <a:bodyPr anchor="b">
+            <a:noAutofit/>
+          </a:bodyPr>
+          <a:lstStyle/>
+          <a:p>
+            <a:pPr algn="r">
+              <a:lnSpc>
+                <a:spcPct val="100000"/>
+              </a:lnSpc>
+            </a:pPr>
+            <a:fld id="{9C8657C0-11C1-4EA2-B339-22124E0E46C1}" type="slidenum">
+              <a:rPr lang="en-US" sz="1200" b="0" strike="noStrike" spc="-1">
                 <a:solidFill>
                   <a:srgbClr val="000000"/>
                 </a:solidFill>
-                <a:latin typeface="Calibri"/>
-              </a:rPr>
-              <a:t>Click to move the slide</a:t>
-            </a:r>
-            <a:endParaRPr b="0" lang="en-US" sz="1800" spc="-1" strike="noStrike">
-              <a:solidFill>
-                <a:srgbClr val="000000"/>
-              </a:solidFill>
-              <a:latin typeface="Calibri"/>
-            </a:endParaRPr>
-          </a:p>
-        </p:txBody>
-      </p:sp>
-      <p:sp>
-        <p:nvSpPr>
-          <p:cNvPr id="81" name="PlaceHolder 2"/>
-          <p:cNvSpPr>
-            <a:spLocks noGrp="1"/>
-          </p:cNvSpPr>
-          <p:nvPr>
-            <p:ph type="body"/>
-          </p:nvPr>
-        </p:nvSpPr>
-        <p:spPr>
-          <a:xfrm>
-            <a:off x="777240" y="4777560"/>
-            <a:ext cx="6217560" cy="4525920"/>
-          </a:xfrm>
-          <a:prstGeom prst="rect">
-            <a:avLst/>
-          </a:prstGeom>
-        </p:spPr>
-        <p:txBody>
-          <a:bodyPr lIns="0" rIns="0" tIns="0" bIns="0">
-            <a:noAutofit/>
-          </a:bodyPr>
-          <a:p>
-            <a:r>
-              <a:rPr b="0" lang="en-US" sz="2000" spc="-1" strike="noStrike">
-                <a:latin typeface="Arial"/>
-              </a:rPr>
-              <a:t>Click to edit the notes format</a:t>
-            </a:r>
-            <a:endParaRPr b="0" lang="en-US" sz="2000" spc="-1" strike="noStrike">
-              <a:latin typeface="Arial"/>
-            </a:endParaRPr>
-          </a:p>
-        </p:txBody>
-      </p:sp>
-      <p:sp>
-        <p:nvSpPr>
-          <p:cNvPr id="82" name="PlaceHolder 3"/>
-          <p:cNvSpPr>
-            <a:spLocks noGrp="1"/>
-          </p:cNvSpPr>
-          <p:nvPr>
-            <p:ph type="hdr"/>
-          </p:nvPr>
-        </p:nvSpPr>
-        <p:spPr>
-          <a:xfrm>
-            <a:off x="0" y="0"/>
-            <a:ext cx="3372840" cy="502560"/>
-          </a:xfrm>
-          <a:prstGeom prst="rect">
-            <a:avLst/>
-          </a:prstGeom>
-        </p:spPr>
-        <p:txBody>
-          <a:bodyPr lIns="0" rIns="0" tIns="0" bIns="0">
-            <a:noAutofit/>
-          </a:bodyPr>
-          <a:p>
-            <a:r>
-              <a:rPr b="0" lang="en-US" sz="1400" spc="-1" strike="noStrike">
-                <a:latin typeface="Times New Roman"/>
-              </a:rPr>
-              <a:t>&lt;header&gt;</a:t>
-            </a:r>
-            <a:endParaRPr b="0" lang="en-US" sz="1400" spc="-1" strike="noStrike">
-              <a:latin typeface="Times New Roman"/>
-            </a:endParaRPr>
-          </a:p>
-        </p:txBody>
-      </p:sp>
-      <p:sp>
-        <p:nvSpPr>
-          <p:cNvPr id="83" name="PlaceHolder 4"/>
-          <p:cNvSpPr>
-            <a:spLocks noGrp="1"/>
-          </p:cNvSpPr>
-          <p:nvPr>
-            <p:ph type="dt"/>
-          </p:nvPr>
-        </p:nvSpPr>
-        <p:spPr>
-          <a:xfrm>
-            <a:off x="4399200" y="0"/>
-            <a:ext cx="3372840" cy="502560"/>
-          </a:xfrm>
-          <a:prstGeom prst="rect">
-            <a:avLst/>
-          </a:prstGeom>
-        </p:spPr>
-        <p:txBody>
-          <a:bodyPr lIns="0" rIns="0" tIns="0" bIns="0">
-            <a:noAutofit/>
-          </a:bodyPr>
-          <a:p>
-            <a:pPr algn="r"/>
-            <a:r>
-              <a:rPr b="0" lang="en-US" sz="1400" spc="-1" strike="noStrike">
-                <a:latin typeface="Times New Roman"/>
-              </a:rPr>
-              <a:t>&lt;date/time&gt;</a:t>
-            </a:r>
-            <a:endParaRPr b="0" lang="en-US" sz="1400" spc="-1" strike="noStrike">
-              <a:latin typeface="Times New Roman"/>
-            </a:endParaRPr>
-          </a:p>
-        </p:txBody>
-      </p:sp>
-      <p:sp>
-        <p:nvSpPr>
-          <p:cNvPr id="84" name="PlaceHolder 5"/>
-          <p:cNvSpPr>
-            <a:spLocks noGrp="1"/>
-          </p:cNvSpPr>
-          <p:nvPr>
-            <p:ph type="ftr"/>
-          </p:nvPr>
-        </p:nvSpPr>
-        <p:spPr>
-          <a:xfrm>
-            <a:off x="0" y="9555480"/>
-            <a:ext cx="3372840" cy="502560"/>
-          </a:xfrm>
-          <a:prstGeom prst="rect">
-            <a:avLst/>
-          </a:prstGeom>
-        </p:spPr>
-        <p:txBody>
-          <a:bodyPr lIns="0" rIns="0" tIns="0" bIns="0" anchor="b">
-            <a:noAutofit/>
-          </a:bodyPr>
-          <a:p>
-            <a:r>
-              <a:rPr b="0" lang="en-US" sz="1400" spc="-1" strike="noStrike">
-                <a:latin typeface="Times New Roman"/>
-              </a:rPr>
-              <a:t>&lt;footer&gt;</a:t>
-            </a:r>
-            <a:endParaRPr b="0" lang="en-US" sz="1400" spc="-1" strike="noStrike">
-              <a:latin typeface="Times New Roman"/>
-            </a:endParaRPr>
-          </a:p>
-        </p:txBody>
-      </p:sp>
-      <p:sp>
-        <p:nvSpPr>
-          <p:cNvPr id="85" name="PlaceHolder 6"/>
-          <p:cNvSpPr>
-            <a:spLocks noGrp="1"/>
-          </p:cNvSpPr>
-          <p:nvPr>
-            <p:ph type="sldNum"/>
-          </p:nvPr>
-        </p:nvSpPr>
-        <p:spPr>
-          <a:xfrm>
-            <a:off x="4399200" y="9555480"/>
-            <a:ext cx="3372840" cy="502560"/>
-          </a:xfrm>
-          <a:prstGeom prst="rect">
-            <a:avLst/>
-          </a:prstGeom>
-        </p:spPr>
-        <p:txBody>
-          <a:bodyPr lIns="0" rIns="0" tIns="0" bIns="0" anchor="b">
-            <a:noAutofit/>
-          </a:bodyPr>
-          <a:p>
-            <a:pPr algn="r"/>
-            <a:fld id="{62ED0877-C086-430F-B2E6-1B9A2255C703}" type="slidenum">
-              <a:rPr b="0" lang="en-US" sz="1400" spc="-1" strike="noStrike">
-                <a:latin typeface="Times New Roman"/>
-              </a:rPr>
-              <a:t>&lt;number&gt;</a:t>
+                <a:latin typeface="+mn-lt"/>
+                <a:ea typeface="+mn-ea"/>
+              </a:rPr>
+              <a:t>1</a:t>
             </a:fld>
-            <a:endParaRPr b="0" lang="en-US" sz="1400" spc="-1" strike="noStrike">
+            <a:endParaRPr lang="en-US" sz="1200" b="0" strike="noStrike" spc="-1">
               <a:latin typeface="Times New Roman"/>
             </a:endParaRPr>
           </a:p>
@@ -273,12 +570,14 @@
       </p:sp>
     </p:spTree>
   </p:cSld>
-  <p:clrMap bg1="lt1" bg2="lt2" tx1="dk1" tx2="dk2" accent1="accent1" accent2="accent2" accent3="accent3" accent4="accent4" accent5="accent5" accent6="accent6" hlink="hlink" folHlink="folHlink"/>
-</p:notesMaster>
+  <p:clrMapOvr>
+    <a:masterClrMapping/>
+  </p:clrMapOvr>
+</p:notes>
 </file>
 
-<file path=ppt/notesSlides/notesSlide1.xml><?xml version="1.0" encoding="utf-8"?>
-<p:notes xmlns:a="http://schemas.openxmlformats.org/drawingml/2006/main" xmlns:p="http://schemas.openxmlformats.org/presentationml/2006/main" xmlns:r="http://schemas.openxmlformats.org/officeDocument/2006/relationships" xmlns:p14="http://schemas.microsoft.com/office/powerpoint/2010/main" xmlns:p15="http://schemas.microsoft.com/office/powerpoint/2012/main" xmlns:mc="http://schemas.openxmlformats.org/markup-compatibility/2006">
+<file path=ppt/notesSlides/notesSlide2.xml><?xml version="1.0" encoding="utf-8"?>
+<p:notes xmlns:a="http://schemas.openxmlformats.org/drawingml/2006/main" xmlns:r="http://schemas.openxmlformats.org/officeDocument/2006/relationships" xmlns:p="http://schemas.openxmlformats.org/presentationml/2006/main">
   <p:cSld>
     <p:spTree>
       <p:nvGrpSpPr>
@@ -296,9 +595,9 @@
       </p:grpSpPr>
       <p:sp>
         <p:nvSpPr>
-          <p:cNvPr id="133" name="PlaceHolder 1"/>
-          <p:cNvSpPr>
-            <a:spLocks noGrp="1"/>
+          <p:cNvPr id="136" name="PlaceHolder 1"/>
+          <p:cNvSpPr>
+            <a:spLocks noGrp="1" noRot="1" noChangeAspect="1"/>
           </p:cNvSpPr>
           <p:nvPr>
             <p:ph type="sldImg"/>
@@ -307,16 +606,16 @@
         <p:spPr>
           <a:xfrm>
             <a:off x="685800" y="1143000"/>
-            <a:ext cx="5486040" cy="3085920"/>
-          </a:xfrm>
-          <a:prstGeom prst="rect">
-            <a:avLst/>
-          </a:prstGeom>
-        </p:spPr>
-      </p:sp>
-      <p:sp>
-        <p:nvSpPr>
-          <p:cNvPr id="134" name="PlaceHolder 2"/>
+            <a:ext cx="5486400" cy="3086100"/>
+          </a:xfrm>
+          <a:prstGeom prst="rect">
+            <a:avLst/>
+          </a:prstGeom>
+        </p:spPr>
+      </p:sp>
+      <p:sp>
+        <p:nvSpPr>
+          <p:cNvPr id="137" name="PlaceHolder 2"/>
           <p:cNvSpPr>
             <a:spLocks noGrp="1"/>
           </p:cNvSpPr>
@@ -337,8 +636,9 @@
           <a:bodyPr>
             <a:noAutofit/>
           </a:bodyPr>
-          <a:p>
-            <a:endParaRPr b="0" lang="en-US" sz="2000" spc="-1" strike="noStrike">
+          <a:lstStyle/>
+          <a:p>
+            <a:endParaRPr lang="en-US" sz="2000" b="0" strike="noStrike" spc="-1">
               <a:latin typeface="Arial"/>
             </a:endParaRPr>
           </a:p>
@@ -346,7 +646,7 @@
       </p:sp>
       <p:sp>
         <p:nvSpPr>
-          <p:cNvPr id="135" name="TextShape 3"/>
+          <p:cNvPr id="138" name="TextShape 3"/>
           <p:cNvSpPr txBox="1"/>
           <p:nvPr/>
         </p:nvSpPr>
@@ -367,23 +667,24 @@
           <a:bodyPr anchor="b">
             <a:noAutofit/>
           </a:bodyPr>
+          <a:lstStyle/>
           <a:p>
             <a:pPr algn="r">
               <a:lnSpc>
                 <a:spcPct val="100000"/>
               </a:lnSpc>
             </a:pPr>
-            <a:fld id="{9C8657C0-11C1-4EA2-B339-22124E0E46C1}" type="slidenum">
-              <a:rPr b="0" lang="en-US" sz="1200" spc="-1" strike="noStrike">
+            <a:fld id="{BD07337E-6E57-4510-B04E-AC352E6F4D5D}" type="slidenum">
+              <a:rPr lang="en-US" sz="1200" b="0" strike="noStrike" spc="-1">
                 <a:solidFill>
                   <a:srgbClr val="000000"/>
                 </a:solidFill>
                 <a:latin typeface="+mn-lt"/>
                 <a:ea typeface="+mn-ea"/>
               </a:rPr>
-              <a:t>&lt;number&gt;</a:t>
+              <a:t>8</a:t>
             </a:fld>
-            <a:endParaRPr b="0" lang="en-US" sz="1200" spc="-1" strike="noStrike">
+            <a:endParaRPr lang="en-US" sz="1200" b="0" strike="noStrike" spc="-1">
               <a:latin typeface="Times New Roman"/>
             </a:endParaRPr>
           </a:p>
@@ -391,11 +692,14 @@
       </p:sp>
     </p:spTree>
   </p:cSld>
+  <p:clrMapOvr>
+    <a:masterClrMapping/>
+  </p:clrMapOvr>
 </p:notes>
 </file>
 
-<file path=ppt/notesSlides/notesSlide10.xml><?xml version="1.0" encoding="utf-8"?>
-<p:notes xmlns:a="http://schemas.openxmlformats.org/drawingml/2006/main" xmlns:p="http://schemas.openxmlformats.org/presentationml/2006/main" xmlns:r="http://schemas.openxmlformats.org/officeDocument/2006/relationships" xmlns:p14="http://schemas.microsoft.com/office/powerpoint/2010/main" xmlns:p15="http://schemas.microsoft.com/office/powerpoint/2012/main" xmlns:mc="http://schemas.openxmlformats.org/markup-compatibility/2006">
+<file path=ppt/notesSlides/notesSlide3.xml><?xml version="1.0" encoding="utf-8"?>
+<p:notes xmlns:a="http://schemas.openxmlformats.org/drawingml/2006/main" xmlns:r="http://schemas.openxmlformats.org/officeDocument/2006/relationships" xmlns:p="http://schemas.openxmlformats.org/presentationml/2006/main">
   <p:cSld>
     <p:spTree>
       <p:nvGrpSpPr>
@@ -413,9 +717,9 @@
       </p:grpSpPr>
       <p:sp>
         <p:nvSpPr>
-          <p:cNvPr id="142" name="PlaceHolder 1"/>
-          <p:cNvSpPr>
-            <a:spLocks noGrp="1"/>
+          <p:cNvPr id="139" name="PlaceHolder 1"/>
+          <p:cNvSpPr>
+            <a:spLocks noGrp="1" noRot="1" noChangeAspect="1"/>
           </p:cNvSpPr>
           <p:nvPr>
             <p:ph type="sldImg"/>
@@ -424,16 +728,16 @@
         <p:spPr>
           <a:xfrm>
             <a:off x="685800" y="1143000"/>
-            <a:ext cx="5486040" cy="3085920"/>
-          </a:xfrm>
-          <a:prstGeom prst="rect">
-            <a:avLst/>
-          </a:prstGeom>
-        </p:spPr>
-      </p:sp>
-      <p:sp>
-        <p:nvSpPr>
-          <p:cNvPr id="143" name="PlaceHolder 2"/>
+            <a:ext cx="5486400" cy="3086100"/>
+          </a:xfrm>
+          <a:prstGeom prst="rect">
+            <a:avLst/>
+          </a:prstGeom>
+        </p:spPr>
+      </p:sp>
+      <p:sp>
+        <p:nvSpPr>
+          <p:cNvPr id="140" name="PlaceHolder 2"/>
           <p:cNvSpPr>
             <a:spLocks noGrp="1"/>
           </p:cNvSpPr>
@@ -454,119 +758,7 @@
           <a:bodyPr>
             <a:noAutofit/>
           </a:bodyPr>
-          <a:p>
-            <a:endParaRPr b="0" lang="en-US" sz="2000" spc="-1" strike="noStrike">
-              <a:latin typeface="Arial"/>
-            </a:endParaRPr>
-          </a:p>
-        </p:txBody>
-      </p:sp>
-      <p:sp>
-        <p:nvSpPr>
-          <p:cNvPr id="144" name="TextShape 3"/>
-          <p:cNvSpPr txBox="1"/>
-          <p:nvPr/>
-        </p:nvSpPr>
-        <p:spPr>
-          <a:xfrm>
-            <a:off x="3884760" y="8685360"/>
-            <a:ext cx="2971440" cy="458280"/>
-          </a:xfrm>
-          <a:prstGeom prst="rect">
-            <a:avLst/>
-          </a:prstGeom>
-          <a:noFill/>
-          <a:ln>
-            <a:noFill/>
-          </a:ln>
-        </p:spPr>
-        <p:txBody>
-          <a:bodyPr anchor="b">
-            <a:noAutofit/>
-          </a:bodyPr>
-          <a:p>
-            <a:pPr algn="r">
-              <a:lnSpc>
-                <a:spcPct val="100000"/>
-              </a:lnSpc>
-            </a:pPr>
-            <a:fld id="{7E7627B4-F022-4C73-BA50-54C3AF9948FD}" type="slidenum">
-              <a:rPr b="0" lang="en-US" sz="1200" spc="-1" strike="noStrike">
-                <a:latin typeface="Times New Roman"/>
-              </a:rPr>
-              <a:t>&lt;number&gt;</a:t>
-            </a:fld>
-            <a:endParaRPr b="0" lang="en-US" sz="1200" spc="-1" strike="noStrike">
-              <a:latin typeface="Times New Roman"/>
-            </a:endParaRPr>
-          </a:p>
-        </p:txBody>
-      </p:sp>
-    </p:spTree>
-  </p:cSld>
-</p:notes>
-</file>
-
-<file path=ppt/notesSlides/notesSlide11.xml><?xml version="1.0" encoding="utf-8"?>
-<p:notes xmlns:a="http://schemas.openxmlformats.org/drawingml/2006/main" xmlns:p="http://schemas.openxmlformats.org/presentationml/2006/main" xmlns:r="http://schemas.openxmlformats.org/officeDocument/2006/relationships" xmlns:p14="http://schemas.microsoft.com/office/powerpoint/2010/main" xmlns:p15="http://schemas.microsoft.com/office/powerpoint/2012/main" xmlns:mc="http://schemas.openxmlformats.org/markup-compatibility/2006">
-  <p:cSld>
-    <p:spTree>
-      <p:nvGrpSpPr>
-        <p:cNvPr id="1" name=""/>
-        <p:cNvGrpSpPr/>
-        <p:nvPr/>
-      </p:nvGrpSpPr>
-      <p:grpSpPr>
-        <a:xfrm>
-          <a:off x="0" y="0"/>
-          <a:ext cx="0" cy="0"/>
-          <a:chOff x="0" y="0"/>
-          <a:chExt cx="0" cy="0"/>
-        </a:xfrm>
-      </p:grpSpPr>
-      <p:sp>
-        <p:nvSpPr>
-          <p:cNvPr id="145" name="PlaceHolder 1"/>
-          <p:cNvSpPr>
-            <a:spLocks noGrp="1"/>
-          </p:cNvSpPr>
-          <p:nvPr>
-            <p:ph type="sldImg"/>
-          </p:nvPr>
-        </p:nvSpPr>
-        <p:spPr>
-          <a:xfrm>
-            <a:off x="685800" y="1143000"/>
-            <a:ext cx="5486040" cy="3085920"/>
-          </a:xfrm>
-          <a:prstGeom prst="rect">
-            <a:avLst/>
-          </a:prstGeom>
-        </p:spPr>
-      </p:sp>
-      <p:sp>
-        <p:nvSpPr>
-          <p:cNvPr id="146" name="PlaceHolder 2"/>
-          <p:cNvSpPr>
-            <a:spLocks noGrp="1"/>
-          </p:cNvSpPr>
-          <p:nvPr>
-            <p:ph type="body"/>
-          </p:nvPr>
-        </p:nvSpPr>
-        <p:spPr>
-          <a:xfrm>
-            <a:off x="685800" y="4400640"/>
-            <a:ext cx="5486040" cy="3600000"/>
-          </a:xfrm>
-          <a:prstGeom prst="rect">
-            <a:avLst/>
-          </a:prstGeom>
-        </p:spPr>
-        <p:txBody>
-          <a:bodyPr>
-            <a:noAutofit/>
-          </a:bodyPr>
+          <a:lstStyle/>
           <a:p>
             <a:pPr marL="216000" indent="-216000">
               <a:lnSpc>
@@ -574,14 +766,11 @@
               </a:lnSpc>
             </a:pPr>
             <a:r>
-              <a:rPr b="0" lang="en-US" sz="2000" spc="-1" strike="noStrike">
+              <a:rPr lang="en-US" sz="2000" b="0" strike="noStrike" spc="-1">
                 <a:latin typeface="Arial"/>
               </a:rPr>
-              <a:t>While you don’t necessarily need Git if you’re just working on the homework, we do encourage you to use it as a trial process for learning the simple commands e.g. `git commit`, `git push`, etc. </a:t>
+              <a:t>This year, we won’t be expecting you to install ROS locally on your machines – if this is something you’d like to do, you can, but instead we’ll be providing a server where you can collaborate with project partners to run ROS.</a:t>
             </a:r>
-            <a:endParaRPr b="0" lang="en-US" sz="2000" spc="-1" strike="noStrike">
-              <a:latin typeface="Arial"/>
-            </a:endParaRPr>
           </a:p>
           <a:p>
             <a:pPr marL="216000" indent="-216000">
@@ -589,7 +778,7 @@
                 <a:spcPct val="100000"/>
               </a:lnSpc>
             </a:pPr>
-            <a:endParaRPr b="0" lang="en-US" sz="2000" spc="-1" strike="noStrike">
+            <a:endParaRPr lang="en-US" sz="2000" b="0" strike="noStrike" spc="-1">
               <a:latin typeface="Arial"/>
             </a:endParaRPr>
           </a:p>
@@ -600,123 +789,22 @@
               </a:lnSpc>
             </a:pPr>
             <a:r>
-              <a:rPr b="0" lang="en-US" sz="2000" spc="-1" strike="noStrike">
+              <a:rPr lang="en-US" sz="2000" b="0" strike="noStrike" spc="-1">
                 <a:latin typeface="Arial"/>
               </a:rPr>
-              <a:t>When it comes around to working in your groups of four, you’ll be much more comfortable in handing off code to your partners and all developing code on the same code base at the same time.</a:t>
+              <a:t>Thus, we only expect you to have a Python 2.7 installation locally and be able to run “basic” scientific computing packages i.e. numpy, scipy, etc.</a:t>
             </a:r>
-            <a:endParaRPr b="0" lang="en-US" sz="2000" spc="-1" strike="noStrike">
-              <a:latin typeface="Arial"/>
-            </a:endParaRPr>
-          </a:p>
-        </p:txBody>
-      </p:sp>
-      <p:sp>
-        <p:nvSpPr>
-          <p:cNvPr id="147" name="TextShape 3"/>
-          <p:cNvSpPr txBox="1"/>
-          <p:nvPr/>
-        </p:nvSpPr>
-        <p:spPr>
-          <a:xfrm>
-            <a:off x="3884760" y="8685360"/>
-            <a:ext cx="2971440" cy="458280"/>
-          </a:xfrm>
-          <a:prstGeom prst="rect">
-            <a:avLst/>
-          </a:prstGeom>
-          <a:noFill/>
-          <a:ln>
-            <a:noFill/>
-          </a:ln>
-        </p:spPr>
-        <p:txBody>
-          <a:bodyPr anchor="b">
-            <a:noAutofit/>
-          </a:bodyPr>
-          <a:p>
-            <a:pPr algn="r">
+          </a:p>
+          <a:p>
+            <a:pPr marL="216000" indent="-216000">
               <a:lnSpc>
                 <a:spcPct val="100000"/>
               </a:lnSpc>
             </a:pPr>
-            <a:fld id="{D1436371-D5AE-4765-84C0-9ADF78D74796}" type="slidenum">
-              <a:rPr b="0" lang="en-US" sz="1200" spc="-1" strike="noStrike">
-                <a:latin typeface="Times New Roman"/>
-              </a:rPr>
-              <a:t>&lt;number&gt;</a:t>
-            </a:fld>
-            <a:endParaRPr b="0" lang="en-US" sz="1200" spc="-1" strike="noStrike">
-              <a:latin typeface="Times New Roman"/>
-            </a:endParaRPr>
-          </a:p>
-        </p:txBody>
-      </p:sp>
-    </p:spTree>
-  </p:cSld>
-</p:notes>
-</file>
-
-<file path=ppt/notesSlides/notesSlide13.xml><?xml version="1.0" encoding="utf-8"?>
-<p:notes xmlns:a="http://schemas.openxmlformats.org/drawingml/2006/main" xmlns:p="http://schemas.openxmlformats.org/presentationml/2006/main" xmlns:r="http://schemas.openxmlformats.org/officeDocument/2006/relationships" xmlns:p14="http://schemas.microsoft.com/office/powerpoint/2010/main" xmlns:p15="http://schemas.microsoft.com/office/powerpoint/2012/main" xmlns:mc="http://schemas.openxmlformats.org/markup-compatibility/2006">
-  <p:cSld>
-    <p:spTree>
-      <p:nvGrpSpPr>
-        <p:cNvPr id="1" name=""/>
-        <p:cNvGrpSpPr/>
-        <p:nvPr/>
-      </p:nvGrpSpPr>
-      <p:grpSpPr>
-        <a:xfrm>
-          <a:off x="0" y="0"/>
-          <a:ext cx="0" cy="0"/>
-          <a:chOff x="0" y="0"/>
-          <a:chExt cx="0" cy="0"/>
-        </a:xfrm>
-      </p:grpSpPr>
-      <p:sp>
-        <p:nvSpPr>
-          <p:cNvPr id="148" name="PlaceHolder 1"/>
-          <p:cNvSpPr>
-            <a:spLocks noGrp="1"/>
-          </p:cNvSpPr>
-          <p:nvPr>
-            <p:ph type="sldImg"/>
-          </p:nvPr>
-        </p:nvSpPr>
-        <p:spPr>
-          <a:xfrm>
-            <a:off x="685800" y="1143000"/>
-            <a:ext cx="5486040" cy="3085920"/>
-          </a:xfrm>
-          <a:prstGeom prst="rect">
-            <a:avLst/>
-          </a:prstGeom>
-        </p:spPr>
-      </p:sp>
-      <p:sp>
-        <p:nvSpPr>
-          <p:cNvPr id="149" name="PlaceHolder 2"/>
-          <p:cNvSpPr>
-            <a:spLocks noGrp="1"/>
-          </p:cNvSpPr>
-          <p:nvPr>
-            <p:ph type="body"/>
-          </p:nvPr>
-        </p:nvSpPr>
-        <p:spPr>
-          <a:xfrm>
-            <a:off x="685800" y="4400640"/>
-            <a:ext cx="5486040" cy="3600000"/>
-          </a:xfrm>
-          <a:prstGeom prst="rect">
-            <a:avLst/>
-          </a:prstGeom>
-        </p:spPr>
-        <p:txBody>
-          <a:bodyPr>
-            <a:noAutofit/>
-          </a:bodyPr>
+            <a:endParaRPr lang="en-US" sz="2000" b="0" strike="noStrike" spc="-1">
+              <a:latin typeface="Arial"/>
+            </a:endParaRPr>
+          </a:p>
           <a:p>
             <a:pPr marL="216000" indent="-216000">
               <a:lnSpc>
@@ -724,551 +812,11 @@
               </a:lnSpc>
             </a:pPr>
             <a:r>
-              <a:rPr b="0" lang="en-US" sz="2000" spc="-1" strike="noStrike">
-                <a:latin typeface="Arial"/>
-              </a:rPr>
-              <a:t>pdb is a useful tool that allows you to place break points in your code. For example, if you have a script with multiple function calls, you can click through and “inspect” the environment.</a:t>
-            </a:r>
-            <a:endParaRPr b="0" lang="en-US" sz="2000" spc="-1" strike="noStrike">
-              <a:latin typeface="Arial"/>
-            </a:endParaRPr>
-          </a:p>
-          <a:p>
-            <a:pPr marL="216000" indent="-216000">
-              <a:lnSpc>
-                <a:spcPct val="100000"/>
-              </a:lnSpc>
-            </a:pPr>
-            <a:endParaRPr b="0" lang="en-US" sz="2000" spc="-1" strike="noStrike">
-              <a:latin typeface="Arial"/>
-            </a:endParaRPr>
-          </a:p>
-          <a:p>
-            <a:pPr marL="216000" indent="-216000">
-              <a:lnSpc>
-                <a:spcPct val="100000"/>
-              </a:lnSpc>
-            </a:pPr>
-            <a:r>
-              <a:rPr b="0" lang="en-US" sz="2000" spc="-1" strike="noStrike">
-                <a:latin typeface="Arial"/>
-              </a:rPr>
-              <a:t>In the example here, you see that the </a:t>
-            </a:r>
-            <a:r>
-              <a:rPr b="0" i="1" lang="en-US" sz="2000" spc="-1" strike="noStrike">
-                <a:latin typeface="Arial"/>
-              </a:rPr>
-              <a:t>initial_integer</a:t>
-            </a:r>
-            <a:r>
-              <a:rPr b="0" lang="en-US" sz="2000" spc="-1" strike="noStrike">
-                <a:latin typeface="Arial"/>
-              </a:rPr>
-              <a:t> and </a:t>
-            </a:r>
-            <a:r>
-              <a:rPr b="0" i="1" lang="en-US" sz="2000" spc="-1" strike="noStrike">
-                <a:latin typeface="Arial"/>
-              </a:rPr>
-              <a:t>initial_float</a:t>
-            </a:r>
-            <a:r>
-              <a:rPr b="0" lang="en-US" sz="2000" spc="-1" strike="noStrike">
-                <a:latin typeface="Arial"/>
-              </a:rPr>
-              <a:t> variables are already instantiated and you can inspect those values and how they’re modified; but at this particular breakpoint, </a:t>
-            </a:r>
-            <a:r>
-              <a:rPr b="0" i="1" lang="en-US" sz="2000" spc="-1" strike="noStrike">
-                <a:latin typeface="Arial"/>
-              </a:rPr>
-              <a:t>cast_int_to_float</a:t>
-            </a:r>
-            <a:r>
-              <a:rPr b="0" lang="en-US" sz="2000" spc="-1" strike="noStrike">
-                <a:latin typeface="Arial"/>
-              </a:rPr>
-              <a:t> has no values as it hasn’t been assigned a value yet.</a:t>
-            </a:r>
-            <a:endParaRPr b="0" lang="en-US" sz="2000" spc="-1" strike="noStrike">
-              <a:latin typeface="Arial"/>
-            </a:endParaRPr>
-          </a:p>
-          <a:p>
-            <a:pPr marL="216000" indent="-216000">
-              <a:lnSpc>
-                <a:spcPct val="100000"/>
-              </a:lnSpc>
-            </a:pPr>
-            <a:endParaRPr b="0" lang="en-US" sz="2000" spc="-1" strike="noStrike">
-              <a:latin typeface="Arial"/>
-            </a:endParaRPr>
-          </a:p>
-          <a:p>
-            <a:pPr marL="216000" indent="-216000">
-              <a:lnSpc>
-                <a:spcPct val="100000"/>
-              </a:lnSpc>
-            </a:pPr>
-            <a:r>
-              <a:rPr b="1" lang="en-US" sz="2000" spc="-1" strike="noStrike">
-                <a:latin typeface="Arial"/>
-              </a:rPr>
-              <a:t>Warning</a:t>
-            </a:r>
-            <a:r>
-              <a:rPr b="0" lang="en-US" sz="2000" spc="-1" strike="noStrike">
-                <a:latin typeface="Arial"/>
-              </a:rPr>
-              <a:t>: Make sure to remove any breakpoints or other debugging traces in your code during submission; this will cause the autograder to break!</a:t>
-            </a:r>
-            <a:endParaRPr b="0" lang="en-US" sz="2000" spc="-1" strike="noStrike">
-              <a:latin typeface="Arial"/>
-            </a:endParaRPr>
-          </a:p>
-        </p:txBody>
-      </p:sp>
-      <p:sp>
-        <p:nvSpPr>
-          <p:cNvPr id="150" name="TextShape 3"/>
-          <p:cNvSpPr txBox="1"/>
-          <p:nvPr/>
-        </p:nvSpPr>
-        <p:spPr>
-          <a:xfrm>
-            <a:off x="3884760" y="8685360"/>
-            <a:ext cx="2971440" cy="458280"/>
-          </a:xfrm>
-          <a:prstGeom prst="rect">
-            <a:avLst/>
-          </a:prstGeom>
-          <a:noFill/>
-          <a:ln>
-            <a:noFill/>
-          </a:ln>
-        </p:spPr>
-        <p:txBody>
-          <a:bodyPr anchor="b">
-            <a:noAutofit/>
-          </a:bodyPr>
-          <a:p>
-            <a:pPr algn="r">
-              <a:lnSpc>
-                <a:spcPct val="100000"/>
-              </a:lnSpc>
-            </a:pPr>
-            <a:fld id="{6D4B237A-BE5E-47C7-8B48-D3C3377C00F5}" type="slidenum">
-              <a:rPr b="0" lang="en-US" sz="1200" spc="-1" strike="noStrike">
-                <a:latin typeface="Times New Roman"/>
-              </a:rPr>
-              <a:t>&lt;number&gt;</a:t>
-            </a:fld>
-            <a:endParaRPr b="0" lang="en-US" sz="1200" spc="-1" strike="noStrike">
-              <a:latin typeface="Times New Roman"/>
-            </a:endParaRPr>
-          </a:p>
-        </p:txBody>
-      </p:sp>
-    </p:spTree>
-  </p:cSld>
-</p:notes>
-</file>
-
-<file path=ppt/notesSlides/notesSlide14.xml><?xml version="1.0" encoding="utf-8"?>
-<p:notes xmlns:a="http://schemas.openxmlformats.org/drawingml/2006/main" xmlns:p="http://schemas.openxmlformats.org/presentationml/2006/main" xmlns:r="http://schemas.openxmlformats.org/officeDocument/2006/relationships" xmlns:p14="http://schemas.microsoft.com/office/powerpoint/2010/main" xmlns:p15="http://schemas.microsoft.com/office/powerpoint/2012/main" xmlns:mc="http://schemas.openxmlformats.org/markup-compatibility/2006">
-  <p:cSld>
-    <p:spTree>
-      <p:nvGrpSpPr>
-        <p:cNvPr id="1" name=""/>
-        <p:cNvGrpSpPr/>
-        <p:nvPr/>
-      </p:nvGrpSpPr>
-      <p:grpSpPr>
-        <a:xfrm>
-          <a:off x="0" y="0"/>
-          <a:ext cx="0" cy="0"/>
-          <a:chOff x="0" y="0"/>
-          <a:chExt cx="0" cy="0"/>
-        </a:xfrm>
-      </p:grpSpPr>
-      <p:sp>
-        <p:nvSpPr>
-          <p:cNvPr id="151" name="PlaceHolder 1"/>
-          <p:cNvSpPr>
-            <a:spLocks noGrp="1"/>
-          </p:cNvSpPr>
-          <p:nvPr>
-            <p:ph type="sldImg"/>
-          </p:nvPr>
-        </p:nvSpPr>
-        <p:spPr>
-          <a:xfrm>
-            <a:off x="685800" y="1143000"/>
-            <a:ext cx="5486040" cy="3085920"/>
-          </a:xfrm>
-          <a:prstGeom prst="rect">
-            <a:avLst/>
-          </a:prstGeom>
-        </p:spPr>
-      </p:sp>
-      <p:sp>
-        <p:nvSpPr>
-          <p:cNvPr id="152" name="PlaceHolder 2"/>
-          <p:cNvSpPr>
-            <a:spLocks noGrp="1"/>
-          </p:cNvSpPr>
-          <p:nvPr>
-            <p:ph type="body"/>
-          </p:nvPr>
-        </p:nvSpPr>
-        <p:spPr>
-          <a:xfrm>
-            <a:off x="685800" y="4400640"/>
-            <a:ext cx="5486040" cy="3600000"/>
-          </a:xfrm>
-          <a:prstGeom prst="rect">
-            <a:avLst/>
-          </a:prstGeom>
-        </p:spPr>
-        <p:txBody>
-          <a:bodyPr>
-            <a:noAutofit/>
-          </a:bodyPr>
-          <a:p>
-            <a:pPr marL="216000" indent="-216000">
-              <a:lnSpc>
-                <a:spcPct val="100000"/>
-              </a:lnSpc>
-            </a:pPr>
-            <a:r>
-              <a:rPr b="0" lang="en-US" sz="2000" spc="-1" strike="noStrike">
-                <a:latin typeface="Arial"/>
-              </a:rPr>
-              <a:t>In general, we want to emphasize that one of the objectives is to help you learn not only the technical content of how a robot stack comes together, but also the software engineering processes.</a:t>
-            </a:r>
-            <a:endParaRPr b="0" lang="en-US" sz="2000" spc="-1" strike="noStrike">
-              <a:latin typeface="Arial"/>
-            </a:endParaRPr>
-          </a:p>
-          <a:p>
-            <a:pPr marL="216000" indent="-216000">
-              <a:lnSpc>
-                <a:spcPct val="100000"/>
-              </a:lnSpc>
-            </a:pPr>
-            <a:endParaRPr b="0" lang="en-US" sz="2000" spc="-1" strike="noStrike">
-              <a:latin typeface="Arial"/>
-            </a:endParaRPr>
-          </a:p>
-          <a:p>
-            <a:pPr marL="216000" indent="-216000">
-              <a:lnSpc>
-                <a:spcPct val="100000"/>
-              </a:lnSpc>
-            </a:pPr>
-            <a:r>
-              <a:rPr b="0" lang="en-US" sz="2000" spc="-1" strike="noStrike">
-                <a:latin typeface="Arial"/>
-              </a:rPr>
-              <a:t>As a part of this, we really encourage you to learn how to leverage Google (and specifically Stack Overflow) as a tool for fixing common issues arising in Python and ROS before turning to your peers or the teaching staff.</a:t>
-            </a:r>
-            <a:endParaRPr b="0" lang="en-US" sz="2000" spc="-1" strike="noStrike">
-              <a:latin typeface="Arial"/>
-            </a:endParaRPr>
-          </a:p>
-        </p:txBody>
-      </p:sp>
-      <p:sp>
-        <p:nvSpPr>
-          <p:cNvPr id="153" name="TextShape 3"/>
-          <p:cNvSpPr txBox="1"/>
-          <p:nvPr/>
-        </p:nvSpPr>
-        <p:spPr>
-          <a:xfrm>
-            <a:off x="3884760" y="8685360"/>
-            <a:ext cx="2971440" cy="458280"/>
-          </a:xfrm>
-          <a:prstGeom prst="rect">
-            <a:avLst/>
-          </a:prstGeom>
-          <a:noFill/>
-          <a:ln>
-            <a:noFill/>
-          </a:ln>
-        </p:spPr>
-        <p:txBody>
-          <a:bodyPr anchor="b">
-            <a:noAutofit/>
-          </a:bodyPr>
-          <a:p>
-            <a:pPr algn="r">
-              <a:lnSpc>
-                <a:spcPct val="100000"/>
-              </a:lnSpc>
-            </a:pPr>
-            <a:fld id="{C2917314-A820-4D51-B63C-CA3E4FD60338}" type="slidenum">
-              <a:rPr b="0" lang="en-US" sz="1200" spc="-1" strike="noStrike">
-                <a:latin typeface="Times New Roman"/>
-              </a:rPr>
-              <a:t>&lt;number&gt;</a:t>
-            </a:fld>
-            <a:endParaRPr b="0" lang="en-US" sz="1200" spc="-1" strike="noStrike">
-              <a:latin typeface="Times New Roman"/>
-            </a:endParaRPr>
-          </a:p>
-        </p:txBody>
-      </p:sp>
-    </p:spTree>
-  </p:cSld>
-</p:notes>
-</file>
-
-<file path=ppt/notesSlides/notesSlide7.xml><?xml version="1.0" encoding="utf-8"?>
-<p:notes xmlns:a="http://schemas.openxmlformats.org/drawingml/2006/main" xmlns:p="http://schemas.openxmlformats.org/presentationml/2006/main" xmlns:r="http://schemas.openxmlformats.org/officeDocument/2006/relationships" xmlns:p14="http://schemas.microsoft.com/office/powerpoint/2010/main" xmlns:p15="http://schemas.microsoft.com/office/powerpoint/2012/main" xmlns:mc="http://schemas.openxmlformats.org/markup-compatibility/2006">
-  <p:cSld>
-    <p:spTree>
-      <p:nvGrpSpPr>
-        <p:cNvPr id="1" name=""/>
-        <p:cNvGrpSpPr/>
-        <p:nvPr/>
-      </p:nvGrpSpPr>
-      <p:grpSpPr>
-        <a:xfrm>
-          <a:off x="0" y="0"/>
-          <a:ext cx="0" cy="0"/>
-          <a:chOff x="0" y="0"/>
-          <a:chExt cx="0" cy="0"/>
-        </a:xfrm>
-      </p:grpSpPr>
-      <p:sp>
-        <p:nvSpPr>
-          <p:cNvPr id="136" name="PlaceHolder 1"/>
-          <p:cNvSpPr>
-            <a:spLocks noGrp="1"/>
-          </p:cNvSpPr>
-          <p:nvPr>
-            <p:ph type="sldImg"/>
-          </p:nvPr>
-        </p:nvSpPr>
-        <p:spPr>
-          <a:xfrm>
-            <a:off x="685800" y="1143000"/>
-            <a:ext cx="5486040" cy="3085920"/>
-          </a:xfrm>
-          <a:prstGeom prst="rect">
-            <a:avLst/>
-          </a:prstGeom>
-        </p:spPr>
-      </p:sp>
-      <p:sp>
-        <p:nvSpPr>
-          <p:cNvPr id="137" name="PlaceHolder 2"/>
-          <p:cNvSpPr>
-            <a:spLocks noGrp="1"/>
-          </p:cNvSpPr>
-          <p:nvPr>
-            <p:ph type="body"/>
-          </p:nvPr>
-        </p:nvSpPr>
-        <p:spPr>
-          <a:xfrm>
-            <a:off x="685800" y="4400640"/>
-            <a:ext cx="5486040" cy="3600000"/>
-          </a:xfrm>
-          <a:prstGeom prst="rect">
-            <a:avLst/>
-          </a:prstGeom>
-        </p:spPr>
-        <p:txBody>
-          <a:bodyPr>
-            <a:noAutofit/>
-          </a:bodyPr>
-          <a:p>
-            <a:endParaRPr b="0" lang="en-US" sz="2000" spc="-1" strike="noStrike">
-              <a:latin typeface="Arial"/>
-            </a:endParaRPr>
-          </a:p>
-        </p:txBody>
-      </p:sp>
-      <p:sp>
-        <p:nvSpPr>
-          <p:cNvPr id="138" name="TextShape 3"/>
-          <p:cNvSpPr txBox="1"/>
-          <p:nvPr/>
-        </p:nvSpPr>
-        <p:spPr>
-          <a:xfrm>
-            <a:off x="3884760" y="8685360"/>
-            <a:ext cx="2971440" cy="458280"/>
-          </a:xfrm>
-          <a:prstGeom prst="rect">
-            <a:avLst/>
-          </a:prstGeom>
-          <a:noFill/>
-          <a:ln>
-            <a:noFill/>
-          </a:ln>
-        </p:spPr>
-        <p:txBody>
-          <a:bodyPr anchor="b">
-            <a:noAutofit/>
-          </a:bodyPr>
-          <a:p>
-            <a:pPr algn="r">
-              <a:lnSpc>
-                <a:spcPct val="100000"/>
-              </a:lnSpc>
-            </a:pPr>
-            <a:fld id="{BD07337E-6E57-4510-B04E-AC352E6F4D5D}" type="slidenum">
-              <a:rPr b="0" lang="en-US" sz="1200" spc="-1" strike="noStrike">
-                <a:solidFill>
-                  <a:srgbClr val="000000"/>
-                </a:solidFill>
-                <a:latin typeface="+mn-lt"/>
-                <a:ea typeface="+mn-ea"/>
-              </a:rPr>
-              <a:t>&lt;number&gt;</a:t>
-            </a:fld>
-            <a:endParaRPr b="0" lang="en-US" sz="1200" spc="-1" strike="noStrike">
-              <a:latin typeface="Times New Roman"/>
-            </a:endParaRPr>
-          </a:p>
-        </p:txBody>
-      </p:sp>
-    </p:spTree>
-  </p:cSld>
-</p:notes>
-</file>
-
-<file path=ppt/notesSlides/notesSlide9.xml><?xml version="1.0" encoding="utf-8"?>
-<p:notes xmlns:a="http://schemas.openxmlformats.org/drawingml/2006/main" xmlns:p="http://schemas.openxmlformats.org/presentationml/2006/main" xmlns:r="http://schemas.openxmlformats.org/officeDocument/2006/relationships" xmlns:p14="http://schemas.microsoft.com/office/powerpoint/2010/main" xmlns:p15="http://schemas.microsoft.com/office/powerpoint/2012/main" xmlns:mc="http://schemas.openxmlformats.org/markup-compatibility/2006">
-  <p:cSld>
-    <p:spTree>
-      <p:nvGrpSpPr>
-        <p:cNvPr id="1" name=""/>
-        <p:cNvGrpSpPr/>
-        <p:nvPr/>
-      </p:nvGrpSpPr>
-      <p:grpSpPr>
-        <a:xfrm>
-          <a:off x="0" y="0"/>
-          <a:ext cx="0" cy="0"/>
-          <a:chOff x="0" y="0"/>
-          <a:chExt cx="0" cy="0"/>
-        </a:xfrm>
-      </p:grpSpPr>
-      <p:sp>
-        <p:nvSpPr>
-          <p:cNvPr id="139" name="PlaceHolder 1"/>
-          <p:cNvSpPr>
-            <a:spLocks noGrp="1"/>
-          </p:cNvSpPr>
-          <p:nvPr>
-            <p:ph type="sldImg"/>
-          </p:nvPr>
-        </p:nvSpPr>
-        <p:spPr>
-          <a:xfrm>
-            <a:off x="685800" y="1143000"/>
-            <a:ext cx="5486040" cy="3085920"/>
-          </a:xfrm>
-          <a:prstGeom prst="rect">
-            <a:avLst/>
-          </a:prstGeom>
-        </p:spPr>
-      </p:sp>
-      <p:sp>
-        <p:nvSpPr>
-          <p:cNvPr id="140" name="PlaceHolder 2"/>
-          <p:cNvSpPr>
-            <a:spLocks noGrp="1"/>
-          </p:cNvSpPr>
-          <p:nvPr>
-            <p:ph type="body"/>
-          </p:nvPr>
-        </p:nvSpPr>
-        <p:spPr>
-          <a:xfrm>
-            <a:off x="685800" y="4400640"/>
-            <a:ext cx="5486040" cy="3600000"/>
-          </a:xfrm>
-          <a:prstGeom prst="rect">
-            <a:avLst/>
-          </a:prstGeom>
-        </p:spPr>
-        <p:txBody>
-          <a:bodyPr>
-            <a:noAutofit/>
-          </a:bodyPr>
-          <a:p>
-            <a:pPr marL="216000" indent="-216000">
-              <a:lnSpc>
-                <a:spcPct val="100000"/>
-              </a:lnSpc>
-            </a:pPr>
-            <a:r>
-              <a:rPr b="0" lang="en-US" sz="2000" spc="-1" strike="noStrike">
-                <a:latin typeface="Arial"/>
-              </a:rPr>
-              <a:t>This year, we won’t be expecting you to install ROS locally on your machines – if this is something you’d like to do, you can, but instead we’ll be providing a server where you can collaborate with project partners to run ROS.</a:t>
-            </a:r>
-            <a:endParaRPr b="0" lang="en-US" sz="2000" spc="-1" strike="noStrike">
-              <a:latin typeface="Arial"/>
-            </a:endParaRPr>
-          </a:p>
-          <a:p>
-            <a:pPr marL="216000" indent="-216000">
-              <a:lnSpc>
-                <a:spcPct val="100000"/>
-              </a:lnSpc>
-            </a:pPr>
-            <a:endParaRPr b="0" lang="en-US" sz="2000" spc="-1" strike="noStrike">
-              <a:latin typeface="Arial"/>
-            </a:endParaRPr>
-          </a:p>
-          <a:p>
-            <a:pPr marL="216000" indent="-216000">
-              <a:lnSpc>
-                <a:spcPct val="100000"/>
-              </a:lnSpc>
-            </a:pPr>
-            <a:r>
-              <a:rPr b="0" lang="en-US" sz="2000" spc="-1" strike="noStrike">
-                <a:latin typeface="Arial"/>
-              </a:rPr>
-              <a:t>Thus, we only expect you to have a Python 2.7 installation locally and be able to run “basic” scientific computing packages i.e. numpy, scipy, etc.</a:t>
-            </a:r>
-            <a:endParaRPr b="0" lang="en-US" sz="2000" spc="-1" strike="noStrike">
-              <a:latin typeface="Arial"/>
-            </a:endParaRPr>
-          </a:p>
-          <a:p>
-            <a:pPr marL="216000" indent="-216000">
-              <a:lnSpc>
-                <a:spcPct val="100000"/>
-              </a:lnSpc>
-            </a:pPr>
-            <a:endParaRPr b="0" lang="en-US" sz="2000" spc="-1" strike="noStrike">
-              <a:latin typeface="Arial"/>
-            </a:endParaRPr>
-          </a:p>
-          <a:p>
-            <a:pPr marL="216000" indent="-216000">
-              <a:lnSpc>
-                <a:spcPct val="100000"/>
-              </a:lnSpc>
-            </a:pPr>
-            <a:r>
-              <a:rPr b="0" lang="en-US" sz="2000" spc="-1" strike="noStrike">
+              <a:rPr lang="en-US" sz="2000" b="0" strike="noStrike" spc="-1">
                 <a:latin typeface="Arial"/>
               </a:rPr>
               <a:t>However, if you’d like, we do want to point out you have two additional options to running locally:</a:t>
             </a:r>
-            <a:endParaRPr b="0" lang="en-US" sz="2000" spc="-1" strike="noStrike">
-              <a:latin typeface="Arial"/>
-            </a:endParaRPr>
           </a:p>
           <a:p>
             <a:pPr marL="171360" indent="-171000">
@@ -1282,14 +830,11 @@
               <a:buChar char="-"/>
             </a:pPr>
             <a:r>
-              <a:rPr b="0" lang="en-US" sz="2000" spc="-1" strike="noStrike">
+              <a:rPr lang="en-US" sz="2000" b="0" strike="noStrike" spc="-1">
                 <a:latin typeface="Arial"/>
               </a:rPr>
               <a:t>You can set up a dual boot where you partition your hard drive to run a second OS (in this case, Ubuntu 16.04). This allows you to allocate full processing resources when you are running the second OS.</a:t>
             </a:r>
-            <a:endParaRPr b="0" lang="en-US" sz="2000" spc="-1" strike="noStrike">
-              <a:latin typeface="Arial"/>
-            </a:endParaRPr>
           </a:p>
           <a:p>
             <a:pPr marL="171360" indent="-171000">
@@ -1303,14 +848,11 @@
               <a:buChar char="-"/>
             </a:pPr>
             <a:r>
-              <a:rPr b="0" lang="en-US" sz="2000" spc="-1" strike="noStrike">
+              <a:rPr lang="en-US" sz="2000" b="0" strike="noStrike" spc="-1">
                 <a:latin typeface="Arial"/>
               </a:rPr>
               <a:t>Alternatively, you can set up a VM (see the VM guide linked in the section hand out). The one draw back of the VM is that if your laptop isn’t very powerful, you may run into a very slow or laggy VM. But this way, you don’t have to partition the hard drive for the class and can delete the VM once you’re done with the class.</a:t>
             </a:r>
-            <a:endParaRPr b="0" lang="en-US" sz="2000" spc="-1" strike="noStrike">
-              <a:latin typeface="Arial"/>
-            </a:endParaRPr>
           </a:p>
         </p:txBody>
       </p:sp>
@@ -1337,6 +879,7 @@
           <a:bodyPr anchor="b">
             <a:noAutofit/>
           </a:bodyPr>
+          <a:lstStyle/>
           <a:p>
             <a:pPr algn="r">
               <a:lnSpc>
@@ -1344,12 +887,12 @@
               </a:lnSpc>
             </a:pPr>
             <a:fld id="{592B8CCF-0913-4359-AD88-2CD030820013}" type="slidenum">
-              <a:rPr b="0" lang="en-US" sz="1200" spc="-1" strike="noStrike">
+              <a:rPr lang="en-US" sz="1200" b="0" strike="noStrike" spc="-1">
                 <a:latin typeface="Times New Roman"/>
               </a:rPr>
-              <a:t>&lt;number&gt;</a:t>
+              <a:t>10</a:t>
             </a:fld>
-            <a:endParaRPr b="0" lang="en-US" sz="1200" spc="-1" strike="noStrike">
+            <a:endParaRPr lang="en-US" sz="1200" b="0" strike="noStrike" spc="-1">
               <a:latin typeface="Times New Roman"/>
             </a:endParaRPr>
           </a:p>
@@ -1357,11 +900,14 @@
       </p:sp>
     </p:spTree>
   </p:cSld>
+  <p:clrMapOvr>
+    <a:masterClrMapping/>
+  </p:clrMapOvr>
 </p:notes>
 </file>
 
 <file path=ppt/slideLayouts/slideLayout1.xml><?xml version="1.0" encoding="utf-8"?>
-<p:sldLayout xmlns:a="http://schemas.openxmlformats.org/drawingml/2006/main" xmlns:p="http://schemas.openxmlformats.org/presentationml/2006/main" xmlns:r="http://schemas.openxmlformats.org/officeDocument/2006/relationships" xmlns:p14="http://schemas.microsoft.com/office/powerpoint/2010/main" xmlns:p15="http://schemas.microsoft.com/office/powerpoint/2012/main" xmlns:mc="http://schemas.openxmlformats.org/markup-compatibility/2006" type="blank" preserve="1">
+<p:sldLayout xmlns:a="http://schemas.openxmlformats.org/drawingml/2006/main" xmlns:r="http://schemas.openxmlformats.org/officeDocument/2006/relationships" xmlns:p="http://schemas.openxmlformats.org/presentationml/2006/main" type="blank" preserve="1">
   <p:cSld name="Blank Slide">
     <p:spTree>
       <p:nvGrpSpPr>
@@ -1379,11 +925,14 @@
       </p:grpSpPr>
     </p:spTree>
   </p:cSld>
+  <p:clrMapOvr>
+    <a:masterClrMapping/>
+  </p:clrMapOvr>
 </p:sldLayout>
 </file>
 
 <file path=ppt/slideLayouts/slideLayout10.xml><?xml version="1.0" encoding="utf-8"?>
-<p:sldLayout xmlns:a="http://schemas.openxmlformats.org/drawingml/2006/main" xmlns:p="http://schemas.openxmlformats.org/presentationml/2006/main" xmlns:r="http://schemas.openxmlformats.org/officeDocument/2006/relationships" xmlns:p14="http://schemas.microsoft.com/office/powerpoint/2010/main" xmlns:p15="http://schemas.microsoft.com/office/powerpoint/2012/main" xmlns:mc="http://schemas.openxmlformats.org/markup-compatibility/2006" type="objOverTx" preserve="1">
+<p:sldLayout xmlns:a="http://schemas.openxmlformats.org/drawingml/2006/main" xmlns:r="http://schemas.openxmlformats.org/officeDocument/2006/relationships" xmlns:p="http://schemas.openxmlformats.org/presentationml/2006/main" type="objOverTx" preserve="1">
   <p:cSld name="Title, Content over Content">
     <p:spTree>
       <p:nvGrpSpPr>
@@ -1419,11 +968,12 @@
           </a:prstGeom>
         </p:spPr>
         <p:txBody>
-          <a:bodyPr lIns="0" rIns="0" tIns="0" bIns="0" anchor="ctr">
+          <a:bodyPr lIns="0" tIns="0" rIns="0" bIns="0" anchor="ctr">
             <a:noAutofit/>
           </a:bodyPr>
-          <a:p>
-            <a:endParaRPr b="0" lang="en-US" sz="1800" spc="-1" strike="noStrike">
+          <a:lstStyle/>
+          <a:p>
+            <a:endParaRPr lang="en-US" sz="1800" b="0" strike="noStrike" spc="-1">
               <a:solidFill>
                 <a:srgbClr val="000000"/>
               </a:solidFill>
@@ -1452,11 +1002,12 @@
           </a:prstGeom>
         </p:spPr>
         <p:txBody>
-          <a:bodyPr lIns="0" rIns="0" tIns="0" bIns="0">
+          <a:bodyPr lIns="0" tIns="0" rIns="0" bIns="0">
             <a:normAutofit/>
           </a:bodyPr>
-          <a:p>
-            <a:endParaRPr b="0" lang="en-US" sz="2800" spc="-1" strike="noStrike">
+          <a:lstStyle/>
+          <a:p>
+            <a:endParaRPr lang="en-US" sz="2800" b="0" strike="noStrike" spc="-1">
               <a:solidFill>
                 <a:srgbClr val="000000"/>
               </a:solidFill>
@@ -1485,11 +1036,12 @@
           </a:prstGeom>
         </p:spPr>
         <p:txBody>
-          <a:bodyPr lIns="0" rIns="0" tIns="0" bIns="0">
+          <a:bodyPr lIns="0" tIns="0" rIns="0" bIns="0">
             <a:normAutofit/>
           </a:bodyPr>
-          <a:p>
-            <a:endParaRPr b="0" lang="en-US" sz="2800" spc="-1" strike="noStrike">
+          <a:lstStyle/>
+          <a:p>
+            <a:endParaRPr lang="en-US" sz="2800" b="0" strike="noStrike" spc="-1">
               <a:solidFill>
                 <a:srgbClr val="000000"/>
               </a:solidFill>
@@ -1500,11 +1052,14 @@
       </p:sp>
     </p:spTree>
   </p:cSld>
+  <p:clrMapOvr>
+    <a:masterClrMapping/>
+  </p:clrMapOvr>
 </p:sldLayout>
 </file>
 
 <file path=ppt/slideLayouts/slideLayout11.xml><?xml version="1.0" encoding="utf-8"?>
-<p:sldLayout xmlns:a="http://schemas.openxmlformats.org/drawingml/2006/main" xmlns:p="http://schemas.openxmlformats.org/presentationml/2006/main" xmlns:r="http://schemas.openxmlformats.org/officeDocument/2006/relationships" xmlns:p14="http://schemas.microsoft.com/office/powerpoint/2010/main" xmlns:p15="http://schemas.microsoft.com/office/powerpoint/2012/main" xmlns:mc="http://schemas.openxmlformats.org/markup-compatibility/2006" type="fourObj" preserve="1">
+<p:sldLayout xmlns:a="http://schemas.openxmlformats.org/drawingml/2006/main" xmlns:r="http://schemas.openxmlformats.org/officeDocument/2006/relationships" xmlns:p="http://schemas.openxmlformats.org/presentationml/2006/main" type="fourObj" preserve="1">
   <p:cSld name="Title, 4 Content">
     <p:spTree>
       <p:nvGrpSpPr>
@@ -1540,11 +1095,12 @@
           </a:prstGeom>
         </p:spPr>
         <p:txBody>
-          <a:bodyPr lIns="0" rIns="0" tIns="0" bIns="0" anchor="ctr">
+          <a:bodyPr lIns="0" tIns="0" rIns="0" bIns="0" anchor="ctr">
             <a:noAutofit/>
           </a:bodyPr>
-          <a:p>
-            <a:endParaRPr b="0" lang="en-US" sz="1800" spc="-1" strike="noStrike">
+          <a:lstStyle/>
+          <a:p>
+            <a:endParaRPr lang="en-US" sz="1800" b="0" strike="noStrike" spc="-1">
               <a:solidFill>
                 <a:srgbClr val="000000"/>
               </a:solidFill>
@@ -1573,11 +1129,12 @@
           </a:prstGeom>
         </p:spPr>
         <p:txBody>
-          <a:bodyPr lIns="0" rIns="0" tIns="0" bIns="0">
+          <a:bodyPr lIns="0" tIns="0" rIns="0" bIns="0">
             <a:normAutofit/>
           </a:bodyPr>
-          <a:p>
-            <a:endParaRPr b="0" lang="en-US" sz="2800" spc="-1" strike="noStrike">
+          <a:lstStyle/>
+          <a:p>
+            <a:endParaRPr lang="en-US" sz="2800" b="0" strike="noStrike" spc="-1">
               <a:solidFill>
                 <a:srgbClr val="000000"/>
               </a:solidFill>
@@ -1606,11 +1163,12 @@
           </a:prstGeom>
         </p:spPr>
         <p:txBody>
-          <a:bodyPr lIns="0" rIns="0" tIns="0" bIns="0">
+          <a:bodyPr lIns="0" tIns="0" rIns="0" bIns="0">
             <a:normAutofit/>
           </a:bodyPr>
-          <a:p>
-            <a:endParaRPr b="0" lang="en-US" sz="2800" spc="-1" strike="noStrike">
+          <a:lstStyle/>
+          <a:p>
+            <a:endParaRPr lang="en-US" sz="2800" b="0" strike="noStrike" spc="-1">
               <a:solidFill>
                 <a:srgbClr val="000000"/>
               </a:solidFill>
@@ -1639,11 +1197,12 @@
           </a:prstGeom>
         </p:spPr>
         <p:txBody>
-          <a:bodyPr lIns="0" rIns="0" tIns="0" bIns="0">
+          <a:bodyPr lIns="0" tIns="0" rIns="0" bIns="0">
             <a:normAutofit/>
           </a:bodyPr>
-          <a:p>
-            <a:endParaRPr b="0" lang="en-US" sz="2800" spc="-1" strike="noStrike">
+          <a:lstStyle/>
+          <a:p>
+            <a:endParaRPr lang="en-US" sz="2800" b="0" strike="noStrike" spc="-1">
               <a:solidFill>
                 <a:srgbClr val="000000"/>
               </a:solidFill>
@@ -1672,11 +1231,12 @@
           </a:prstGeom>
         </p:spPr>
         <p:txBody>
-          <a:bodyPr lIns="0" rIns="0" tIns="0" bIns="0">
+          <a:bodyPr lIns="0" tIns="0" rIns="0" bIns="0">
             <a:normAutofit/>
           </a:bodyPr>
-          <a:p>
-            <a:endParaRPr b="0" lang="en-US" sz="2800" spc="-1" strike="noStrike">
+          <a:lstStyle/>
+          <a:p>
+            <a:endParaRPr lang="en-US" sz="2800" b="0" strike="noStrike" spc="-1">
               <a:solidFill>
                 <a:srgbClr val="000000"/>
               </a:solidFill>
@@ -1687,11 +1247,14 @@
       </p:sp>
     </p:spTree>
   </p:cSld>
+  <p:clrMapOvr>
+    <a:masterClrMapping/>
+  </p:clrMapOvr>
 </p:sldLayout>
 </file>
 
 <file path=ppt/slideLayouts/slideLayout12.xml><?xml version="1.0" encoding="utf-8"?>
-<p:sldLayout xmlns:a="http://schemas.openxmlformats.org/drawingml/2006/main" xmlns:p="http://schemas.openxmlformats.org/presentationml/2006/main" xmlns:r="http://schemas.openxmlformats.org/officeDocument/2006/relationships" xmlns:p14="http://schemas.microsoft.com/office/powerpoint/2010/main" xmlns:p15="http://schemas.microsoft.com/office/powerpoint/2012/main" xmlns:mc="http://schemas.openxmlformats.org/markup-compatibility/2006" type="blank" preserve="1">
+<p:sldLayout xmlns:a="http://schemas.openxmlformats.org/drawingml/2006/main" xmlns:r="http://schemas.openxmlformats.org/officeDocument/2006/relationships" xmlns:p="http://schemas.openxmlformats.org/presentationml/2006/main" type="blank" preserve="1">
   <p:cSld name="Title, 6 Content">
     <p:spTree>
       <p:nvGrpSpPr>
@@ -1727,11 +1290,12 @@
           </a:prstGeom>
         </p:spPr>
         <p:txBody>
-          <a:bodyPr lIns="0" rIns="0" tIns="0" bIns="0" anchor="ctr">
+          <a:bodyPr lIns="0" tIns="0" rIns="0" bIns="0" anchor="ctr">
             <a:noAutofit/>
           </a:bodyPr>
-          <a:p>
-            <a:endParaRPr b="0" lang="en-US" sz="1800" spc="-1" strike="noStrike">
+          <a:lstStyle/>
+          <a:p>
+            <a:endParaRPr lang="en-US" sz="1800" b="0" strike="noStrike" spc="-1">
               <a:solidFill>
                 <a:srgbClr val="000000"/>
               </a:solidFill>
@@ -1760,11 +1324,12 @@
           </a:prstGeom>
         </p:spPr>
         <p:txBody>
-          <a:bodyPr lIns="0" rIns="0" tIns="0" bIns="0">
+          <a:bodyPr lIns="0" tIns="0" rIns="0" bIns="0">
             <a:normAutofit/>
           </a:bodyPr>
-          <a:p>
-            <a:endParaRPr b="0" lang="en-US" sz="2800" spc="-1" strike="noStrike">
+          <a:lstStyle/>
+          <a:p>
+            <a:endParaRPr lang="en-US" sz="2800" b="0" strike="noStrike" spc="-1">
               <a:solidFill>
                 <a:srgbClr val="000000"/>
               </a:solidFill>
@@ -1793,11 +1358,12 @@
           </a:prstGeom>
         </p:spPr>
         <p:txBody>
-          <a:bodyPr lIns="0" rIns="0" tIns="0" bIns="0">
+          <a:bodyPr lIns="0" tIns="0" rIns="0" bIns="0">
             <a:normAutofit/>
           </a:bodyPr>
-          <a:p>
-            <a:endParaRPr b="0" lang="en-US" sz="2800" spc="-1" strike="noStrike">
+          <a:lstStyle/>
+          <a:p>
+            <a:endParaRPr lang="en-US" sz="2800" b="0" strike="noStrike" spc="-1">
               <a:solidFill>
                 <a:srgbClr val="000000"/>
               </a:solidFill>
@@ -1826,11 +1392,12 @@
           </a:prstGeom>
         </p:spPr>
         <p:txBody>
-          <a:bodyPr lIns="0" rIns="0" tIns="0" bIns="0">
+          <a:bodyPr lIns="0" tIns="0" rIns="0" bIns="0">
             <a:normAutofit/>
           </a:bodyPr>
-          <a:p>
-            <a:endParaRPr b="0" lang="en-US" sz="2800" spc="-1" strike="noStrike">
+          <a:lstStyle/>
+          <a:p>
+            <a:endParaRPr lang="en-US" sz="2800" b="0" strike="noStrike" spc="-1">
               <a:solidFill>
                 <a:srgbClr val="000000"/>
               </a:solidFill>
@@ -1859,11 +1426,12 @@
           </a:prstGeom>
         </p:spPr>
         <p:txBody>
-          <a:bodyPr lIns="0" rIns="0" tIns="0" bIns="0">
+          <a:bodyPr lIns="0" tIns="0" rIns="0" bIns="0">
             <a:normAutofit/>
           </a:bodyPr>
-          <a:p>
-            <a:endParaRPr b="0" lang="en-US" sz="2800" spc="-1" strike="noStrike">
+          <a:lstStyle/>
+          <a:p>
+            <a:endParaRPr lang="en-US" sz="2800" b="0" strike="noStrike" spc="-1">
               <a:solidFill>
                 <a:srgbClr val="000000"/>
               </a:solidFill>
@@ -1892,11 +1460,12 @@
           </a:prstGeom>
         </p:spPr>
         <p:txBody>
-          <a:bodyPr lIns="0" rIns="0" tIns="0" bIns="0">
+          <a:bodyPr lIns="0" tIns="0" rIns="0" bIns="0">
             <a:normAutofit/>
           </a:bodyPr>
-          <a:p>
-            <a:endParaRPr b="0" lang="en-US" sz="2800" spc="-1" strike="noStrike">
+          <a:lstStyle/>
+          <a:p>
+            <a:endParaRPr lang="en-US" sz="2800" b="0" strike="noStrike" spc="-1">
               <a:solidFill>
                 <a:srgbClr val="000000"/>
               </a:solidFill>
@@ -1925,11 +1494,12 @@
           </a:prstGeom>
         </p:spPr>
         <p:txBody>
-          <a:bodyPr lIns="0" rIns="0" tIns="0" bIns="0">
+          <a:bodyPr lIns="0" tIns="0" rIns="0" bIns="0">
             <a:normAutofit/>
           </a:bodyPr>
-          <a:p>
-            <a:endParaRPr b="0" lang="en-US" sz="2800" spc="-1" strike="noStrike">
+          <a:lstStyle/>
+          <a:p>
+            <a:endParaRPr lang="en-US" sz="2800" b="0" strike="noStrike" spc="-1">
               <a:solidFill>
                 <a:srgbClr val="000000"/>
               </a:solidFill>
@@ -1940,11 +1510,14 @@
       </p:sp>
     </p:spTree>
   </p:cSld>
+  <p:clrMapOvr>
+    <a:masterClrMapping/>
+  </p:clrMapOvr>
 </p:sldLayout>
 </file>
 
 <file path=ppt/slideLayouts/slideLayout13.xml><?xml version="1.0" encoding="utf-8"?>
-<p:sldLayout xmlns:a="http://schemas.openxmlformats.org/drawingml/2006/main" xmlns:p="http://schemas.openxmlformats.org/presentationml/2006/main" xmlns:r="http://schemas.openxmlformats.org/officeDocument/2006/relationships" xmlns:p14="http://schemas.microsoft.com/office/powerpoint/2010/main" xmlns:p15="http://schemas.microsoft.com/office/powerpoint/2012/main" xmlns:mc="http://schemas.openxmlformats.org/markup-compatibility/2006" type="blank" preserve="1">
+<p:sldLayout xmlns:a="http://schemas.openxmlformats.org/drawingml/2006/main" xmlns:r="http://schemas.openxmlformats.org/officeDocument/2006/relationships" xmlns:p="http://schemas.openxmlformats.org/presentationml/2006/main" type="blank" preserve="1">
   <p:cSld name="Blank Slide">
     <p:spTree>
       <p:nvGrpSpPr>
@@ -1962,11 +1535,14 @@
       </p:grpSpPr>
     </p:spTree>
   </p:cSld>
+  <p:clrMapOvr>
+    <a:masterClrMapping/>
+  </p:clrMapOvr>
 </p:sldLayout>
 </file>
 
 <file path=ppt/slideLayouts/slideLayout14.xml><?xml version="1.0" encoding="utf-8"?>
-<p:sldLayout xmlns:a="http://schemas.openxmlformats.org/drawingml/2006/main" xmlns:p="http://schemas.openxmlformats.org/presentationml/2006/main" xmlns:r="http://schemas.openxmlformats.org/officeDocument/2006/relationships" xmlns:p14="http://schemas.microsoft.com/office/powerpoint/2010/main" xmlns:p15="http://schemas.microsoft.com/office/powerpoint/2012/main" xmlns:mc="http://schemas.openxmlformats.org/markup-compatibility/2006" type="tx" preserve="1">
+<p:sldLayout xmlns:a="http://schemas.openxmlformats.org/drawingml/2006/main" xmlns:r="http://schemas.openxmlformats.org/officeDocument/2006/relationships" xmlns:p="http://schemas.openxmlformats.org/presentationml/2006/main" type="tx" preserve="1">
   <p:cSld name="Title Slide">
     <p:spTree>
       <p:nvGrpSpPr>
@@ -2002,11 +1578,12 @@
           </a:prstGeom>
         </p:spPr>
         <p:txBody>
-          <a:bodyPr lIns="0" rIns="0" tIns="0" bIns="0" anchor="ctr">
+          <a:bodyPr lIns="0" tIns="0" rIns="0" bIns="0" anchor="ctr">
             <a:noAutofit/>
           </a:bodyPr>
-          <a:p>
-            <a:endParaRPr b="0" lang="en-US" sz="1800" spc="-1" strike="noStrike">
+          <a:lstStyle/>
+          <a:p>
+            <a:endParaRPr lang="en-US" sz="1800" b="0" strike="noStrike" spc="-1">
               <a:solidFill>
                 <a:srgbClr val="000000"/>
               </a:solidFill>
@@ -2035,12 +1612,13 @@
           </a:prstGeom>
         </p:spPr>
         <p:txBody>
-          <a:bodyPr lIns="0" rIns="0" tIns="0" bIns="0" anchor="ctr">
+          <a:bodyPr lIns="0" tIns="0" rIns="0" bIns="0" anchor="ctr">
             <a:noAutofit/>
           </a:bodyPr>
+          <a:lstStyle/>
           <a:p>
             <a:pPr algn="ctr"/>
-            <a:endParaRPr b="0" lang="en-US" sz="3200" spc="-1" strike="noStrike">
+            <a:endParaRPr lang="en-US" sz="3200" b="0" strike="noStrike" spc="-1">
               <a:latin typeface="Arial"/>
             </a:endParaRPr>
           </a:p>
@@ -2048,11 +1626,14 @@
       </p:sp>
     </p:spTree>
   </p:cSld>
+  <p:clrMapOvr>
+    <a:masterClrMapping/>
+  </p:clrMapOvr>
 </p:sldLayout>
 </file>
 
 <file path=ppt/slideLayouts/slideLayout15.xml><?xml version="1.0" encoding="utf-8"?>
-<p:sldLayout xmlns:a="http://schemas.openxmlformats.org/drawingml/2006/main" xmlns:p="http://schemas.openxmlformats.org/presentationml/2006/main" xmlns:r="http://schemas.openxmlformats.org/officeDocument/2006/relationships" xmlns:p14="http://schemas.microsoft.com/office/powerpoint/2010/main" xmlns:p15="http://schemas.microsoft.com/office/powerpoint/2012/main" xmlns:mc="http://schemas.openxmlformats.org/markup-compatibility/2006" type="obj" preserve="1">
+<p:sldLayout xmlns:a="http://schemas.openxmlformats.org/drawingml/2006/main" xmlns:r="http://schemas.openxmlformats.org/officeDocument/2006/relationships" xmlns:p="http://schemas.openxmlformats.org/presentationml/2006/main" type="obj" preserve="1">
   <p:cSld name="Title, Content">
     <p:spTree>
       <p:nvGrpSpPr>
@@ -2088,11 +1669,12 @@
           </a:prstGeom>
         </p:spPr>
         <p:txBody>
-          <a:bodyPr lIns="0" rIns="0" tIns="0" bIns="0" anchor="ctr">
+          <a:bodyPr lIns="0" tIns="0" rIns="0" bIns="0" anchor="ctr">
             <a:noAutofit/>
           </a:bodyPr>
-          <a:p>
-            <a:endParaRPr b="0" lang="en-US" sz="1800" spc="-1" strike="noStrike">
+          <a:lstStyle/>
+          <a:p>
+            <a:endParaRPr lang="en-US" sz="1800" b="0" strike="noStrike" spc="-1">
               <a:solidFill>
                 <a:srgbClr val="000000"/>
               </a:solidFill>
@@ -2121,11 +1703,12 @@
           </a:prstGeom>
         </p:spPr>
         <p:txBody>
-          <a:bodyPr lIns="0" rIns="0" tIns="0" bIns="0">
+          <a:bodyPr lIns="0" tIns="0" rIns="0" bIns="0">
             <a:normAutofit/>
           </a:bodyPr>
-          <a:p>
-            <a:endParaRPr b="0" lang="en-US" sz="2800" spc="-1" strike="noStrike">
+          <a:lstStyle/>
+          <a:p>
+            <a:endParaRPr lang="en-US" sz="2800" b="0" strike="noStrike" spc="-1">
               <a:solidFill>
                 <a:srgbClr val="000000"/>
               </a:solidFill>
@@ -2136,11 +1719,14 @@
       </p:sp>
     </p:spTree>
   </p:cSld>
+  <p:clrMapOvr>
+    <a:masterClrMapping/>
+  </p:clrMapOvr>
 </p:sldLayout>
 </file>
 
 <file path=ppt/slideLayouts/slideLayout16.xml><?xml version="1.0" encoding="utf-8"?>
-<p:sldLayout xmlns:a="http://schemas.openxmlformats.org/drawingml/2006/main" xmlns:p="http://schemas.openxmlformats.org/presentationml/2006/main" xmlns:r="http://schemas.openxmlformats.org/officeDocument/2006/relationships" xmlns:p14="http://schemas.microsoft.com/office/powerpoint/2010/main" xmlns:p15="http://schemas.microsoft.com/office/powerpoint/2012/main" xmlns:mc="http://schemas.openxmlformats.org/markup-compatibility/2006" type="twoObj" preserve="1">
+<p:sldLayout xmlns:a="http://schemas.openxmlformats.org/drawingml/2006/main" xmlns:r="http://schemas.openxmlformats.org/officeDocument/2006/relationships" xmlns:p="http://schemas.openxmlformats.org/presentationml/2006/main" type="twoObj" preserve="1">
   <p:cSld name="Title, 2 Content">
     <p:spTree>
       <p:nvGrpSpPr>
@@ -2176,11 +1762,12 @@
           </a:prstGeom>
         </p:spPr>
         <p:txBody>
-          <a:bodyPr lIns="0" rIns="0" tIns="0" bIns="0" anchor="ctr">
+          <a:bodyPr lIns="0" tIns="0" rIns="0" bIns="0" anchor="ctr">
             <a:noAutofit/>
           </a:bodyPr>
-          <a:p>
-            <a:endParaRPr b="0" lang="en-US" sz="1800" spc="-1" strike="noStrike">
+          <a:lstStyle/>
+          <a:p>
+            <a:endParaRPr lang="en-US" sz="1800" b="0" strike="noStrike" spc="-1">
               <a:solidFill>
                 <a:srgbClr val="000000"/>
               </a:solidFill>
@@ -2209,11 +1796,12 @@
           </a:prstGeom>
         </p:spPr>
         <p:txBody>
-          <a:bodyPr lIns="0" rIns="0" tIns="0" bIns="0">
+          <a:bodyPr lIns="0" tIns="0" rIns="0" bIns="0">
             <a:normAutofit/>
           </a:bodyPr>
-          <a:p>
-            <a:endParaRPr b="0" lang="en-US" sz="2800" spc="-1" strike="noStrike">
+          <a:lstStyle/>
+          <a:p>
+            <a:endParaRPr lang="en-US" sz="2800" b="0" strike="noStrike" spc="-1">
               <a:solidFill>
                 <a:srgbClr val="000000"/>
               </a:solidFill>
@@ -2242,11 +1830,12 @@
           </a:prstGeom>
         </p:spPr>
         <p:txBody>
-          <a:bodyPr lIns="0" rIns="0" tIns="0" bIns="0">
+          <a:bodyPr lIns="0" tIns="0" rIns="0" bIns="0">
             <a:normAutofit/>
           </a:bodyPr>
-          <a:p>
-            <a:endParaRPr b="0" lang="en-US" sz="2800" spc="-1" strike="noStrike">
+          <a:lstStyle/>
+          <a:p>
+            <a:endParaRPr lang="en-US" sz="2800" b="0" strike="noStrike" spc="-1">
               <a:solidFill>
                 <a:srgbClr val="000000"/>
               </a:solidFill>
@@ -2257,11 +1846,14 @@
       </p:sp>
     </p:spTree>
   </p:cSld>
+  <p:clrMapOvr>
+    <a:masterClrMapping/>
+  </p:clrMapOvr>
 </p:sldLayout>
 </file>
 
 <file path=ppt/slideLayouts/slideLayout17.xml><?xml version="1.0" encoding="utf-8"?>
-<p:sldLayout xmlns:a="http://schemas.openxmlformats.org/drawingml/2006/main" xmlns:p="http://schemas.openxmlformats.org/presentationml/2006/main" xmlns:r="http://schemas.openxmlformats.org/officeDocument/2006/relationships" xmlns:p14="http://schemas.microsoft.com/office/powerpoint/2010/main" xmlns:p15="http://schemas.microsoft.com/office/powerpoint/2012/main" xmlns:mc="http://schemas.openxmlformats.org/markup-compatibility/2006" type="titleOnly" preserve="1">
+<p:sldLayout xmlns:a="http://schemas.openxmlformats.org/drawingml/2006/main" xmlns:r="http://schemas.openxmlformats.org/officeDocument/2006/relationships" xmlns:p="http://schemas.openxmlformats.org/presentationml/2006/main" type="titleOnly" preserve="1">
   <p:cSld name="Title Only">
     <p:spTree>
       <p:nvGrpSpPr>
@@ -2297,11 +1889,12 @@
           </a:prstGeom>
         </p:spPr>
         <p:txBody>
-          <a:bodyPr lIns="0" rIns="0" tIns="0" bIns="0" anchor="ctr">
+          <a:bodyPr lIns="0" tIns="0" rIns="0" bIns="0" anchor="ctr">
             <a:noAutofit/>
           </a:bodyPr>
-          <a:p>
-            <a:endParaRPr b="0" lang="en-US" sz="1800" spc="-1" strike="noStrike">
+          <a:lstStyle/>
+          <a:p>
+            <a:endParaRPr lang="en-US" sz="1800" b="0" strike="noStrike" spc="-1">
               <a:solidFill>
                 <a:srgbClr val="000000"/>
               </a:solidFill>
@@ -2312,11 +1905,14 @@
       </p:sp>
     </p:spTree>
   </p:cSld>
+  <p:clrMapOvr>
+    <a:masterClrMapping/>
+  </p:clrMapOvr>
 </p:sldLayout>
 </file>
 
 <file path=ppt/slideLayouts/slideLayout18.xml><?xml version="1.0" encoding="utf-8"?>
-<p:sldLayout xmlns:a="http://schemas.openxmlformats.org/drawingml/2006/main" xmlns:p="http://schemas.openxmlformats.org/presentationml/2006/main" xmlns:r="http://schemas.openxmlformats.org/officeDocument/2006/relationships" xmlns:p14="http://schemas.microsoft.com/office/powerpoint/2010/main" xmlns:p15="http://schemas.microsoft.com/office/powerpoint/2012/main" xmlns:mc="http://schemas.openxmlformats.org/markup-compatibility/2006" type="objOnly" preserve="1">
+<p:sldLayout xmlns:a="http://schemas.openxmlformats.org/drawingml/2006/main" xmlns:r="http://schemas.openxmlformats.org/officeDocument/2006/relationships" xmlns:p="http://schemas.openxmlformats.org/presentationml/2006/main" type="objOnly" preserve="1">
   <p:cSld name="Centered Text">
     <p:spTree>
       <p:nvGrpSpPr>
@@ -2352,12 +1948,13 @@
           </a:prstGeom>
         </p:spPr>
         <p:txBody>
-          <a:bodyPr lIns="0" rIns="0" tIns="0" bIns="0" anchor="ctr">
+          <a:bodyPr lIns="0" tIns="0" rIns="0" bIns="0" anchor="ctr">
             <a:noAutofit/>
           </a:bodyPr>
+          <a:lstStyle/>
           <a:p>
             <a:pPr algn="ctr"/>
-            <a:endParaRPr b="0" lang="en-US" sz="3200" spc="-1" strike="noStrike">
+            <a:endParaRPr lang="en-US" sz="3200" b="0" strike="noStrike" spc="-1">
               <a:latin typeface="Arial"/>
             </a:endParaRPr>
           </a:p>
@@ -2365,11 +1962,14 @@
       </p:sp>
     </p:spTree>
   </p:cSld>
+  <p:clrMapOvr>
+    <a:masterClrMapping/>
+  </p:clrMapOvr>
 </p:sldLayout>
 </file>
 
 <file path=ppt/slideLayouts/slideLayout19.xml><?xml version="1.0" encoding="utf-8"?>
-<p:sldLayout xmlns:a="http://schemas.openxmlformats.org/drawingml/2006/main" xmlns:p="http://schemas.openxmlformats.org/presentationml/2006/main" xmlns:r="http://schemas.openxmlformats.org/officeDocument/2006/relationships" xmlns:p14="http://schemas.microsoft.com/office/powerpoint/2010/main" xmlns:p15="http://schemas.microsoft.com/office/powerpoint/2012/main" xmlns:mc="http://schemas.openxmlformats.org/markup-compatibility/2006" type="twoObjAndObj" preserve="1">
+<p:sldLayout xmlns:a="http://schemas.openxmlformats.org/drawingml/2006/main" xmlns:r="http://schemas.openxmlformats.org/officeDocument/2006/relationships" xmlns:p="http://schemas.openxmlformats.org/presentationml/2006/main" type="twoObjAndObj" preserve="1">
   <p:cSld name="Title, 2 Content and Content">
     <p:spTree>
       <p:nvGrpSpPr>
@@ -2405,11 +2005,12 @@
           </a:prstGeom>
         </p:spPr>
         <p:txBody>
-          <a:bodyPr lIns="0" rIns="0" tIns="0" bIns="0" anchor="ctr">
+          <a:bodyPr lIns="0" tIns="0" rIns="0" bIns="0" anchor="ctr">
             <a:noAutofit/>
           </a:bodyPr>
-          <a:p>
-            <a:endParaRPr b="0" lang="en-US" sz="1800" spc="-1" strike="noStrike">
+          <a:lstStyle/>
+          <a:p>
+            <a:endParaRPr lang="en-US" sz="1800" b="0" strike="noStrike" spc="-1">
               <a:solidFill>
                 <a:srgbClr val="000000"/>
               </a:solidFill>
@@ -2438,11 +2039,12 @@
           </a:prstGeom>
         </p:spPr>
         <p:txBody>
-          <a:bodyPr lIns="0" rIns="0" tIns="0" bIns="0">
+          <a:bodyPr lIns="0" tIns="0" rIns="0" bIns="0">
             <a:normAutofit/>
           </a:bodyPr>
-          <a:p>
-            <a:endParaRPr b="0" lang="en-US" sz="2800" spc="-1" strike="noStrike">
+          <a:lstStyle/>
+          <a:p>
+            <a:endParaRPr lang="en-US" sz="2800" b="0" strike="noStrike" spc="-1">
               <a:solidFill>
                 <a:srgbClr val="000000"/>
               </a:solidFill>
@@ -2471,11 +2073,12 @@
           </a:prstGeom>
         </p:spPr>
         <p:txBody>
-          <a:bodyPr lIns="0" rIns="0" tIns="0" bIns="0">
+          <a:bodyPr lIns="0" tIns="0" rIns="0" bIns="0">
             <a:normAutofit/>
           </a:bodyPr>
-          <a:p>
-            <a:endParaRPr b="0" lang="en-US" sz="2800" spc="-1" strike="noStrike">
+          <a:lstStyle/>
+          <a:p>
+            <a:endParaRPr lang="en-US" sz="2800" b="0" strike="noStrike" spc="-1">
               <a:solidFill>
                 <a:srgbClr val="000000"/>
               </a:solidFill>
@@ -2504,11 +2107,12 @@
           </a:prstGeom>
         </p:spPr>
         <p:txBody>
-          <a:bodyPr lIns="0" rIns="0" tIns="0" bIns="0">
+          <a:bodyPr lIns="0" tIns="0" rIns="0" bIns="0">
             <a:normAutofit/>
           </a:bodyPr>
-          <a:p>
-            <a:endParaRPr b="0" lang="en-US" sz="2800" spc="-1" strike="noStrike">
+          <a:lstStyle/>
+          <a:p>
+            <a:endParaRPr lang="en-US" sz="2800" b="0" strike="noStrike" spc="-1">
               <a:solidFill>
                 <a:srgbClr val="000000"/>
               </a:solidFill>
@@ -2519,11 +2123,14 @@
       </p:sp>
     </p:spTree>
   </p:cSld>
+  <p:clrMapOvr>
+    <a:masterClrMapping/>
+  </p:clrMapOvr>
 </p:sldLayout>
 </file>
 
 <file path=ppt/slideLayouts/slideLayout2.xml><?xml version="1.0" encoding="utf-8"?>
-<p:sldLayout xmlns:a="http://schemas.openxmlformats.org/drawingml/2006/main" xmlns:p="http://schemas.openxmlformats.org/presentationml/2006/main" xmlns:r="http://schemas.openxmlformats.org/officeDocument/2006/relationships" xmlns:p14="http://schemas.microsoft.com/office/powerpoint/2010/main" xmlns:p15="http://schemas.microsoft.com/office/powerpoint/2012/main" xmlns:mc="http://schemas.openxmlformats.org/markup-compatibility/2006" type="tx" preserve="1">
+<p:sldLayout xmlns:a="http://schemas.openxmlformats.org/drawingml/2006/main" xmlns:r="http://schemas.openxmlformats.org/officeDocument/2006/relationships" xmlns:p="http://schemas.openxmlformats.org/presentationml/2006/main" type="tx" preserve="1">
   <p:cSld name="Title Slide">
     <p:spTree>
       <p:nvGrpSpPr>
@@ -2559,11 +2166,12 @@
           </a:prstGeom>
         </p:spPr>
         <p:txBody>
-          <a:bodyPr lIns="0" rIns="0" tIns="0" bIns="0" anchor="ctr">
+          <a:bodyPr lIns="0" tIns="0" rIns="0" bIns="0" anchor="ctr">
             <a:noAutofit/>
           </a:bodyPr>
-          <a:p>
-            <a:endParaRPr b="0" lang="en-US" sz="1800" spc="-1" strike="noStrike">
+          <a:lstStyle/>
+          <a:p>
+            <a:endParaRPr lang="en-US" sz="1800" b="0" strike="noStrike" spc="-1">
               <a:solidFill>
                 <a:srgbClr val="000000"/>
               </a:solidFill>
@@ -2592,12 +2200,13 @@
           </a:prstGeom>
         </p:spPr>
         <p:txBody>
-          <a:bodyPr lIns="0" rIns="0" tIns="0" bIns="0" anchor="ctr">
+          <a:bodyPr lIns="0" tIns="0" rIns="0" bIns="0" anchor="ctr">
             <a:noAutofit/>
           </a:bodyPr>
+          <a:lstStyle/>
           <a:p>
             <a:pPr algn="ctr"/>
-            <a:endParaRPr b="0" lang="en-US" sz="3200" spc="-1" strike="noStrike">
+            <a:endParaRPr lang="en-US" sz="3200" b="0" strike="noStrike" spc="-1">
               <a:latin typeface="Arial"/>
             </a:endParaRPr>
           </a:p>
@@ -2605,11 +2214,14 @@
       </p:sp>
     </p:spTree>
   </p:cSld>
+  <p:clrMapOvr>
+    <a:masterClrMapping/>
+  </p:clrMapOvr>
 </p:sldLayout>
 </file>
 
 <file path=ppt/slideLayouts/slideLayout20.xml><?xml version="1.0" encoding="utf-8"?>
-<p:sldLayout xmlns:a="http://schemas.openxmlformats.org/drawingml/2006/main" xmlns:p="http://schemas.openxmlformats.org/presentationml/2006/main" xmlns:r="http://schemas.openxmlformats.org/officeDocument/2006/relationships" xmlns:p14="http://schemas.microsoft.com/office/powerpoint/2010/main" xmlns:p15="http://schemas.microsoft.com/office/powerpoint/2012/main" xmlns:mc="http://schemas.openxmlformats.org/markup-compatibility/2006" type="objAndTwoObj" preserve="1">
+<p:sldLayout xmlns:a="http://schemas.openxmlformats.org/drawingml/2006/main" xmlns:r="http://schemas.openxmlformats.org/officeDocument/2006/relationships" xmlns:p="http://schemas.openxmlformats.org/presentationml/2006/main" type="objAndTwoObj" preserve="1">
   <p:cSld name="Title Content and 2 Content">
     <p:spTree>
       <p:nvGrpSpPr>
@@ -2645,11 +2257,12 @@
           </a:prstGeom>
         </p:spPr>
         <p:txBody>
-          <a:bodyPr lIns="0" rIns="0" tIns="0" bIns="0" anchor="ctr">
+          <a:bodyPr lIns="0" tIns="0" rIns="0" bIns="0" anchor="ctr">
             <a:noAutofit/>
           </a:bodyPr>
-          <a:p>
-            <a:endParaRPr b="0" lang="en-US" sz="1800" spc="-1" strike="noStrike">
+          <a:lstStyle/>
+          <a:p>
+            <a:endParaRPr lang="en-US" sz="1800" b="0" strike="noStrike" spc="-1">
               <a:solidFill>
                 <a:srgbClr val="000000"/>
               </a:solidFill>
@@ -2678,11 +2291,12 @@
           </a:prstGeom>
         </p:spPr>
         <p:txBody>
-          <a:bodyPr lIns="0" rIns="0" tIns="0" bIns="0">
+          <a:bodyPr lIns="0" tIns="0" rIns="0" bIns="0">
             <a:normAutofit/>
           </a:bodyPr>
-          <a:p>
-            <a:endParaRPr b="0" lang="en-US" sz="2800" spc="-1" strike="noStrike">
+          <a:lstStyle/>
+          <a:p>
+            <a:endParaRPr lang="en-US" sz="2800" b="0" strike="noStrike" spc="-1">
               <a:solidFill>
                 <a:srgbClr val="000000"/>
               </a:solidFill>
@@ -2711,11 +2325,12 @@
           </a:prstGeom>
         </p:spPr>
         <p:txBody>
-          <a:bodyPr lIns="0" rIns="0" tIns="0" bIns="0">
+          <a:bodyPr lIns="0" tIns="0" rIns="0" bIns="0">
             <a:normAutofit/>
           </a:bodyPr>
-          <a:p>
-            <a:endParaRPr b="0" lang="en-US" sz="2800" spc="-1" strike="noStrike">
+          <a:lstStyle/>
+          <a:p>
+            <a:endParaRPr lang="en-US" sz="2800" b="0" strike="noStrike" spc="-1">
               <a:solidFill>
                 <a:srgbClr val="000000"/>
               </a:solidFill>
@@ -2744,11 +2359,12 @@
           </a:prstGeom>
         </p:spPr>
         <p:txBody>
-          <a:bodyPr lIns="0" rIns="0" tIns="0" bIns="0">
+          <a:bodyPr lIns="0" tIns="0" rIns="0" bIns="0">
             <a:normAutofit/>
           </a:bodyPr>
-          <a:p>
-            <a:endParaRPr b="0" lang="en-US" sz="2800" spc="-1" strike="noStrike">
+          <a:lstStyle/>
+          <a:p>
+            <a:endParaRPr lang="en-US" sz="2800" b="0" strike="noStrike" spc="-1">
               <a:solidFill>
                 <a:srgbClr val="000000"/>
               </a:solidFill>
@@ -2759,11 +2375,14 @@
       </p:sp>
     </p:spTree>
   </p:cSld>
+  <p:clrMapOvr>
+    <a:masterClrMapping/>
+  </p:clrMapOvr>
 </p:sldLayout>
 </file>
 
 <file path=ppt/slideLayouts/slideLayout21.xml><?xml version="1.0" encoding="utf-8"?>
-<p:sldLayout xmlns:a="http://schemas.openxmlformats.org/drawingml/2006/main" xmlns:p="http://schemas.openxmlformats.org/presentationml/2006/main" xmlns:r="http://schemas.openxmlformats.org/officeDocument/2006/relationships" xmlns:p14="http://schemas.microsoft.com/office/powerpoint/2010/main" xmlns:p15="http://schemas.microsoft.com/office/powerpoint/2012/main" xmlns:mc="http://schemas.openxmlformats.org/markup-compatibility/2006" type="twoObjOverTx" preserve="1">
+<p:sldLayout xmlns:a="http://schemas.openxmlformats.org/drawingml/2006/main" xmlns:r="http://schemas.openxmlformats.org/officeDocument/2006/relationships" xmlns:p="http://schemas.openxmlformats.org/presentationml/2006/main" type="twoObjOverTx" preserve="1">
   <p:cSld name="Title, 2 Content over Content">
     <p:spTree>
       <p:nvGrpSpPr>
@@ -2799,11 +2418,12 @@
           </a:prstGeom>
         </p:spPr>
         <p:txBody>
-          <a:bodyPr lIns="0" rIns="0" tIns="0" bIns="0" anchor="ctr">
+          <a:bodyPr lIns="0" tIns="0" rIns="0" bIns="0" anchor="ctr">
             <a:noAutofit/>
           </a:bodyPr>
-          <a:p>
-            <a:endParaRPr b="0" lang="en-US" sz="1800" spc="-1" strike="noStrike">
+          <a:lstStyle/>
+          <a:p>
+            <a:endParaRPr lang="en-US" sz="1800" b="0" strike="noStrike" spc="-1">
               <a:solidFill>
                 <a:srgbClr val="000000"/>
               </a:solidFill>
@@ -2832,11 +2452,12 @@
           </a:prstGeom>
         </p:spPr>
         <p:txBody>
-          <a:bodyPr lIns="0" rIns="0" tIns="0" bIns="0">
+          <a:bodyPr lIns="0" tIns="0" rIns="0" bIns="0">
             <a:normAutofit/>
           </a:bodyPr>
-          <a:p>
-            <a:endParaRPr b="0" lang="en-US" sz="2800" spc="-1" strike="noStrike">
+          <a:lstStyle/>
+          <a:p>
+            <a:endParaRPr lang="en-US" sz="2800" b="0" strike="noStrike" spc="-1">
               <a:solidFill>
                 <a:srgbClr val="000000"/>
               </a:solidFill>
@@ -2865,11 +2486,12 @@
           </a:prstGeom>
         </p:spPr>
         <p:txBody>
-          <a:bodyPr lIns="0" rIns="0" tIns="0" bIns="0">
+          <a:bodyPr lIns="0" tIns="0" rIns="0" bIns="0">
             <a:normAutofit/>
           </a:bodyPr>
-          <a:p>
-            <a:endParaRPr b="0" lang="en-US" sz="2800" spc="-1" strike="noStrike">
+          <a:lstStyle/>
+          <a:p>
+            <a:endParaRPr lang="en-US" sz="2800" b="0" strike="noStrike" spc="-1">
               <a:solidFill>
                 <a:srgbClr val="000000"/>
               </a:solidFill>
@@ -2898,11 +2520,12 @@
           </a:prstGeom>
         </p:spPr>
         <p:txBody>
-          <a:bodyPr lIns="0" rIns="0" tIns="0" bIns="0">
+          <a:bodyPr lIns="0" tIns="0" rIns="0" bIns="0">
             <a:normAutofit/>
           </a:bodyPr>
-          <a:p>
-            <a:endParaRPr b="0" lang="en-US" sz="2800" spc="-1" strike="noStrike">
+          <a:lstStyle/>
+          <a:p>
+            <a:endParaRPr lang="en-US" sz="2800" b="0" strike="noStrike" spc="-1">
               <a:solidFill>
                 <a:srgbClr val="000000"/>
               </a:solidFill>
@@ -2913,11 +2536,14 @@
       </p:sp>
     </p:spTree>
   </p:cSld>
+  <p:clrMapOvr>
+    <a:masterClrMapping/>
+  </p:clrMapOvr>
 </p:sldLayout>
 </file>
 
 <file path=ppt/slideLayouts/slideLayout22.xml><?xml version="1.0" encoding="utf-8"?>
-<p:sldLayout xmlns:a="http://schemas.openxmlformats.org/drawingml/2006/main" xmlns:p="http://schemas.openxmlformats.org/presentationml/2006/main" xmlns:r="http://schemas.openxmlformats.org/officeDocument/2006/relationships" xmlns:p14="http://schemas.microsoft.com/office/powerpoint/2010/main" xmlns:p15="http://schemas.microsoft.com/office/powerpoint/2012/main" xmlns:mc="http://schemas.openxmlformats.org/markup-compatibility/2006" type="objOverTx" preserve="1">
+<p:sldLayout xmlns:a="http://schemas.openxmlformats.org/drawingml/2006/main" xmlns:r="http://schemas.openxmlformats.org/officeDocument/2006/relationships" xmlns:p="http://schemas.openxmlformats.org/presentationml/2006/main" type="objOverTx" preserve="1">
   <p:cSld name="Title, Content over Content">
     <p:spTree>
       <p:nvGrpSpPr>
@@ -2953,11 +2579,12 @@
           </a:prstGeom>
         </p:spPr>
         <p:txBody>
-          <a:bodyPr lIns="0" rIns="0" tIns="0" bIns="0" anchor="ctr">
+          <a:bodyPr lIns="0" tIns="0" rIns="0" bIns="0" anchor="ctr">
             <a:noAutofit/>
           </a:bodyPr>
-          <a:p>
-            <a:endParaRPr b="0" lang="en-US" sz="1800" spc="-1" strike="noStrike">
+          <a:lstStyle/>
+          <a:p>
+            <a:endParaRPr lang="en-US" sz="1800" b="0" strike="noStrike" spc="-1">
               <a:solidFill>
                 <a:srgbClr val="000000"/>
               </a:solidFill>
@@ -2986,11 +2613,12 @@
           </a:prstGeom>
         </p:spPr>
         <p:txBody>
-          <a:bodyPr lIns="0" rIns="0" tIns="0" bIns="0">
+          <a:bodyPr lIns="0" tIns="0" rIns="0" bIns="0">
             <a:normAutofit/>
           </a:bodyPr>
-          <a:p>
-            <a:endParaRPr b="0" lang="en-US" sz="2800" spc="-1" strike="noStrike">
+          <a:lstStyle/>
+          <a:p>
+            <a:endParaRPr lang="en-US" sz="2800" b="0" strike="noStrike" spc="-1">
               <a:solidFill>
                 <a:srgbClr val="000000"/>
               </a:solidFill>
@@ -3019,11 +2647,12 @@
           </a:prstGeom>
         </p:spPr>
         <p:txBody>
-          <a:bodyPr lIns="0" rIns="0" tIns="0" bIns="0">
+          <a:bodyPr lIns="0" tIns="0" rIns="0" bIns="0">
             <a:normAutofit/>
           </a:bodyPr>
-          <a:p>
-            <a:endParaRPr b="0" lang="en-US" sz="2800" spc="-1" strike="noStrike">
+          <a:lstStyle/>
+          <a:p>
+            <a:endParaRPr lang="en-US" sz="2800" b="0" strike="noStrike" spc="-1">
               <a:solidFill>
                 <a:srgbClr val="000000"/>
               </a:solidFill>
@@ -3034,11 +2663,14 @@
       </p:sp>
     </p:spTree>
   </p:cSld>
+  <p:clrMapOvr>
+    <a:masterClrMapping/>
+  </p:clrMapOvr>
 </p:sldLayout>
 </file>
 
 <file path=ppt/slideLayouts/slideLayout23.xml><?xml version="1.0" encoding="utf-8"?>
-<p:sldLayout xmlns:a="http://schemas.openxmlformats.org/drawingml/2006/main" xmlns:p="http://schemas.openxmlformats.org/presentationml/2006/main" xmlns:r="http://schemas.openxmlformats.org/officeDocument/2006/relationships" xmlns:p14="http://schemas.microsoft.com/office/powerpoint/2010/main" xmlns:p15="http://schemas.microsoft.com/office/powerpoint/2012/main" xmlns:mc="http://schemas.openxmlformats.org/markup-compatibility/2006" type="fourObj" preserve="1">
+<p:sldLayout xmlns:a="http://schemas.openxmlformats.org/drawingml/2006/main" xmlns:r="http://schemas.openxmlformats.org/officeDocument/2006/relationships" xmlns:p="http://schemas.openxmlformats.org/presentationml/2006/main" type="fourObj" preserve="1">
   <p:cSld name="Title, 4 Content">
     <p:spTree>
       <p:nvGrpSpPr>
@@ -3074,11 +2706,12 @@
           </a:prstGeom>
         </p:spPr>
         <p:txBody>
-          <a:bodyPr lIns="0" rIns="0" tIns="0" bIns="0" anchor="ctr">
+          <a:bodyPr lIns="0" tIns="0" rIns="0" bIns="0" anchor="ctr">
             <a:noAutofit/>
           </a:bodyPr>
-          <a:p>
-            <a:endParaRPr b="0" lang="en-US" sz="1800" spc="-1" strike="noStrike">
+          <a:lstStyle/>
+          <a:p>
+            <a:endParaRPr lang="en-US" sz="1800" b="0" strike="noStrike" spc="-1">
               <a:solidFill>
                 <a:srgbClr val="000000"/>
               </a:solidFill>
@@ -3107,11 +2740,12 @@
           </a:prstGeom>
         </p:spPr>
         <p:txBody>
-          <a:bodyPr lIns="0" rIns="0" tIns="0" bIns="0">
+          <a:bodyPr lIns="0" tIns="0" rIns="0" bIns="0">
             <a:normAutofit/>
           </a:bodyPr>
-          <a:p>
-            <a:endParaRPr b="0" lang="en-US" sz="2800" spc="-1" strike="noStrike">
+          <a:lstStyle/>
+          <a:p>
+            <a:endParaRPr lang="en-US" sz="2800" b="0" strike="noStrike" spc="-1">
               <a:solidFill>
                 <a:srgbClr val="000000"/>
               </a:solidFill>
@@ -3140,11 +2774,12 @@
           </a:prstGeom>
         </p:spPr>
         <p:txBody>
-          <a:bodyPr lIns="0" rIns="0" tIns="0" bIns="0">
+          <a:bodyPr lIns="0" tIns="0" rIns="0" bIns="0">
             <a:normAutofit/>
           </a:bodyPr>
-          <a:p>
-            <a:endParaRPr b="0" lang="en-US" sz="2800" spc="-1" strike="noStrike">
+          <a:lstStyle/>
+          <a:p>
+            <a:endParaRPr lang="en-US" sz="2800" b="0" strike="noStrike" spc="-1">
               <a:solidFill>
                 <a:srgbClr val="000000"/>
               </a:solidFill>
@@ -3173,11 +2808,12 @@
           </a:prstGeom>
         </p:spPr>
         <p:txBody>
-          <a:bodyPr lIns="0" rIns="0" tIns="0" bIns="0">
+          <a:bodyPr lIns="0" tIns="0" rIns="0" bIns="0">
             <a:normAutofit/>
           </a:bodyPr>
-          <a:p>
-            <a:endParaRPr b="0" lang="en-US" sz="2800" spc="-1" strike="noStrike">
+          <a:lstStyle/>
+          <a:p>
+            <a:endParaRPr lang="en-US" sz="2800" b="0" strike="noStrike" spc="-1">
               <a:solidFill>
                 <a:srgbClr val="000000"/>
               </a:solidFill>
@@ -3206,11 +2842,12 @@
           </a:prstGeom>
         </p:spPr>
         <p:txBody>
-          <a:bodyPr lIns="0" rIns="0" tIns="0" bIns="0">
+          <a:bodyPr lIns="0" tIns="0" rIns="0" bIns="0">
             <a:normAutofit/>
           </a:bodyPr>
-          <a:p>
-            <a:endParaRPr b="0" lang="en-US" sz="2800" spc="-1" strike="noStrike">
+          <a:lstStyle/>
+          <a:p>
+            <a:endParaRPr lang="en-US" sz="2800" b="0" strike="noStrike" spc="-1">
               <a:solidFill>
                 <a:srgbClr val="000000"/>
               </a:solidFill>
@@ -3221,11 +2858,14 @@
       </p:sp>
     </p:spTree>
   </p:cSld>
+  <p:clrMapOvr>
+    <a:masterClrMapping/>
+  </p:clrMapOvr>
 </p:sldLayout>
 </file>
 
 <file path=ppt/slideLayouts/slideLayout24.xml><?xml version="1.0" encoding="utf-8"?>
-<p:sldLayout xmlns:a="http://schemas.openxmlformats.org/drawingml/2006/main" xmlns:p="http://schemas.openxmlformats.org/presentationml/2006/main" xmlns:r="http://schemas.openxmlformats.org/officeDocument/2006/relationships" xmlns:p14="http://schemas.microsoft.com/office/powerpoint/2010/main" xmlns:p15="http://schemas.microsoft.com/office/powerpoint/2012/main" xmlns:mc="http://schemas.openxmlformats.org/markup-compatibility/2006" type="blank" preserve="1">
+<p:sldLayout xmlns:a="http://schemas.openxmlformats.org/drawingml/2006/main" xmlns:r="http://schemas.openxmlformats.org/officeDocument/2006/relationships" xmlns:p="http://schemas.openxmlformats.org/presentationml/2006/main" type="blank" preserve="1">
   <p:cSld name="Title, 6 Content">
     <p:spTree>
       <p:nvGrpSpPr>
@@ -3261,11 +2901,12 @@
           </a:prstGeom>
         </p:spPr>
         <p:txBody>
-          <a:bodyPr lIns="0" rIns="0" tIns="0" bIns="0" anchor="ctr">
+          <a:bodyPr lIns="0" tIns="0" rIns="0" bIns="0" anchor="ctr">
             <a:noAutofit/>
           </a:bodyPr>
-          <a:p>
-            <a:endParaRPr b="0" lang="en-US" sz="1800" spc="-1" strike="noStrike">
+          <a:lstStyle/>
+          <a:p>
+            <a:endParaRPr lang="en-US" sz="1800" b="0" strike="noStrike" spc="-1">
               <a:solidFill>
                 <a:srgbClr val="000000"/>
               </a:solidFill>
@@ -3294,11 +2935,12 @@
           </a:prstGeom>
         </p:spPr>
         <p:txBody>
-          <a:bodyPr lIns="0" rIns="0" tIns="0" bIns="0">
+          <a:bodyPr lIns="0" tIns="0" rIns="0" bIns="0">
             <a:normAutofit/>
           </a:bodyPr>
-          <a:p>
-            <a:endParaRPr b="0" lang="en-US" sz="2800" spc="-1" strike="noStrike">
+          <a:lstStyle/>
+          <a:p>
+            <a:endParaRPr lang="en-US" sz="2800" b="0" strike="noStrike" spc="-1">
               <a:solidFill>
                 <a:srgbClr val="000000"/>
               </a:solidFill>
@@ -3327,11 +2969,12 @@
           </a:prstGeom>
         </p:spPr>
         <p:txBody>
-          <a:bodyPr lIns="0" rIns="0" tIns="0" bIns="0">
+          <a:bodyPr lIns="0" tIns="0" rIns="0" bIns="0">
             <a:normAutofit/>
           </a:bodyPr>
-          <a:p>
-            <a:endParaRPr b="0" lang="en-US" sz="2800" spc="-1" strike="noStrike">
+          <a:lstStyle/>
+          <a:p>
+            <a:endParaRPr lang="en-US" sz="2800" b="0" strike="noStrike" spc="-1">
               <a:solidFill>
                 <a:srgbClr val="000000"/>
               </a:solidFill>
@@ -3360,11 +3003,12 @@
           </a:prstGeom>
         </p:spPr>
         <p:txBody>
-          <a:bodyPr lIns="0" rIns="0" tIns="0" bIns="0">
+          <a:bodyPr lIns="0" tIns="0" rIns="0" bIns="0">
             <a:normAutofit/>
           </a:bodyPr>
-          <a:p>
-            <a:endParaRPr b="0" lang="en-US" sz="2800" spc="-1" strike="noStrike">
+          <a:lstStyle/>
+          <a:p>
+            <a:endParaRPr lang="en-US" sz="2800" b="0" strike="noStrike" spc="-1">
               <a:solidFill>
                 <a:srgbClr val="000000"/>
               </a:solidFill>
@@ -3393,11 +3037,12 @@
           </a:prstGeom>
         </p:spPr>
         <p:txBody>
-          <a:bodyPr lIns="0" rIns="0" tIns="0" bIns="0">
+          <a:bodyPr lIns="0" tIns="0" rIns="0" bIns="0">
             <a:normAutofit/>
           </a:bodyPr>
-          <a:p>
-            <a:endParaRPr b="0" lang="en-US" sz="2800" spc="-1" strike="noStrike">
+          <a:lstStyle/>
+          <a:p>
+            <a:endParaRPr lang="en-US" sz="2800" b="0" strike="noStrike" spc="-1">
               <a:solidFill>
                 <a:srgbClr val="000000"/>
               </a:solidFill>
@@ -3426,11 +3071,12 @@
           </a:prstGeom>
         </p:spPr>
         <p:txBody>
-          <a:bodyPr lIns="0" rIns="0" tIns="0" bIns="0">
+          <a:bodyPr lIns="0" tIns="0" rIns="0" bIns="0">
             <a:normAutofit/>
           </a:bodyPr>
-          <a:p>
-            <a:endParaRPr b="0" lang="en-US" sz="2800" spc="-1" strike="noStrike">
+          <a:lstStyle/>
+          <a:p>
+            <a:endParaRPr lang="en-US" sz="2800" b="0" strike="noStrike" spc="-1">
               <a:solidFill>
                 <a:srgbClr val="000000"/>
               </a:solidFill>
@@ -3459,11 +3105,12 @@
           </a:prstGeom>
         </p:spPr>
         <p:txBody>
-          <a:bodyPr lIns="0" rIns="0" tIns="0" bIns="0">
+          <a:bodyPr lIns="0" tIns="0" rIns="0" bIns="0">
             <a:normAutofit/>
           </a:bodyPr>
-          <a:p>
-            <a:endParaRPr b="0" lang="en-US" sz="2800" spc="-1" strike="noStrike">
+          <a:lstStyle/>
+          <a:p>
+            <a:endParaRPr lang="en-US" sz="2800" b="0" strike="noStrike" spc="-1">
               <a:solidFill>
                 <a:srgbClr val="000000"/>
               </a:solidFill>
@@ -3474,11 +3121,14 @@
       </p:sp>
     </p:spTree>
   </p:cSld>
+  <p:clrMapOvr>
+    <a:masterClrMapping/>
+  </p:clrMapOvr>
 </p:sldLayout>
 </file>
 
 <file path=ppt/slideLayouts/slideLayout3.xml><?xml version="1.0" encoding="utf-8"?>
-<p:sldLayout xmlns:a="http://schemas.openxmlformats.org/drawingml/2006/main" xmlns:p="http://schemas.openxmlformats.org/presentationml/2006/main" xmlns:r="http://schemas.openxmlformats.org/officeDocument/2006/relationships" xmlns:p14="http://schemas.microsoft.com/office/powerpoint/2010/main" xmlns:p15="http://schemas.microsoft.com/office/powerpoint/2012/main" xmlns:mc="http://schemas.openxmlformats.org/markup-compatibility/2006" type="obj" preserve="1">
+<p:sldLayout xmlns:a="http://schemas.openxmlformats.org/drawingml/2006/main" xmlns:r="http://schemas.openxmlformats.org/officeDocument/2006/relationships" xmlns:p="http://schemas.openxmlformats.org/presentationml/2006/main" type="obj" preserve="1">
   <p:cSld name="Title, Content">
     <p:spTree>
       <p:nvGrpSpPr>
@@ -3514,11 +3164,12 @@
           </a:prstGeom>
         </p:spPr>
         <p:txBody>
-          <a:bodyPr lIns="0" rIns="0" tIns="0" bIns="0" anchor="ctr">
+          <a:bodyPr lIns="0" tIns="0" rIns="0" bIns="0" anchor="ctr">
             <a:noAutofit/>
           </a:bodyPr>
-          <a:p>
-            <a:endParaRPr b="0" lang="en-US" sz="1800" spc="-1" strike="noStrike">
+          <a:lstStyle/>
+          <a:p>
+            <a:endParaRPr lang="en-US" sz="1800" b="0" strike="noStrike" spc="-1">
               <a:solidFill>
                 <a:srgbClr val="000000"/>
               </a:solidFill>
@@ -3547,11 +3198,12 @@
           </a:prstGeom>
         </p:spPr>
         <p:txBody>
-          <a:bodyPr lIns="0" rIns="0" tIns="0" bIns="0">
+          <a:bodyPr lIns="0" tIns="0" rIns="0" bIns="0">
             <a:normAutofit/>
           </a:bodyPr>
-          <a:p>
-            <a:endParaRPr b="0" lang="en-US" sz="2800" spc="-1" strike="noStrike">
+          <a:lstStyle/>
+          <a:p>
+            <a:endParaRPr lang="en-US" sz="2800" b="0" strike="noStrike" spc="-1">
               <a:solidFill>
                 <a:srgbClr val="000000"/>
               </a:solidFill>
@@ -3562,11 +3214,14 @@
       </p:sp>
     </p:spTree>
   </p:cSld>
+  <p:clrMapOvr>
+    <a:masterClrMapping/>
+  </p:clrMapOvr>
 </p:sldLayout>
 </file>
 
 <file path=ppt/slideLayouts/slideLayout4.xml><?xml version="1.0" encoding="utf-8"?>
-<p:sldLayout xmlns:a="http://schemas.openxmlformats.org/drawingml/2006/main" xmlns:p="http://schemas.openxmlformats.org/presentationml/2006/main" xmlns:r="http://schemas.openxmlformats.org/officeDocument/2006/relationships" xmlns:p14="http://schemas.microsoft.com/office/powerpoint/2010/main" xmlns:p15="http://schemas.microsoft.com/office/powerpoint/2012/main" xmlns:mc="http://schemas.openxmlformats.org/markup-compatibility/2006" type="twoObj" preserve="1">
+<p:sldLayout xmlns:a="http://schemas.openxmlformats.org/drawingml/2006/main" xmlns:r="http://schemas.openxmlformats.org/officeDocument/2006/relationships" xmlns:p="http://schemas.openxmlformats.org/presentationml/2006/main" type="twoObj" preserve="1">
   <p:cSld name="Title, 2 Content">
     <p:spTree>
       <p:nvGrpSpPr>
@@ -3602,11 +3257,12 @@
           </a:prstGeom>
         </p:spPr>
         <p:txBody>
-          <a:bodyPr lIns="0" rIns="0" tIns="0" bIns="0" anchor="ctr">
+          <a:bodyPr lIns="0" tIns="0" rIns="0" bIns="0" anchor="ctr">
             <a:noAutofit/>
           </a:bodyPr>
-          <a:p>
-            <a:endParaRPr b="0" lang="en-US" sz="1800" spc="-1" strike="noStrike">
+          <a:lstStyle/>
+          <a:p>
+            <a:endParaRPr lang="en-US" sz="1800" b="0" strike="noStrike" spc="-1">
               <a:solidFill>
                 <a:srgbClr val="000000"/>
               </a:solidFill>
@@ -3635,11 +3291,12 @@
           </a:prstGeom>
         </p:spPr>
         <p:txBody>
-          <a:bodyPr lIns="0" rIns="0" tIns="0" bIns="0">
+          <a:bodyPr lIns="0" tIns="0" rIns="0" bIns="0">
             <a:normAutofit/>
           </a:bodyPr>
-          <a:p>
-            <a:endParaRPr b="0" lang="en-US" sz="2800" spc="-1" strike="noStrike">
+          <a:lstStyle/>
+          <a:p>
+            <a:endParaRPr lang="en-US" sz="2800" b="0" strike="noStrike" spc="-1">
               <a:solidFill>
                 <a:srgbClr val="000000"/>
               </a:solidFill>
@@ -3668,11 +3325,12 @@
           </a:prstGeom>
         </p:spPr>
         <p:txBody>
-          <a:bodyPr lIns="0" rIns="0" tIns="0" bIns="0">
+          <a:bodyPr lIns="0" tIns="0" rIns="0" bIns="0">
             <a:normAutofit/>
           </a:bodyPr>
-          <a:p>
-            <a:endParaRPr b="0" lang="en-US" sz="2800" spc="-1" strike="noStrike">
+          <a:lstStyle/>
+          <a:p>
+            <a:endParaRPr lang="en-US" sz="2800" b="0" strike="noStrike" spc="-1">
               <a:solidFill>
                 <a:srgbClr val="000000"/>
               </a:solidFill>
@@ -3683,11 +3341,14 @@
       </p:sp>
     </p:spTree>
   </p:cSld>
+  <p:clrMapOvr>
+    <a:masterClrMapping/>
+  </p:clrMapOvr>
 </p:sldLayout>
 </file>
 
 <file path=ppt/slideLayouts/slideLayout5.xml><?xml version="1.0" encoding="utf-8"?>
-<p:sldLayout xmlns:a="http://schemas.openxmlformats.org/drawingml/2006/main" xmlns:p="http://schemas.openxmlformats.org/presentationml/2006/main" xmlns:r="http://schemas.openxmlformats.org/officeDocument/2006/relationships" xmlns:p14="http://schemas.microsoft.com/office/powerpoint/2010/main" xmlns:p15="http://schemas.microsoft.com/office/powerpoint/2012/main" xmlns:mc="http://schemas.openxmlformats.org/markup-compatibility/2006" type="titleOnly" preserve="1">
+<p:sldLayout xmlns:a="http://schemas.openxmlformats.org/drawingml/2006/main" xmlns:r="http://schemas.openxmlformats.org/officeDocument/2006/relationships" xmlns:p="http://schemas.openxmlformats.org/presentationml/2006/main" type="titleOnly" preserve="1">
   <p:cSld name="Title Only">
     <p:spTree>
       <p:nvGrpSpPr>
@@ -3723,11 +3384,12 @@
           </a:prstGeom>
         </p:spPr>
         <p:txBody>
-          <a:bodyPr lIns="0" rIns="0" tIns="0" bIns="0" anchor="ctr">
+          <a:bodyPr lIns="0" tIns="0" rIns="0" bIns="0" anchor="ctr">
             <a:noAutofit/>
           </a:bodyPr>
-          <a:p>
-            <a:endParaRPr b="0" lang="en-US" sz="1800" spc="-1" strike="noStrike">
+          <a:lstStyle/>
+          <a:p>
+            <a:endParaRPr lang="en-US" sz="1800" b="0" strike="noStrike" spc="-1">
               <a:solidFill>
                 <a:srgbClr val="000000"/>
               </a:solidFill>
@@ -3738,11 +3400,14 @@
       </p:sp>
     </p:spTree>
   </p:cSld>
+  <p:clrMapOvr>
+    <a:masterClrMapping/>
+  </p:clrMapOvr>
 </p:sldLayout>
 </file>
 
 <file path=ppt/slideLayouts/slideLayout6.xml><?xml version="1.0" encoding="utf-8"?>
-<p:sldLayout xmlns:a="http://schemas.openxmlformats.org/drawingml/2006/main" xmlns:p="http://schemas.openxmlformats.org/presentationml/2006/main" xmlns:r="http://schemas.openxmlformats.org/officeDocument/2006/relationships" xmlns:p14="http://schemas.microsoft.com/office/powerpoint/2010/main" xmlns:p15="http://schemas.microsoft.com/office/powerpoint/2012/main" xmlns:mc="http://schemas.openxmlformats.org/markup-compatibility/2006" type="objOnly" preserve="1">
+<p:sldLayout xmlns:a="http://schemas.openxmlformats.org/drawingml/2006/main" xmlns:r="http://schemas.openxmlformats.org/officeDocument/2006/relationships" xmlns:p="http://schemas.openxmlformats.org/presentationml/2006/main" type="objOnly" preserve="1">
   <p:cSld name="Centered Text">
     <p:spTree>
       <p:nvGrpSpPr>
@@ -3778,12 +3443,13 @@
           </a:prstGeom>
         </p:spPr>
         <p:txBody>
-          <a:bodyPr lIns="0" rIns="0" tIns="0" bIns="0" anchor="ctr">
+          <a:bodyPr lIns="0" tIns="0" rIns="0" bIns="0" anchor="ctr">
             <a:noAutofit/>
           </a:bodyPr>
+          <a:lstStyle/>
           <a:p>
             <a:pPr algn="ctr"/>
-            <a:endParaRPr b="0" lang="en-US" sz="3200" spc="-1" strike="noStrike">
+            <a:endParaRPr lang="en-US" sz="3200" b="0" strike="noStrike" spc="-1">
               <a:latin typeface="Arial"/>
             </a:endParaRPr>
           </a:p>
@@ -3791,11 +3457,14 @@
       </p:sp>
     </p:spTree>
   </p:cSld>
+  <p:clrMapOvr>
+    <a:masterClrMapping/>
+  </p:clrMapOvr>
 </p:sldLayout>
 </file>
 
 <file path=ppt/slideLayouts/slideLayout7.xml><?xml version="1.0" encoding="utf-8"?>
-<p:sldLayout xmlns:a="http://schemas.openxmlformats.org/drawingml/2006/main" xmlns:p="http://schemas.openxmlformats.org/presentationml/2006/main" xmlns:r="http://schemas.openxmlformats.org/officeDocument/2006/relationships" xmlns:p14="http://schemas.microsoft.com/office/powerpoint/2010/main" xmlns:p15="http://schemas.microsoft.com/office/powerpoint/2012/main" xmlns:mc="http://schemas.openxmlformats.org/markup-compatibility/2006" type="twoObjAndObj" preserve="1">
+<p:sldLayout xmlns:a="http://schemas.openxmlformats.org/drawingml/2006/main" xmlns:r="http://schemas.openxmlformats.org/officeDocument/2006/relationships" xmlns:p="http://schemas.openxmlformats.org/presentationml/2006/main" type="twoObjAndObj" preserve="1">
   <p:cSld name="Title, 2 Content and Content">
     <p:spTree>
       <p:nvGrpSpPr>
@@ -3831,11 +3500,12 @@
           </a:prstGeom>
         </p:spPr>
         <p:txBody>
-          <a:bodyPr lIns="0" rIns="0" tIns="0" bIns="0" anchor="ctr">
+          <a:bodyPr lIns="0" tIns="0" rIns="0" bIns="0" anchor="ctr">
             <a:noAutofit/>
           </a:bodyPr>
-          <a:p>
-            <a:endParaRPr b="0" lang="en-US" sz="1800" spc="-1" strike="noStrike">
+          <a:lstStyle/>
+          <a:p>
+            <a:endParaRPr lang="en-US" sz="1800" b="0" strike="noStrike" spc="-1">
               <a:solidFill>
                 <a:srgbClr val="000000"/>
               </a:solidFill>
@@ -3864,11 +3534,12 @@
           </a:prstGeom>
         </p:spPr>
         <p:txBody>
-          <a:bodyPr lIns="0" rIns="0" tIns="0" bIns="0">
+          <a:bodyPr lIns="0" tIns="0" rIns="0" bIns="0">
             <a:normAutofit/>
           </a:bodyPr>
-          <a:p>
-            <a:endParaRPr b="0" lang="en-US" sz="2800" spc="-1" strike="noStrike">
+          <a:lstStyle/>
+          <a:p>
+            <a:endParaRPr lang="en-US" sz="2800" b="0" strike="noStrike" spc="-1">
               <a:solidFill>
                 <a:srgbClr val="000000"/>
               </a:solidFill>
@@ -3897,11 +3568,12 @@
           </a:prstGeom>
         </p:spPr>
         <p:txBody>
-          <a:bodyPr lIns="0" rIns="0" tIns="0" bIns="0">
+          <a:bodyPr lIns="0" tIns="0" rIns="0" bIns="0">
             <a:normAutofit/>
           </a:bodyPr>
-          <a:p>
-            <a:endParaRPr b="0" lang="en-US" sz="2800" spc="-1" strike="noStrike">
+          <a:lstStyle/>
+          <a:p>
+            <a:endParaRPr lang="en-US" sz="2800" b="0" strike="noStrike" spc="-1">
               <a:solidFill>
                 <a:srgbClr val="000000"/>
               </a:solidFill>
@@ -3930,11 +3602,12 @@
           </a:prstGeom>
         </p:spPr>
         <p:txBody>
-          <a:bodyPr lIns="0" rIns="0" tIns="0" bIns="0">
+          <a:bodyPr lIns="0" tIns="0" rIns="0" bIns="0">
             <a:normAutofit/>
           </a:bodyPr>
-          <a:p>
-            <a:endParaRPr b="0" lang="en-US" sz="2800" spc="-1" strike="noStrike">
+          <a:lstStyle/>
+          <a:p>
+            <a:endParaRPr lang="en-US" sz="2800" b="0" strike="noStrike" spc="-1">
               <a:solidFill>
                 <a:srgbClr val="000000"/>
               </a:solidFill>
@@ -3945,11 +3618,14 @@
       </p:sp>
     </p:spTree>
   </p:cSld>
+  <p:clrMapOvr>
+    <a:masterClrMapping/>
+  </p:clrMapOvr>
 </p:sldLayout>
 </file>
 
 <file path=ppt/slideLayouts/slideLayout8.xml><?xml version="1.0" encoding="utf-8"?>
-<p:sldLayout xmlns:a="http://schemas.openxmlformats.org/drawingml/2006/main" xmlns:p="http://schemas.openxmlformats.org/presentationml/2006/main" xmlns:r="http://schemas.openxmlformats.org/officeDocument/2006/relationships" xmlns:p14="http://schemas.microsoft.com/office/powerpoint/2010/main" xmlns:p15="http://schemas.microsoft.com/office/powerpoint/2012/main" xmlns:mc="http://schemas.openxmlformats.org/markup-compatibility/2006" type="objAndTwoObj" preserve="1">
+<p:sldLayout xmlns:a="http://schemas.openxmlformats.org/drawingml/2006/main" xmlns:r="http://schemas.openxmlformats.org/officeDocument/2006/relationships" xmlns:p="http://schemas.openxmlformats.org/presentationml/2006/main" type="objAndTwoObj" preserve="1">
   <p:cSld name="Title Content and 2 Content">
     <p:spTree>
       <p:nvGrpSpPr>
@@ -3985,11 +3661,12 @@
           </a:prstGeom>
         </p:spPr>
         <p:txBody>
-          <a:bodyPr lIns="0" rIns="0" tIns="0" bIns="0" anchor="ctr">
+          <a:bodyPr lIns="0" tIns="0" rIns="0" bIns="0" anchor="ctr">
             <a:noAutofit/>
           </a:bodyPr>
-          <a:p>
-            <a:endParaRPr b="0" lang="en-US" sz="1800" spc="-1" strike="noStrike">
+          <a:lstStyle/>
+          <a:p>
+            <a:endParaRPr lang="en-US" sz="1800" b="0" strike="noStrike" spc="-1">
               <a:solidFill>
                 <a:srgbClr val="000000"/>
               </a:solidFill>
@@ -4018,11 +3695,12 @@
           </a:prstGeom>
         </p:spPr>
         <p:txBody>
-          <a:bodyPr lIns="0" rIns="0" tIns="0" bIns="0">
+          <a:bodyPr lIns="0" tIns="0" rIns="0" bIns="0">
             <a:normAutofit/>
           </a:bodyPr>
-          <a:p>
-            <a:endParaRPr b="0" lang="en-US" sz="2800" spc="-1" strike="noStrike">
+          <a:lstStyle/>
+          <a:p>
+            <a:endParaRPr lang="en-US" sz="2800" b="0" strike="noStrike" spc="-1">
               <a:solidFill>
                 <a:srgbClr val="000000"/>
               </a:solidFill>
@@ -4051,11 +3729,12 @@
           </a:prstGeom>
         </p:spPr>
         <p:txBody>
-          <a:bodyPr lIns="0" rIns="0" tIns="0" bIns="0">
+          <a:bodyPr lIns="0" tIns="0" rIns="0" bIns="0">
             <a:normAutofit/>
           </a:bodyPr>
-          <a:p>
-            <a:endParaRPr b="0" lang="en-US" sz="2800" spc="-1" strike="noStrike">
+          <a:lstStyle/>
+          <a:p>
+            <a:endParaRPr lang="en-US" sz="2800" b="0" strike="noStrike" spc="-1">
               <a:solidFill>
                 <a:srgbClr val="000000"/>
               </a:solidFill>
@@ -4084,11 +3763,12 @@
           </a:prstGeom>
         </p:spPr>
         <p:txBody>
-          <a:bodyPr lIns="0" rIns="0" tIns="0" bIns="0">
+          <a:bodyPr lIns="0" tIns="0" rIns="0" bIns="0">
             <a:normAutofit/>
           </a:bodyPr>
-          <a:p>
-            <a:endParaRPr b="0" lang="en-US" sz="2800" spc="-1" strike="noStrike">
+          <a:lstStyle/>
+          <a:p>
+            <a:endParaRPr lang="en-US" sz="2800" b="0" strike="noStrike" spc="-1">
               <a:solidFill>
                 <a:srgbClr val="000000"/>
               </a:solidFill>
@@ -4099,11 +3779,14 @@
       </p:sp>
     </p:spTree>
   </p:cSld>
+  <p:clrMapOvr>
+    <a:masterClrMapping/>
+  </p:clrMapOvr>
 </p:sldLayout>
 </file>
 
 <file path=ppt/slideLayouts/slideLayout9.xml><?xml version="1.0" encoding="utf-8"?>
-<p:sldLayout xmlns:a="http://schemas.openxmlformats.org/drawingml/2006/main" xmlns:p="http://schemas.openxmlformats.org/presentationml/2006/main" xmlns:r="http://schemas.openxmlformats.org/officeDocument/2006/relationships" xmlns:p14="http://schemas.microsoft.com/office/powerpoint/2010/main" xmlns:p15="http://schemas.microsoft.com/office/powerpoint/2012/main" xmlns:mc="http://schemas.openxmlformats.org/markup-compatibility/2006" type="twoObjOverTx" preserve="1">
+<p:sldLayout xmlns:a="http://schemas.openxmlformats.org/drawingml/2006/main" xmlns:r="http://schemas.openxmlformats.org/officeDocument/2006/relationships" xmlns:p="http://schemas.openxmlformats.org/presentationml/2006/main" type="twoObjOverTx" preserve="1">
   <p:cSld name="Title, 2 Content over Content">
     <p:spTree>
       <p:nvGrpSpPr>
@@ -4139,11 +3822,12 @@
           </a:prstGeom>
         </p:spPr>
         <p:txBody>
-          <a:bodyPr lIns="0" rIns="0" tIns="0" bIns="0" anchor="ctr">
+          <a:bodyPr lIns="0" tIns="0" rIns="0" bIns="0" anchor="ctr">
             <a:noAutofit/>
           </a:bodyPr>
-          <a:p>
-            <a:endParaRPr b="0" lang="en-US" sz="1800" spc="-1" strike="noStrike">
+          <a:lstStyle/>
+          <a:p>
+            <a:endParaRPr lang="en-US" sz="1800" b="0" strike="noStrike" spc="-1">
               <a:solidFill>
                 <a:srgbClr val="000000"/>
               </a:solidFill>
@@ -4172,11 +3856,12 @@
           </a:prstGeom>
         </p:spPr>
         <p:txBody>
-          <a:bodyPr lIns="0" rIns="0" tIns="0" bIns="0">
+          <a:bodyPr lIns="0" tIns="0" rIns="0" bIns="0">
             <a:normAutofit/>
           </a:bodyPr>
-          <a:p>
-            <a:endParaRPr b="0" lang="en-US" sz="2800" spc="-1" strike="noStrike">
+          <a:lstStyle/>
+          <a:p>
+            <a:endParaRPr lang="en-US" sz="2800" b="0" strike="noStrike" spc="-1">
               <a:solidFill>
                 <a:srgbClr val="000000"/>
               </a:solidFill>
@@ -4205,11 +3890,12 @@
           </a:prstGeom>
         </p:spPr>
         <p:txBody>
-          <a:bodyPr lIns="0" rIns="0" tIns="0" bIns="0">
+          <a:bodyPr lIns="0" tIns="0" rIns="0" bIns="0">
             <a:normAutofit/>
           </a:bodyPr>
-          <a:p>
-            <a:endParaRPr b="0" lang="en-US" sz="2800" spc="-1" strike="noStrike">
+          <a:lstStyle/>
+          <a:p>
+            <a:endParaRPr lang="en-US" sz="2800" b="0" strike="noStrike" spc="-1">
               <a:solidFill>
                 <a:srgbClr val="000000"/>
               </a:solidFill>
@@ -4238,11 +3924,12 @@
           </a:prstGeom>
         </p:spPr>
         <p:txBody>
-          <a:bodyPr lIns="0" rIns="0" tIns="0" bIns="0">
+          <a:bodyPr lIns="0" tIns="0" rIns="0" bIns="0">
             <a:normAutofit/>
           </a:bodyPr>
-          <a:p>
-            <a:endParaRPr b="0" lang="en-US" sz="2800" spc="-1" strike="noStrike">
+          <a:lstStyle/>
+          <a:p>
+            <a:endParaRPr lang="en-US" sz="2800" b="0" strike="noStrike" spc="-1">
               <a:solidFill>
                 <a:srgbClr val="000000"/>
               </a:solidFill>
@@ -4253,17 +3940,21 @@
       </p:sp>
     </p:spTree>
   </p:cSld>
+  <p:clrMapOvr>
+    <a:masterClrMapping/>
+  </p:clrMapOvr>
 </p:sldLayout>
 </file>
 
 <file path=ppt/slideMasters/slideMaster1.xml><?xml version="1.0" encoding="utf-8"?>
-<p:sldMaster xmlns:a="http://schemas.openxmlformats.org/drawingml/2006/main" xmlns:p="http://schemas.openxmlformats.org/presentationml/2006/main" xmlns:r="http://schemas.openxmlformats.org/officeDocument/2006/relationships" xmlns:p14="http://schemas.microsoft.com/office/powerpoint/2010/main" xmlns:p15="http://schemas.microsoft.com/office/powerpoint/2012/main" xmlns:mc="http://schemas.openxmlformats.org/markup-compatibility/2006">
+<p:sldMaster xmlns:a="http://schemas.openxmlformats.org/drawingml/2006/main" xmlns:r="http://schemas.openxmlformats.org/officeDocument/2006/relationships" xmlns:p="http://schemas.openxmlformats.org/presentationml/2006/main">
   <p:cSld>
     <p:bg>
       <p:bgPr>
         <a:solidFill>
-          <a:srgbClr val="ffffff"/>
+          <a:srgbClr val="FFFFFF"/>
         </a:solidFill>
+        <a:effectLst/>
       </p:bgPr>
     </p:bg>
     <p:spTree>
@@ -4282,7 +3973,7 @@
       </p:grpSpPr>
       <p:sp>
         <p:nvSpPr>
-          <p:cNvPr id="0" name="PlaceHolder 1"/>
+          <p:cNvPr id="4" name="PlaceHolder 1"/>
           <p:cNvSpPr>
             <a:spLocks noGrp="1"/>
           </p:cNvSpPr>
@@ -4303,6 +3994,7 @@
           <a:bodyPr anchor="b">
             <a:noAutofit/>
           </a:bodyPr>
+          <a:lstStyle/>
           <a:p>
             <a:pPr algn="ctr">
               <a:lnSpc>
@@ -4310,305 +4002,26 @@
               </a:lnSpc>
             </a:pPr>
             <a:r>
-              <a:rPr b="0" lang="en-US" sz="6000" spc="-1" strike="noStrike">
+              <a:rPr lang="en-US" sz="6000" b="0" strike="noStrike" spc="-1">
                 <a:solidFill>
                   <a:srgbClr val="000000"/>
                 </a:solidFill>
                 <a:latin typeface="Calibri Light"/>
               </a:rPr>
-              <a:t>C</a:t>
+              <a:t>Click to edit Master title style</a:t>
             </a:r>
-            <a:r>
-              <a:rPr b="0" lang="en-US" sz="6000" spc="-1" strike="noStrike">
-                <a:solidFill>
-                  <a:srgbClr val="000000"/>
-                </a:solidFill>
-                <a:latin typeface="Calibri Light"/>
-              </a:rPr>
-              <a:t>l</a:t>
-            </a:r>
-            <a:r>
-              <a:rPr b="0" lang="en-US" sz="6000" spc="-1" strike="noStrike">
-                <a:solidFill>
-                  <a:srgbClr val="000000"/>
-                </a:solidFill>
-                <a:latin typeface="Calibri Light"/>
-              </a:rPr>
-              <a:t>i</a:t>
-            </a:r>
-            <a:r>
-              <a:rPr b="0" lang="en-US" sz="6000" spc="-1" strike="noStrike">
-                <a:solidFill>
-                  <a:srgbClr val="000000"/>
-                </a:solidFill>
-                <a:latin typeface="Calibri Light"/>
-              </a:rPr>
-              <a:t>c</a:t>
-            </a:r>
-            <a:r>
-              <a:rPr b="0" lang="en-US" sz="6000" spc="-1" strike="noStrike">
-                <a:solidFill>
-                  <a:srgbClr val="000000"/>
-                </a:solidFill>
-                <a:latin typeface="Calibri Light"/>
-              </a:rPr>
-              <a:t>k</a:t>
-            </a:r>
-            <a:r>
-              <a:rPr b="0" lang="en-US" sz="6000" spc="-1" strike="noStrike">
-                <a:solidFill>
-                  <a:srgbClr val="000000"/>
-                </a:solidFill>
-                <a:latin typeface="Calibri Light"/>
-              </a:rPr>
-              <a:t> </a:t>
-            </a:r>
-            <a:r>
-              <a:rPr b="0" lang="en-US" sz="6000" spc="-1" strike="noStrike">
-                <a:solidFill>
-                  <a:srgbClr val="000000"/>
-                </a:solidFill>
-                <a:latin typeface="Calibri Light"/>
-              </a:rPr>
-              <a:t>t</a:t>
-            </a:r>
-            <a:r>
-              <a:rPr b="0" lang="en-US" sz="6000" spc="-1" strike="noStrike">
-                <a:solidFill>
-                  <a:srgbClr val="000000"/>
-                </a:solidFill>
-                <a:latin typeface="Calibri Light"/>
-              </a:rPr>
-              <a:t>o</a:t>
-            </a:r>
-            <a:r>
-              <a:rPr b="0" lang="en-US" sz="6000" spc="-1" strike="noStrike">
-                <a:solidFill>
-                  <a:srgbClr val="000000"/>
-                </a:solidFill>
-                <a:latin typeface="Calibri Light"/>
-              </a:rPr>
-              <a:t> </a:t>
-            </a:r>
-            <a:r>
-              <a:rPr b="0" lang="en-US" sz="6000" spc="-1" strike="noStrike">
-                <a:solidFill>
-                  <a:srgbClr val="000000"/>
-                </a:solidFill>
-                <a:latin typeface="Calibri Light"/>
-              </a:rPr>
-              <a:t>e</a:t>
-            </a:r>
-            <a:r>
-              <a:rPr b="0" lang="en-US" sz="6000" spc="-1" strike="noStrike">
-                <a:solidFill>
-                  <a:srgbClr val="000000"/>
-                </a:solidFill>
-                <a:latin typeface="Calibri Light"/>
-              </a:rPr>
-              <a:t>d</a:t>
-            </a:r>
-            <a:r>
-              <a:rPr b="0" lang="en-US" sz="6000" spc="-1" strike="noStrike">
-                <a:solidFill>
-                  <a:srgbClr val="000000"/>
-                </a:solidFill>
-                <a:latin typeface="Calibri Light"/>
-              </a:rPr>
-              <a:t>i</a:t>
-            </a:r>
-            <a:r>
-              <a:rPr b="0" lang="en-US" sz="6000" spc="-1" strike="noStrike">
-                <a:solidFill>
-                  <a:srgbClr val="000000"/>
-                </a:solidFill>
-                <a:latin typeface="Calibri Light"/>
-              </a:rPr>
-              <a:t>t</a:t>
-            </a:r>
-            <a:r>
-              <a:rPr b="0" lang="en-US" sz="6000" spc="-1" strike="noStrike">
-                <a:solidFill>
-                  <a:srgbClr val="000000"/>
-                </a:solidFill>
-                <a:latin typeface="Calibri Light"/>
-              </a:rPr>
-              <a:t> </a:t>
-            </a:r>
-            <a:r>
-              <a:rPr b="0" lang="en-US" sz="6000" spc="-1" strike="noStrike">
-                <a:solidFill>
-                  <a:srgbClr val="000000"/>
-                </a:solidFill>
-                <a:latin typeface="Calibri Light"/>
-              </a:rPr>
-              <a:t>M</a:t>
-            </a:r>
-            <a:r>
-              <a:rPr b="0" lang="en-US" sz="6000" spc="-1" strike="noStrike">
-                <a:solidFill>
-                  <a:srgbClr val="000000"/>
-                </a:solidFill>
-                <a:latin typeface="Calibri Light"/>
-              </a:rPr>
-              <a:t>a</a:t>
-            </a:r>
-            <a:r>
-              <a:rPr b="0" lang="en-US" sz="6000" spc="-1" strike="noStrike">
-                <a:solidFill>
-                  <a:srgbClr val="000000"/>
-                </a:solidFill>
-                <a:latin typeface="Calibri Light"/>
-              </a:rPr>
-              <a:t>s</a:t>
-            </a:r>
-            <a:r>
-              <a:rPr b="0" lang="en-US" sz="6000" spc="-1" strike="noStrike">
-                <a:solidFill>
-                  <a:srgbClr val="000000"/>
-                </a:solidFill>
-                <a:latin typeface="Calibri Light"/>
-              </a:rPr>
-              <a:t>t</a:t>
-            </a:r>
-            <a:r>
-              <a:rPr b="0" lang="en-US" sz="6000" spc="-1" strike="noStrike">
-                <a:solidFill>
-                  <a:srgbClr val="000000"/>
-                </a:solidFill>
-                <a:latin typeface="Calibri Light"/>
-              </a:rPr>
-              <a:t>e</a:t>
-            </a:r>
-            <a:r>
-              <a:rPr b="0" lang="en-US" sz="6000" spc="-1" strike="noStrike">
-                <a:solidFill>
-                  <a:srgbClr val="000000"/>
-                </a:solidFill>
-                <a:latin typeface="Calibri Light"/>
-              </a:rPr>
-              <a:t>r</a:t>
-            </a:r>
-            <a:r>
-              <a:rPr b="0" lang="en-US" sz="6000" spc="-1" strike="noStrike">
-                <a:solidFill>
-                  <a:srgbClr val="000000"/>
-                </a:solidFill>
-                <a:latin typeface="Calibri Light"/>
-              </a:rPr>
-              <a:t> </a:t>
-            </a:r>
-            <a:r>
-              <a:rPr b="0" lang="en-US" sz="6000" spc="-1" strike="noStrike">
-                <a:solidFill>
-                  <a:srgbClr val="000000"/>
-                </a:solidFill>
-                <a:latin typeface="Calibri Light"/>
-              </a:rPr>
-              <a:t>t</a:t>
-            </a:r>
-            <a:r>
-              <a:rPr b="0" lang="en-US" sz="6000" spc="-1" strike="noStrike">
-                <a:solidFill>
-                  <a:srgbClr val="000000"/>
-                </a:solidFill>
-                <a:latin typeface="Calibri Light"/>
-              </a:rPr>
-              <a:t>i</a:t>
-            </a:r>
-            <a:r>
-              <a:rPr b="0" lang="en-US" sz="6000" spc="-1" strike="noStrike">
-                <a:solidFill>
-                  <a:srgbClr val="000000"/>
-                </a:solidFill>
-                <a:latin typeface="Calibri Light"/>
-              </a:rPr>
-              <a:t>t</a:t>
-            </a:r>
-            <a:r>
-              <a:rPr b="0" lang="en-US" sz="6000" spc="-1" strike="noStrike">
-                <a:solidFill>
-                  <a:srgbClr val="000000"/>
-                </a:solidFill>
-                <a:latin typeface="Calibri Light"/>
-              </a:rPr>
-              <a:t>l</a:t>
-            </a:r>
-            <a:r>
-              <a:rPr b="0" lang="en-US" sz="6000" spc="-1" strike="noStrike">
-                <a:solidFill>
-                  <a:srgbClr val="000000"/>
-                </a:solidFill>
-                <a:latin typeface="Calibri Light"/>
-              </a:rPr>
-              <a:t>e</a:t>
-            </a:r>
-            <a:r>
-              <a:rPr b="0" lang="en-US" sz="6000" spc="-1" strike="noStrike">
-                <a:solidFill>
-                  <a:srgbClr val="000000"/>
-                </a:solidFill>
-                <a:latin typeface="Calibri Light"/>
-              </a:rPr>
-              <a:t> </a:t>
-            </a:r>
-            <a:r>
-              <a:rPr b="0" lang="en-US" sz="6000" spc="-1" strike="noStrike">
-                <a:solidFill>
-                  <a:srgbClr val="000000"/>
-                </a:solidFill>
-                <a:latin typeface="Calibri Light"/>
-              </a:rPr>
-              <a:t>s</a:t>
-            </a:r>
-            <a:r>
-              <a:rPr b="0" lang="en-US" sz="6000" spc="-1" strike="noStrike">
-                <a:solidFill>
-                  <a:srgbClr val="000000"/>
-                </a:solidFill>
-                <a:latin typeface="Calibri Light"/>
-              </a:rPr>
-              <a:t>t</a:t>
-            </a:r>
-            <a:r>
-              <a:rPr b="0" lang="en-US" sz="6000" spc="-1" strike="noStrike">
-                <a:solidFill>
-                  <a:srgbClr val="000000"/>
-                </a:solidFill>
-                <a:latin typeface="Calibri Light"/>
-              </a:rPr>
-              <a:t>y</a:t>
-            </a:r>
-            <a:r>
-              <a:rPr b="0" lang="en-US" sz="6000" spc="-1" strike="noStrike">
-                <a:solidFill>
-                  <a:srgbClr val="000000"/>
-                </a:solidFill>
-                <a:latin typeface="Calibri Light"/>
-              </a:rPr>
-              <a:t>l</a:t>
-            </a:r>
-            <a:r>
-              <a:rPr b="0" lang="en-US" sz="6000" spc="-1" strike="noStrike">
-                <a:solidFill>
-                  <a:srgbClr val="000000"/>
-                </a:solidFill>
-                <a:latin typeface="Calibri Light"/>
-              </a:rPr>
-              <a:t>e</a:t>
-            </a:r>
-            <a:endParaRPr b="0" lang="en-US" sz="6000" spc="-1" strike="noStrike">
-              <a:solidFill>
-                <a:srgbClr val="000000"/>
-              </a:solidFill>
-              <a:latin typeface="Calibri"/>
-            </a:endParaRPr>
-          </a:p>
-        </p:txBody>
-      </p:sp>
-      <p:sp>
-        <p:nvSpPr>
-          <p:cNvPr id="1" name="PlaceHolder 2"/>
+            <a:endParaRPr lang="en-US" sz="6000" b="0" strike="noStrike" spc="-1">
+              <a:solidFill>
+                <a:srgbClr val="000000"/>
+              </a:solidFill>
+              <a:latin typeface="Calibri"/>
+            </a:endParaRPr>
+          </a:p>
+        </p:txBody>
+      </p:sp>
+      <p:sp>
+        <p:nvSpPr>
+          <p:cNvPr id="5" name="PlaceHolder 2"/>
           <p:cNvSpPr>
             <a:spLocks noGrp="1"/>
           </p:cNvSpPr>
@@ -4629,6 +4042,7 @@
           <a:bodyPr anchor="ctr">
             <a:noAutofit/>
           </a:bodyPr>
+          <a:lstStyle/>
           <a:p>
             <a:pPr algn="r">
               <a:lnSpc>
@@ -4636,15 +4050,15 @@
               </a:lnSpc>
             </a:pPr>
             <a:fld id="{00D15C16-9BE1-48CE-8FA7-FE879A6D2FFE}" type="slidenum">
-              <a:rPr b="0" lang="en-US" sz="1200" spc="-1" strike="noStrike">
+              <a:rPr lang="en-US" sz="1200" b="0" strike="noStrike" spc="-1">
                 <a:solidFill>
-                  <a:srgbClr val="8b8b8b"/>
+                  <a:srgbClr val="8B8B8B"/>
                 </a:solidFill>
                 <a:latin typeface="Calibri"/>
               </a:rPr>
-              <a:t>&lt;number&gt;</a:t>
+              <a:t>‹#›</a:t>
             </a:fld>
-            <a:endParaRPr b="0" lang="en-US" sz="1200" spc="-1" strike="noStrike">
+            <a:endParaRPr lang="en-US" sz="1200" b="0" strike="noStrike" spc="-1">
               <a:latin typeface="Times New Roman"/>
             </a:endParaRPr>
           </a:p>
@@ -4706,9 +4120,10 @@
           </a:prstGeom>
         </p:spPr>
         <p:txBody>
-          <a:bodyPr lIns="0" rIns="0" tIns="0" bIns="0">
+          <a:bodyPr lIns="0" tIns="0" rIns="0" bIns="0">
             <a:normAutofit/>
           </a:bodyPr>
+          <a:lstStyle/>
           <a:p>
             <a:pPr marL="432000" indent="-324000">
               <a:spcBef>
@@ -4722,7 +4137,7 @@
               <a:buChar char=""/>
             </a:pPr>
             <a:r>
-              <a:rPr b="0" lang="en-US" sz="2800" spc="-1" strike="noStrike">
+              <a:rPr lang="en-US" sz="2800" b="0" strike="noStrike" spc="-1">
                 <a:solidFill>
                   <a:srgbClr val="000000"/>
                 </a:solidFill>
@@ -4730,15 +4145,9 @@
               </a:rPr>
               <a:t>Click to edit the outline text format</a:t>
             </a:r>
-            <a:endParaRPr b="0" lang="en-US" sz="2800" spc="-1" strike="noStrike">
-              <a:solidFill>
-                <a:srgbClr val="000000"/>
-              </a:solidFill>
-              <a:latin typeface="Calibri"/>
-            </a:endParaRPr>
-          </a:p>
-          <a:p>
-            <a:pPr lvl="1" marL="864000" indent="-324000">
+          </a:p>
+          <a:p>
+            <a:pPr marL="864000" lvl="1" indent="-324000">
               <a:spcBef>
                 <a:spcPts val="1134"/>
               </a:spcBef>
@@ -4750,7 +4159,7 @@
               <a:buChar char=""/>
             </a:pPr>
             <a:r>
-              <a:rPr b="0" lang="en-US" sz="2000" spc="-1" strike="noStrike">
+              <a:rPr lang="en-US" sz="2000" b="0" strike="noStrike" spc="-1">
                 <a:solidFill>
                   <a:srgbClr val="000000"/>
                 </a:solidFill>
@@ -4758,15 +4167,9 @@
               </a:rPr>
               <a:t>Second Outline Level</a:t>
             </a:r>
-            <a:endParaRPr b="0" lang="en-US" sz="2000" spc="-1" strike="noStrike">
-              <a:solidFill>
-                <a:srgbClr val="000000"/>
-              </a:solidFill>
-              <a:latin typeface="Calibri"/>
-            </a:endParaRPr>
-          </a:p>
-          <a:p>
-            <a:pPr lvl="2" marL="1296000" indent="-288000">
+          </a:p>
+          <a:p>
+            <a:pPr marL="1296000" lvl="2" indent="-288000">
               <a:spcBef>
                 <a:spcPts val="850"/>
               </a:spcBef>
@@ -4778,7 +4181,7 @@
               <a:buChar char=""/>
             </a:pPr>
             <a:r>
-              <a:rPr b="0" lang="en-US" sz="1800" spc="-1" strike="noStrike">
+              <a:rPr lang="en-US" sz="1800" b="0" strike="noStrike" spc="-1">
                 <a:solidFill>
                   <a:srgbClr val="000000"/>
                 </a:solidFill>
@@ -4786,15 +4189,9 @@
               </a:rPr>
               <a:t>Third Outline Level</a:t>
             </a:r>
-            <a:endParaRPr b="0" lang="en-US" sz="1800" spc="-1" strike="noStrike">
-              <a:solidFill>
-                <a:srgbClr val="000000"/>
-              </a:solidFill>
-              <a:latin typeface="Calibri"/>
-            </a:endParaRPr>
-          </a:p>
-          <a:p>
-            <a:pPr lvl="3" marL="1728000" indent="-216000">
+          </a:p>
+          <a:p>
+            <a:pPr marL="1728000" lvl="3" indent="-216000">
               <a:spcBef>
                 <a:spcPts val="567"/>
               </a:spcBef>
@@ -4806,7 +4203,7 @@
               <a:buChar char=""/>
             </a:pPr>
             <a:r>
-              <a:rPr b="0" lang="en-US" sz="1800" spc="-1" strike="noStrike">
+              <a:rPr lang="en-US" sz="1800" b="0" strike="noStrike" spc="-1">
                 <a:solidFill>
                   <a:srgbClr val="000000"/>
                 </a:solidFill>
@@ -4814,15 +4211,9 @@
               </a:rPr>
               <a:t>Fourth Outline Level</a:t>
             </a:r>
-            <a:endParaRPr b="0" lang="en-US" sz="1800" spc="-1" strike="noStrike">
-              <a:solidFill>
-                <a:srgbClr val="000000"/>
-              </a:solidFill>
-              <a:latin typeface="Calibri"/>
-            </a:endParaRPr>
-          </a:p>
-          <a:p>
-            <a:pPr lvl="4" marL="2160000" indent="-216000">
+          </a:p>
+          <a:p>
+            <a:pPr marL="2160000" lvl="4" indent="-216000">
               <a:spcBef>
                 <a:spcPts val="283"/>
               </a:spcBef>
@@ -4834,7 +4225,7 @@
               <a:buChar char=""/>
             </a:pPr>
             <a:r>
-              <a:rPr b="0" lang="en-US" sz="2000" spc="-1" strike="noStrike">
+              <a:rPr lang="en-US" sz="2000" b="0" strike="noStrike" spc="-1">
                 <a:solidFill>
                   <a:srgbClr val="000000"/>
                 </a:solidFill>
@@ -4842,15 +4233,9 @@
               </a:rPr>
               <a:t>Fifth Outline Level</a:t>
             </a:r>
-            <a:endParaRPr b="0" lang="en-US" sz="2000" spc="-1" strike="noStrike">
-              <a:solidFill>
-                <a:srgbClr val="000000"/>
-              </a:solidFill>
-              <a:latin typeface="Calibri"/>
-            </a:endParaRPr>
-          </a:p>
-          <a:p>
-            <a:pPr lvl="5" marL="2592000" indent="-216000">
+          </a:p>
+          <a:p>
+            <a:pPr marL="2592000" lvl="5" indent="-216000">
               <a:spcBef>
                 <a:spcPts val="283"/>
               </a:spcBef>
@@ -4862,7 +4247,7 @@
               <a:buChar char=""/>
             </a:pPr>
             <a:r>
-              <a:rPr b="0" lang="en-US" sz="2000" spc="-1" strike="noStrike">
+              <a:rPr lang="en-US" sz="2000" b="0" strike="noStrike" spc="-1">
                 <a:solidFill>
                   <a:srgbClr val="000000"/>
                 </a:solidFill>
@@ -4870,15 +4255,9 @@
               </a:rPr>
               <a:t>Sixth Outline Level</a:t>
             </a:r>
-            <a:endParaRPr b="0" lang="en-US" sz="2000" spc="-1" strike="noStrike">
-              <a:solidFill>
-                <a:srgbClr val="000000"/>
-              </a:solidFill>
-              <a:latin typeface="Calibri"/>
-            </a:endParaRPr>
-          </a:p>
-          <a:p>
-            <a:pPr lvl="6" marL="3024000" indent="-216000">
+          </a:p>
+          <a:p>
+            <a:pPr marL="3024000" lvl="6" indent="-216000">
               <a:spcBef>
                 <a:spcPts val="283"/>
               </a:spcBef>
@@ -4890,7 +4269,7 @@
               <a:buChar char=""/>
             </a:pPr>
             <a:r>
-              <a:rPr b="0" lang="en-US" sz="2000" spc="-1" strike="noStrike">
+              <a:rPr lang="en-US" sz="2000" b="0" strike="noStrike" spc="-1">
                 <a:solidFill>
                   <a:srgbClr val="000000"/>
                 </a:solidFill>
@@ -4898,43 +4277,318 @@
               </a:rPr>
               <a:t>Seventh Outline Level</a:t>
             </a:r>
-            <a:endParaRPr b="0" lang="en-US" sz="2000" spc="-1" strike="noStrike">
-              <a:solidFill>
-                <a:srgbClr val="000000"/>
-              </a:solidFill>
-              <a:latin typeface="Calibri"/>
-            </a:endParaRPr>
           </a:p>
         </p:txBody>
       </p:sp>
     </p:spTree>
   </p:cSld>
-  <p:clrMap bg1="lt1" bg2="lt2" tx1="dk1" tx2="dk2" accent1="accent1" accent2="accent2" accent3="accent3" accent4="accent4" accent5="accent5" accent6="accent6" hlink="hlink" folHlink="folHlink"/>
+  <p:clrMap bg1="lt1" tx1="dk1" bg2="lt2" tx2="dk2" accent1="accent1" accent2="accent2" accent3="accent3" accent4="accent4" accent5="accent5" accent6="accent6" hlink="hlink" folHlink="folHlink"/>
   <p:sldLayoutIdLst>
-    <p:sldLayoutId id="2147483649" r:id="rId2"/>
-    <p:sldLayoutId id="2147483650" r:id="rId3"/>
-    <p:sldLayoutId id="2147483651" r:id="rId4"/>
-    <p:sldLayoutId id="2147483652" r:id="rId5"/>
-    <p:sldLayoutId id="2147483653" r:id="rId6"/>
-    <p:sldLayoutId id="2147483654" r:id="rId7"/>
-    <p:sldLayoutId id="2147483655" r:id="rId8"/>
-    <p:sldLayoutId id="2147483656" r:id="rId9"/>
-    <p:sldLayoutId id="2147483657" r:id="rId10"/>
-    <p:sldLayoutId id="2147483658" r:id="rId11"/>
-    <p:sldLayoutId id="2147483659" r:id="rId12"/>
-    <p:sldLayoutId id="2147483660" r:id="rId13"/>
+    <p:sldLayoutId id="2147483649" r:id="rId1"/>
+    <p:sldLayoutId id="2147483650" r:id="rId2"/>
+    <p:sldLayoutId id="2147483651" r:id="rId3"/>
+    <p:sldLayoutId id="2147483652" r:id="rId4"/>
+    <p:sldLayoutId id="2147483653" r:id="rId5"/>
+    <p:sldLayoutId id="2147483654" r:id="rId6"/>
+    <p:sldLayoutId id="2147483655" r:id="rId7"/>
+    <p:sldLayoutId id="2147483656" r:id="rId8"/>
+    <p:sldLayoutId id="2147483657" r:id="rId9"/>
+    <p:sldLayoutId id="2147483658" r:id="rId10"/>
+    <p:sldLayoutId id="2147483659" r:id="rId11"/>
+    <p:sldLayoutId id="2147483660" r:id="rId12"/>
   </p:sldLayoutIdLst>
+  <p:txStyles>
+    <p:titleStyle>
+      <a:lvl1pPr algn="l" defTabSz="914400" rtl="0" eaLnBrk="1" latinLnBrk="0" hangingPunct="1">
+        <a:lnSpc>
+          <a:spcPct val="90000"/>
+        </a:lnSpc>
+        <a:spcBef>
+          <a:spcPct val="0"/>
+        </a:spcBef>
+        <a:buNone/>
+        <a:defRPr sz="4400" kern="1200">
+          <a:solidFill>
+            <a:schemeClr val="tx1"/>
+          </a:solidFill>
+          <a:latin typeface="+mj-lt"/>
+          <a:ea typeface="+mj-ea"/>
+          <a:cs typeface="+mj-cs"/>
+        </a:defRPr>
+      </a:lvl1pPr>
+    </p:titleStyle>
+    <p:bodyStyle>
+      <a:lvl1pPr marL="228600" indent="-228600" algn="l" defTabSz="914400" rtl="0" eaLnBrk="1" latinLnBrk="0" hangingPunct="1">
+        <a:lnSpc>
+          <a:spcPct val="90000"/>
+        </a:lnSpc>
+        <a:spcBef>
+          <a:spcPts val="1000"/>
+        </a:spcBef>
+        <a:buFont typeface="Arial" panose="020B0604020202020204" pitchFamily="34" charset="0"/>
+        <a:buChar char="•"/>
+        <a:defRPr sz="2800" kern="1200">
+          <a:solidFill>
+            <a:schemeClr val="tx1"/>
+          </a:solidFill>
+          <a:latin typeface="+mn-lt"/>
+          <a:ea typeface="+mn-ea"/>
+          <a:cs typeface="+mn-cs"/>
+        </a:defRPr>
+      </a:lvl1pPr>
+      <a:lvl2pPr marL="685800" indent="-228600" algn="l" defTabSz="914400" rtl="0" eaLnBrk="1" latinLnBrk="0" hangingPunct="1">
+        <a:lnSpc>
+          <a:spcPct val="90000"/>
+        </a:lnSpc>
+        <a:spcBef>
+          <a:spcPts val="500"/>
+        </a:spcBef>
+        <a:buFont typeface="Arial" panose="020B0604020202020204" pitchFamily="34" charset="0"/>
+        <a:buChar char="•"/>
+        <a:defRPr sz="2400" kern="1200">
+          <a:solidFill>
+            <a:schemeClr val="tx1"/>
+          </a:solidFill>
+          <a:latin typeface="+mn-lt"/>
+          <a:ea typeface="+mn-ea"/>
+          <a:cs typeface="+mn-cs"/>
+        </a:defRPr>
+      </a:lvl2pPr>
+      <a:lvl3pPr marL="1143000" indent="-228600" algn="l" defTabSz="914400" rtl="0" eaLnBrk="1" latinLnBrk="0" hangingPunct="1">
+        <a:lnSpc>
+          <a:spcPct val="90000"/>
+        </a:lnSpc>
+        <a:spcBef>
+          <a:spcPts val="500"/>
+        </a:spcBef>
+        <a:buFont typeface="Arial" panose="020B0604020202020204" pitchFamily="34" charset="0"/>
+        <a:buChar char="•"/>
+        <a:defRPr sz="2000" kern="1200">
+          <a:solidFill>
+            <a:schemeClr val="tx1"/>
+          </a:solidFill>
+          <a:latin typeface="+mn-lt"/>
+          <a:ea typeface="+mn-ea"/>
+          <a:cs typeface="+mn-cs"/>
+        </a:defRPr>
+      </a:lvl3pPr>
+      <a:lvl4pPr marL="1600200" indent="-228600" algn="l" defTabSz="914400" rtl="0" eaLnBrk="1" latinLnBrk="0" hangingPunct="1">
+        <a:lnSpc>
+          <a:spcPct val="90000"/>
+        </a:lnSpc>
+        <a:spcBef>
+          <a:spcPts val="500"/>
+        </a:spcBef>
+        <a:buFont typeface="Arial" panose="020B0604020202020204" pitchFamily="34" charset="0"/>
+        <a:buChar char="•"/>
+        <a:defRPr sz="1800" kern="1200">
+          <a:solidFill>
+            <a:schemeClr val="tx1"/>
+          </a:solidFill>
+          <a:latin typeface="+mn-lt"/>
+          <a:ea typeface="+mn-ea"/>
+          <a:cs typeface="+mn-cs"/>
+        </a:defRPr>
+      </a:lvl4pPr>
+      <a:lvl5pPr marL="2057400" indent="-228600" algn="l" defTabSz="914400" rtl="0" eaLnBrk="1" latinLnBrk="0" hangingPunct="1">
+        <a:lnSpc>
+          <a:spcPct val="90000"/>
+        </a:lnSpc>
+        <a:spcBef>
+          <a:spcPts val="500"/>
+        </a:spcBef>
+        <a:buFont typeface="Arial" panose="020B0604020202020204" pitchFamily="34" charset="0"/>
+        <a:buChar char="•"/>
+        <a:defRPr sz="1800" kern="1200">
+          <a:solidFill>
+            <a:schemeClr val="tx1"/>
+          </a:solidFill>
+          <a:latin typeface="+mn-lt"/>
+          <a:ea typeface="+mn-ea"/>
+          <a:cs typeface="+mn-cs"/>
+        </a:defRPr>
+      </a:lvl5pPr>
+      <a:lvl6pPr marL="2514600" indent="-228600" algn="l" defTabSz="914400" rtl="0" eaLnBrk="1" latinLnBrk="0" hangingPunct="1">
+        <a:lnSpc>
+          <a:spcPct val="90000"/>
+        </a:lnSpc>
+        <a:spcBef>
+          <a:spcPts val="500"/>
+        </a:spcBef>
+        <a:buFont typeface="Arial" panose="020B0604020202020204" pitchFamily="34" charset="0"/>
+        <a:buChar char="•"/>
+        <a:defRPr sz="1800" kern="1200">
+          <a:solidFill>
+            <a:schemeClr val="tx1"/>
+          </a:solidFill>
+          <a:latin typeface="+mn-lt"/>
+          <a:ea typeface="+mn-ea"/>
+          <a:cs typeface="+mn-cs"/>
+        </a:defRPr>
+      </a:lvl6pPr>
+      <a:lvl7pPr marL="2971800" indent="-228600" algn="l" defTabSz="914400" rtl="0" eaLnBrk="1" latinLnBrk="0" hangingPunct="1">
+        <a:lnSpc>
+          <a:spcPct val="90000"/>
+        </a:lnSpc>
+        <a:spcBef>
+          <a:spcPts val="500"/>
+        </a:spcBef>
+        <a:buFont typeface="Arial" panose="020B0604020202020204" pitchFamily="34" charset="0"/>
+        <a:buChar char="•"/>
+        <a:defRPr sz="1800" kern="1200">
+          <a:solidFill>
+            <a:schemeClr val="tx1"/>
+          </a:solidFill>
+          <a:latin typeface="+mn-lt"/>
+          <a:ea typeface="+mn-ea"/>
+          <a:cs typeface="+mn-cs"/>
+        </a:defRPr>
+      </a:lvl7pPr>
+      <a:lvl8pPr marL="3429000" indent="-228600" algn="l" defTabSz="914400" rtl="0" eaLnBrk="1" latinLnBrk="0" hangingPunct="1">
+        <a:lnSpc>
+          <a:spcPct val="90000"/>
+        </a:lnSpc>
+        <a:spcBef>
+          <a:spcPts val="500"/>
+        </a:spcBef>
+        <a:buFont typeface="Arial" panose="020B0604020202020204" pitchFamily="34" charset="0"/>
+        <a:buChar char="•"/>
+        <a:defRPr sz="1800" kern="1200">
+          <a:solidFill>
+            <a:schemeClr val="tx1"/>
+          </a:solidFill>
+          <a:latin typeface="+mn-lt"/>
+          <a:ea typeface="+mn-ea"/>
+          <a:cs typeface="+mn-cs"/>
+        </a:defRPr>
+      </a:lvl8pPr>
+      <a:lvl9pPr marL="3886200" indent="-228600" algn="l" defTabSz="914400" rtl="0" eaLnBrk="1" latinLnBrk="0" hangingPunct="1">
+        <a:lnSpc>
+          <a:spcPct val="90000"/>
+        </a:lnSpc>
+        <a:spcBef>
+          <a:spcPts val="500"/>
+        </a:spcBef>
+        <a:buFont typeface="Arial" panose="020B0604020202020204" pitchFamily="34" charset="0"/>
+        <a:buChar char="•"/>
+        <a:defRPr sz="1800" kern="1200">
+          <a:solidFill>
+            <a:schemeClr val="tx1"/>
+          </a:solidFill>
+          <a:latin typeface="+mn-lt"/>
+          <a:ea typeface="+mn-ea"/>
+          <a:cs typeface="+mn-cs"/>
+        </a:defRPr>
+      </a:lvl9pPr>
+    </p:bodyStyle>
+    <p:otherStyle>
+      <a:defPPr>
+        <a:defRPr lang="en-US"/>
+      </a:defPPr>
+      <a:lvl1pPr marL="0" algn="l" defTabSz="914400" rtl="0" eaLnBrk="1" latinLnBrk="0" hangingPunct="1">
+        <a:defRPr sz="1800" kern="1200">
+          <a:solidFill>
+            <a:schemeClr val="tx1"/>
+          </a:solidFill>
+          <a:latin typeface="+mn-lt"/>
+          <a:ea typeface="+mn-ea"/>
+          <a:cs typeface="+mn-cs"/>
+        </a:defRPr>
+      </a:lvl1pPr>
+      <a:lvl2pPr marL="457200" algn="l" defTabSz="914400" rtl="0" eaLnBrk="1" latinLnBrk="0" hangingPunct="1">
+        <a:defRPr sz="1800" kern="1200">
+          <a:solidFill>
+            <a:schemeClr val="tx1"/>
+          </a:solidFill>
+          <a:latin typeface="+mn-lt"/>
+          <a:ea typeface="+mn-ea"/>
+          <a:cs typeface="+mn-cs"/>
+        </a:defRPr>
+      </a:lvl2pPr>
+      <a:lvl3pPr marL="914400" algn="l" defTabSz="914400" rtl="0" eaLnBrk="1" latinLnBrk="0" hangingPunct="1">
+        <a:defRPr sz="1800" kern="1200">
+          <a:solidFill>
+            <a:schemeClr val="tx1"/>
+          </a:solidFill>
+          <a:latin typeface="+mn-lt"/>
+          <a:ea typeface="+mn-ea"/>
+          <a:cs typeface="+mn-cs"/>
+        </a:defRPr>
+      </a:lvl3pPr>
+      <a:lvl4pPr marL="1371600" algn="l" defTabSz="914400" rtl="0" eaLnBrk="1" latinLnBrk="0" hangingPunct="1">
+        <a:defRPr sz="1800" kern="1200">
+          <a:solidFill>
+            <a:schemeClr val="tx1"/>
+          </a:solidFill>
+          <a:latin typeface="+mn-lt"/>
+          <a:ea typeface="+mn-ea"/>
+          <a:cs typeface="+mn-cs"/>
+        </a:defRPr>
+      </a:lvl4pPr>
+      <a:lvl5pPr marL="1828800" algn="l" defTabSz="914400" rtl="0" eaLnBrk="1" latinLnBrk="0" hangingPunct="1">
+        <a:defRPr sz="1800" kern="1200">
+          <a:solidFill>
+            <a:schemeClr val="tx1"/>
+          </a:solidFill>
+          <a:latin typeface="+mn-lt"/>
+          <a:ea typeface="+mn-ea"/>
+          <a:cs typeface="+mn-cs"/>
+        </a:defRPr>
+      </a:lvl5pPr>
+      <a:lvl6pPr marL="2286000" algn="l" defTabSz="914400" rtl="0" eaLnBrk="1" latinLnBrk="0" hangingPunct="1">
+        <a:defRPr sz="1800" kern="1200">
+          <a:solidFill>
+            <a:schemeClr val="tx1"/>
+          </a:solidFill>
+          <a:latin typeface="+mn-lt"/>
+          <a:ea typeface="+mn-ea"/>
+          <a:cs typeface="+mn-cs"/>
+        </a:defRPr>
+      </a:lvl6pPr>
+      <a:lvl7pPr marL="2743200" algn="l" defTabSz="914400" rtl="0" eaLnBrk="1" latinLnBrk="0" hangingPunct="1">
+        <a:defRPr sz="1800" kern="1200">
+          <a:solidFill>
+            <a:schemeClr val="tx1"/>
+          </a:solidFill>
+          <a:latin typeface="+mn-lt"/>
+          <a:ea typeface="+mn-ea"/>
+          <a:cs typeface="+mn-cs"/>
+        </a:defRPr>
+      </a:lvl7pPr>
+      <a:lvl8pPr marL="3200400" algn="l" defTabSz="914400" rtl="0" eaLnBrk="1" latinLnBrk="0" hangingPunct="1">
+        <a:defRPr sz="1800" kern="1200">
+          <a:solidFill>
+            <a:schemeClr val="tx1"/>
+          </a:solidFill>
+          <a:latin typeface="+mn-lt"/>
+          <a:ea typeface="+mn-ea"/>
+          <a:cs typeface="+mn-cs"/>
+        </a:defRPr>
+      </a:lvl8pPr>
+      <a:lvl9pPr marL="3657600" algn="l" defTabSz="914400" rtl="0" eaLnBrk="1" latinLnBrk="0" hangingPunct="1">
+        <a:defRPr sz="1800" kern="1200">
+          <a:solidFill>
+            <a:schemeClr val="tx1"/>
+          </a:solidFill>
+          <a:latin typeface="+mn-lt"/>
+          <a:ea typeface="+mn-ea"/>
+          <a:cs typeface="+mn-cs"/>
+        </a:defRPr>
+      </a:lvl9pPr>
+    </p:otherStyle>
+  </p:txStyles>
 </p:sldMaster>
 </file>
 
 <file path=ppt/slideMasters/slideMaster2.xml><?xml version="1.0" encoding="utf-8"?>
-<p:sldMaster xmlns:a="http://schemas.openxmlformats.org/drawingml/2006/main" xmlns:p="http://schemas.openxmlformats.org/presentationml/2006/main" xmlns:r="http://schemas.openxmlformats.org/officeDocument/2006/relationships" xmlns:p14="http://schemas.microsoft.com/office/powerpoint/2010/main" xmlns:p15="http://schemas.microsoft.com/office/powerpoint/2012/main" xmlns:mc="http://schemas.openxmlformats.org/markup-compatibility/2006">
+<p:sldMaster xmlns:a="http://schemas.openxmlformats.org/drawingml/2006/main" xmlns:r="http://schemas.openxmlformats.org/officeDocument/2006/relationships" xmlns:p="http://schemas.openxmlformats.org/presentationml/2006/main">
   <p:cSld>
     <p:bg>
       <p:bgPr>
         <a:solidFill>
-          <a:srgbClr val="ffffff"/>
+          <a:srgbClr val="FFFFFF"/>
         </a:solidFill>
+        <a:effectLst/>
       </p:bgPr>
     </p:bg>
     <p:spTree>
@@ -4974,6 +4628,7 @@
           <a:bodyPr anchor="ctr">
             <a:noAutofit/>
           </a:bodyPr>
+          <a:lstStyle/>
           <a:p>
             <a:pPr>
               <a:lnSpc>
@@ -4981,51 +4636,15 @@
               </a:lnSpc>
             </a:pPr>
             <a:r>
-              <a:rPr b="0" lang="en-US" sz="4400" spc="-1" strike="noStrike">
+              <a:rPr lang="en-US" sz="4400" b="0" strike="noStrike" spc="-1">
                 <a:solidFill>
                   <a:srgbClr val="000000"/>
                 </a:solidFill>
                 <a:latin typeface="Calibri Light"/>
               </a:rPr>
-              <a:t>Click to </a:t>
+              <a:t>Click to edit Master title style</a:t>
             </a:r>
-            <a:r>
-              <a:rPr b="0" lang="en-US" sz="4400" spc="-1" strike="noStrike">
-                <a:solidFill>
-                  <a:srgbClr val="000000"/>
-                </a:solidFill>
-                <a:latin typeface="Calibri Light"/>
-              </a:rPr>
-              <a:t>edit </a:t>
-            </a:r>
-            <a:r>
-              <a:rPr b="0" lang="en-US" sz="4400" spc="-1" strike="noStrike">
-                <a:solidFill>
-                  <a:srgbClr val="000000"/>
-                </a:solidFill>
-                <a:latin typeface="Calibri Light"/>
-              </a:rPr>
-              <a:t>Master </a:t>
-            </a:r>
-            <a:r>
-              <a:rPr b="0" lang="en-US" sz="4400" spc="-1" strike="noStrike">
-                <a:solidFill>
-                  <a:srgbClr val="000000"/>
-                </a:solidFill>
-                <a:latin typeface="Calibri Light"/>
-              </a:rPr>
-              <a:t>title </a:t>
-            </a:r>
-            <a:r>
-              <a:rPr b="0" lang="en-US" sz="4400" spc="-1" strike="noStrike">
-                <a:solidFill>
-                  <a:srgbClr val="000000"/>
-                </a:solidFill>
-                <a:latin typeface="Calibri Light"/>
-              </a:rPr>
-              <a:t>style</a:t>
-            </a:r>
-            <a:endParaRPr b="0" lang="en-US" sz="4400" spc="-1" strike="noStrike">
+            <a:endParaRPr lang="en-US" sz="4400" b="0" strike="noStrike" spc="-1">
               <a:solidFill>
                 <a:srgbClr val="000000"/>
               </a:solidFill>
@@ -5057,6 +4676,7 @@
           <a:bodyPr>
             <a:noAutofit/>
           </a:bodyPr>
+          <a:lstStyle/>
           <a:p>
             <a:pPr marL="228600" indent="-228240">
               <a:lnSpc>
@@ -5072,7 +4692,7 @@
               <a:buChar char="•"/>
             </a:pPr>
             <a:r>
-              <a:rPr b="0" lang="en-US" sz="2800" spc="-1" strike="noStrike">
+              <a:rPr lang="en-US" sz="2800" b="0" strike="noStrike" spc="-1">
                 <a:solidFill>
                   <a:srgbClr val="000000"/>
                 </a:solidFill>
@@ -5080,15 +4700,9 @@
               </a:rPr>
               <a:t>Click to edit Master text styles</a:t>
             </a:r>
-            <a:endParaRPr b="0" lang="en-US" sz="2800" spc="-1" strike="noStrike">
-              <a:solidFill>
-                <a:srgbClr val="000000"/>
-              </a:solidFill>
-              <a:latin typeface="Calibri"/>
-            </a:endParaRPr>
-          </a:p>
-          <a:p>
-            <a:pPr lvl="1" marL="685800" indent="-228240">
+          </a:p>
+          <a:p>
+            <a:pPr marL="685800" lvl="1" indent="-228240">
               <a:lnSpc>
                 <a:spcPct val="90000"/>
               </a:lnSpc>
@@ -5102,7 +4716,7 @@
               <a:buChar char="•"/>
             </a:pPr>
             <a:r>
-              <a:rPr b="0" lang="en-US" sz="2400" spc="-1" strike="noStrike">
+              <a:rPr lang="en-US" sz="2400" b="0" strike="noStrike" spc="-1">
                 <a:solidFill>
                   <a:srgbClr val="000000"/>
                 </a:solidFill>
@@ -5110,15 +4724,9 @@
               </a:rPr>
               <a:t>Second level</a:t>
             </a:r>
-            <a:endParaRPr b="0" lang="en-US" sz="2400" spc="-1" strike="noStrike">
-              <a:solidFill>
-                <a:srgbClr val="000000"/>
-              </a:solidFill>
-              <a:latin typeface="Calibri"/>
-            </a:endParaRPr>
-          </a:p>
-          <a:p>
-            <a:pPr lvl="2" marL="1143000" indent="-228240">
+          </a:p>
+          <a:p>
+            <a:pPr marL="1143000" lvl="2" indent="-228240">
               <a:lnSpc>
                 <a:spcPct val="90000"/>
               </a:lnSpc>
@@ -5132,7 +4740,7 @@
               <a:buChar char="•"/>
             </a:pPr>
             <a:r>
-              <a:rPr b="0" lang="en-US" sz="2000" spc="-1" strike="noStrike">
+              <a:rPr lang="en-US" sz="2000" b="0" strike="noStrike" spc="-1">
                 <a:solidFill>
                   <a:srgbClr val="000000"/>
                 </a:solidFill>
@@ -5140,15 +4748,9 @@
               </a:rPr>
               <a:t>Third level</a:t>
             </a:r>
-            <a:endParaRPr b="0" lang="en-US" sz="2000" spc="-1" strike="noStrike">
-              <a:solidFill>
-                <a:srgbClr val="000000"/>
-              </a:solidFill>
-              <a:latin typeface="Calibri"/>
-            </a:endParaRPr>
-          </a:p>
-          <a:p>
-            <a:pPr lvl="3" marL="1600200" indent="-228240">
+          </a:p>
+          <a:p>
+            <a:pPr marL="1600200" lvl="3" indent="-228240">
               <a:lnSpc>
                 <a:spcPct val="90000"/>
               </a:lnSpc>
@@ -5162,7 +4764,7 @@
               <a:buChar char="•"/>
             </a:pPr>
             <a:r>
-              <a:rPr b="0" lang="en-US" sz="1800" spc="-1" strike="noStrike">
+              <a:rPr lang="en-US" sz="1800" b="0" strike="noStrike" spc="-1">
                 <a:solidFill>
                   <a:srgbClr val="000000"/>
                 </a:solidFill>
@@ -5170,15 +4772,9 @@
               </a:rPr>
               <a:t>Fourth level</a:t>
             </a:r>
-            <a:endParaRPr b="0" lang="en-US" sz="1800" spc="-1" strike="noStrike">
-              <a:solidFill>
-                <a:srgbClr val="000000"/>
-              </a:solidFill>
-              <a:latin typeface="Calibri"/>
-            </a:endParaRPr>
-          </a:p>
-          <a:p>
-            <a:pPr lvl="4" marL="2057400" indent="-228240">
+          </a:p>
+          <a:p>
+            <a:pPr marL="2057400" lvl="4" indent="-228240">
               <a:lnSpc>
                 <a:spcPct val="90000"/>
               </a:lnSpc>
@@ -5192,7 +4788,7 @@
               <a:buChar char="•"/>
             </a:pPr>
             <a:r>
-              <a:rPr b="0" lang="en-US" sz="1800" spc="-1" strike="noStrike">
+              <a:rPr lang="en-US" sz="1800" b="0" strike="noStrike" spc="-1">
                 <a:solidFill>
                   <a:srgbClr val="000000"/>
                 </a:solidFill>
@@ -5200,12 +4796,6 @@
               </a:rPr>
               <a:t>Fifth level</a:t>
             </a:r>
-            <a:endParaRPr b="0" lang="en-US" sz="1800" spc="-1" strike="noStrike">
-              <a:solidFill>
-                <a:srgbClr val="000000"/>
-              </a:solidFill>
-              <a:latin typeface="Calibri"/>
-            </a:endParaRPr>
           </a:p>
         </p:txBody>
       </p:sp>
@@ -5232,6 +4822,7 @@
           <a:bodyPr anchor="ctr">
             <a:noAutofit/>
           </a:bodyPr>
+          <a:lstStyle/>
           <a:p>
             <a:pPr algn="r">
               <a:lnSpc>
@@ -5239,15 +4830,15 @@
               </a:lnSpc>
             </a:pPr>
             <a:fld id="{E54B0B77-3B43-46E2-A9D6-1093D3E7D1F4}" type="slidenum">
-              <a:rPr b="0" lang="en-US" sz="1200" spc="-1" strike="noStrike">
+              <a:rPr lang="en-US" sz="1200" b="0" strike="noStrike" spc="-1">
                 <a:solidFill>
-                  <a:srgbClr val="8b8b8b"/>
+                  <a:srgbClr val="8B8B8B"/>
                 </a:solidFill>
                 <a:latin typeface="Calibri"/>
               </a:rPr>
-              <a:t>&lt;number&gt;</a:t>
+              <a:t>‹#›</a:t>
             </a:fld>
-            <a:endParaRPr b="0" lang="en-US" sz="1200" spc="-1" strike="noStrike">
+            <a:endParaRPr lang="en-US" sz="1200" b="0" strike="noStrike" spc="-1">
               <a:latin typeface="Times New Roman"/>
             </a:endParaRPr>
           </a:p>
@@ -5291,26 +4882,306 @@
       </p:sp>
     </p:spTree>
   </p:cSld>
-  <p:clrMap bg1="lt1" bg2="lt2" tx1="dk1" tx2="dk2" accent1="accent1" accent2="accent2" accent3="accent3" accent4="accent4" accent5="accent5" accent6="accent6" hlink="hlink" folHlink="folHlink"/>
+  <p:clrMap bg1="lt1" tx1="dk1" bg2="lt2" tx2="dk2" accent1="accent1" accent2="accent2" accent3="accent3" accent4="accent4" accent5="accent5" accent6="accent6" hlink="hlink" folHlink="folHlink"/>
   <p:sldLayoutIdLst>
-    <p:sldLayoutId id="2147483662" r:id="rId2"/>
-    <p:sldLayoutId id="2147483663" r:id="rId3"/>
-    <p:sldLayoutId id="2147483664" r:id="rId4"/>
-    <p:sldLayoutId id="2147483665" r:id="rId5"/>
-    <p:sldLayoutId id="2147483666" r:id="rId6"/>
-    <p:sldLayoutId id="2147483667" r:id="rId7"/>
-    <p:sldLayoutId id="2147483668" r:id="rId8"/>
-    <p:sldLayoutId id="2147483669" r:id="rId9"/>
-    <p:sldLayoutId id="2147483670" r:id="rId10"/>
-    <p:sldLayoutId id="2147483671" r:id="rId11"/>
-    <p:sldLayoutId id="2147483672" r:id="rId12"/>
-    <p:sldLayoutId id="2147483673" r:id="rId13"/>
+    <p:sldLayoutId id="2147483662" r:id="rId1"/>
+    <p:sldLayoutId id="2147483663" r:id="rId2"/>
+    <p:sldLayoutId id="2147483664" r:id="rId3"/>
+    <p:sldLayoutId id="2147483665" r:id="rId4"/>
+    <p:sldLayoutId id="2147483666" r:id="rId5"/>
+    <p:sldLayoutId id="2147483667" r:id="rId6"/>
+    <p:sldLayoutId id="2147483668" r:id="rId7"/>
+    <p:sldLayoutId id="2147483669" r:id="rId8"/>
+    <p:sldLayoutId id="2147483670" r:id="rId9"/>
+    <p:sldLayoutId id="2147483671" r:id="rId10"/>
+    <p:sldLayoutId id="2147483672" r:id="rId11"/>
+    <p:sldLayoutId id="2147483673" r:id="rId12"/>
   </p:sldLayoutIdLst>
+  <p:txStyles>
+    <p:titleStyle>
+      <a:lvl1pPr algn="l" defTabSz="914400" rtl="0" eaLnBrk="1" latinLnBrk="0" hangingPunct="1">
+        <a:lnSpc>
+          <a:spcPct val="90000"/>
+        </a:lnSpc>
+        <a:spcBef>
+          <a:spcPct val="0"/>
+        </a:spcBef>
+        <a:buNone/>
+        <a:defRPr sz="4400" kern="1200">
+          <a:solidFill>
+            <a:schemeClr val="tx1"/>
+          </a:solidFill>
+          <a:latin typeface="+mj-lt"/>
+          <a:ea typeface="+mj-ea"/>
+          <a:cs typeface="+mj-cs"/>
+        </a:defRPr>
+      </a:lvl1pPr>
+    </p:titleStyle>
+    <p:bodyStyle>
+      <a:lvl1pPr marL="228600" indent="-228600" algn="l" defTabSz="914400" rtl="0" eaLnBrk="1" latinLnBrk="0" hangingPunct="1">
+        <a:lnSpc>
+          <a:spcPct val="90000"/>
+        </a:lnSpc>
+        <a:spcBef>
+          <a:spcPts val="1000"/>
+        </a:spcBef>
+        <a:buFont typeface="Arial" panose="020B0604020202020204" pitchFamily="34" charset="0"/>
+        <a:buChar char="•"/>
+        <a:defRPr sz="2800" kern="1200">
+          <a:solidFill>
+            <a:schemeClr val="tx1"/>
+          </a:solidFill>
+          <a:latin typeface="+mn-lt"/>
+          <a:ea typeface="+mn-ea"/>
+          <a:cs typeface="+mn-cs"/>
+        </a:defRPr>
+      </a:lvl1pPr>
+      <a:lvl2pPr marL="685800" indent="-228600" algn="l" defTabSz="914400" rtl="0" eaLnBrk="1" latinLnBrk="0" hangingPunct="1">
+        <a:lnSpc>
+          <a:spcPct val="90000"/>
+        </a:lnSpc>
+        <a:spcBef>
+          <a:spcPts val="500"/>
+        </a:spcBef>
+        <a:buFont typeface="Arial" panose="020B0604020202020204" pitchFamily="34" charset="0"/>
+        <a:buChar char="•"/>
+        <a:defRPr sz="2400" kern="1200">
+          <a:solidFill>
+            <a:schemeClr val="tx1"/>
+          </a:solidFill>
+          <a:latin typeface="+mn-lt"/>
+          <a:ea typeface="+mn-ea"/>
+          <a:cs typeface="+mn-cs"/>
+        </a:defRPr>
+      </a:lvl2pPr>
+      <a:lvl3pPr marL="1143000" indent="-228600" algn="l" defTabSz="914400" rtl="0" eaLnBrk="1" latinLnBrk="0" hangingPunct="1">
+        <a:lnSpc>
+          <a:spcPct val="90000"/>
+        </a:lnSpc>
+        <a:spcBef>
+          <a:spcPts val="500"/>
+        </a:spcBef>
+        <a:buFont typeface="Arial" panose="020B0604020202020204" pitchFamily="34" charset="0"/>
+        <a:buChar char="•"/>
+        <a:defRPr sz="2000" kern="1200">
+          <a:solidFill>
+            <a:schemeClr val="tx1"/>
+          </a:solidFill>
+          <a:latin typeface="+mn-lt"/>
+          <a:ea typeface="+mn-ea"/>
+          <a:cs typeface="+mn-cs"/>
+        </a:defRPr>
+      </a:lvl3pPr>
+      <a:lvl4pPr marL="1600200" indent="-228600" algn="l" defTabSz="914400" rtl="0" eaLnBrk="1" latinLnBrk="0" hangingPunct="1">
+        <a:lnSpc>
+          <a:spcPct val="90000"/>
+        </a:lnSpc>
+        <a:spcBef>
+          <a:spcPts val="500"/>
+        </a:spcBef>
+        <a:buFont typeface="Arial" panose="020B0604020202020204" pitchFamily="34" charset="0"/>
+        <a:buChar char="•"/>
+        <a:defRPr sz="1800" kern="1200">
+          <a:solidFill>
+            <a:schemeClr val="tx1"/>
+          </a:solidFill>
+          <a:latin typeface="+mn-lt"/>
+          <a:ea typeface="+mn-ea"/>
+          <a:cs typeface="+mn-cs"/>
+        </a:defRPr>
+      </a:lvl4pPr>
+      <a:lvl5pPr marL="2057400" indent="-228600" algn="l" defTabSz="914400" rtl="0" eaLnBrk="1" latinLnBrk="0" hangingPunct="1">
+        <a:lnSpc>
+          <a:spcPct val="90000"/>
+        </a:lnSpc>
+        <a:spcBef>
+          <a:spcPts val="500"/>
+        </a:spcBef>
+        <a:buFont typeface="Arial" panose="020B0604020202020204" pitchFamily="34" charset="0"/>
+        <a:buChar char="•"/>
+        <a:defRPr sz="1800" kern="1200">
+          <a:solidFill>
+            <a:schemeClr val="tx1"/>
+          </a:solidFill>
+          <a:latin typeface="+mn-lt"/>
+          <a:ea typeface="+mn-ea"/>
+          <a:cs typeface="+mn-cs"/>
+        </a:defRPr>
+      </a:lvl5pPr>
+      <a:lvl6pPr marL="2514600" indent="-228600" algn="l" defTabSz="914400" rtl="0" eaLnBrk="1" latinLnBrk="0" hangingPunct="1">
+        <a:lnSpc>
+          <a:spcPct val="90000"/>
+        </a:lnSpc>
+        <a:spcBef>
+          <a:spcPts val="500"/>
+        </a:spcBef>
+        <a:buFont typeface="Arial" panose="020B0604020202020204" pitchFamily="34" charset="0"/>
+        <a:buChar char="•"/>
+        <a:defRPr sz="1800" kern="1200">
+          <a:solidFill>
+            <a:schemeClr val="tx1"/>
+          </a:solidFill>
+          <a:latin typeface="+mn-lt"/>
+          <a:ea typeface="+mn-ea"/>
+          <a:cs typeface="+mn-cs"/>
+        </a:defRPr>
+      </a:lvl6pPr>
+      <a:lvl7pPr marL="2971800" indent="-228600" algn="l" defTabSz="914400" rtl="0" eaLnBrk="1" latinLnBrk="0" hangingPunct="1">
+        <a:lnSpc>
+          <a:spcPct val="90000"/>
+        </a:lnSpc>
+        <a:spcBef>
+          <a:spcPts val="500"/>
+        </a:spcBef>
+        <a:buFont typeface="Arial" panose="020B0604020202020204" pitchFamily="34" charset="0"/>
+        <a:buChar char="•"/>
+        <a:defRPr sz="1800" kern="1200">
+          <a:solidFill>
+            <a:schemeClr val="tx1"/>
+          </a:solidFill>
+          <a:latin typeface="+mn-lt"/>
+          <a:ea typeface="+mn-ea"/>
+          <a:cs typeface="+mn-cs"/>
+        </a:defRPr>
+      </a:lvl7pPr>
+      <a:lvl8pPr marL="3429000" indent="-228600" algn="l" defTabSz="914400" rtl="0" eaLnBrk="1" latinLnBrk="0" hangingPunct="1">
+        <a:lnSpc>
+          <a:spcPct val="90000"/>
+        </a:lnSpc>
+        <a:spcBef>
+          <a:spcPts val="500"/>
+        </a:spcBef>
+        <a:buFont typeface="Arial" panose="020B0604020202020204" pitchFamily="34" charset="0"/>
+        <a:buChar char="•"/>
+        <a:defRPr sz="1800" kern="1200">
+          <a:solidFill>
+            <a:schemeClr val="tx1"/>
+          </a:solidFill>
+          <a:latin typeface="+mn-lt"/>
+          <a:ea typeface="+mn-ea"/>
+          <a:cs typeface="+mn-cs"/>
+        </a:defRPr>
+      </a:lvl8pPr>
+      <a:lvl9pPr marL="3886200" indent="-228600" algn="l" defTabSz="914400" rtl="0" eaLnBrk="1" latinLnBrk="0" hangingPunct="1">
+        <a:lnSpc>
+          <a:spcPct val="90000"/>
+        </a:lnSpc>
+        <a:spcBef>
+          <a:spcPts val="500"/>
+        </a:spcBef>
+        <a:buFont typeface="Arial" panose="020B0604020202020204" pitchFamily="34" charset="0"/>
+        <a:buChar char="•"/>
+        <a:defRPr sz="1800" kern="1200">
+          <a:solidFill>
+            <a:schemeClr val="tx1"/>
+          </a:solidFill>
+          <a:latin typeface="+mn-lt"/>
+          <a:ea typeface="+mn-ea"/>
+          <a:cs typeface="+mn-cs"/>
+        </a:defRPr>
+      </a:lvl9pPr>
+    </p:bodyStyle>
+    <p:otherStyle>
+      <a:defPPr>
+        <a:defRPr lang="en-US"/>
+      </a:defPPr>
+      <a:lvl1pPr marL="0" algn="l" defTabSz="914400" rtl="0" eaLnBrk="1" latinLnBrk="0" hangingPunct="1">
+        <a:defRPr sz="1800" kern="1200">
+          <a:solidFill>
+            <a:schemeClr val="tx1"/>
+          </a:solidFill>
+          <a:latin typeface="+mn-lt"/>
+          <a:ea typeface="+mn-ea"/>
+          <a:cs typeface="+mn-cs"/>
+        </a:defRPr>
+      </a:lvl1pPr>
+      <a:lvl2pPr marL="457200" algn="l" defTabSz="914400" rtl="0" eaLnBrk="1" latinLnBrk="0" hangingPunct="1">
+        <a:defRPr sz="1800" kern="1200">
+          <a:solidFill>
+            <a:schemeClr val="tx1"/>
+          </a:solidFill>
+          <a:latin typeface="+mn-lt"/>
+          <a:ea typeface="+mn-ea"/>
+          <a:cs typeface="+mn-cs"/>
+        </a:defRPr>
+      </a:lvl2pPr>
+      <a:lvl3pPr marL="914400" algn="l" defTabSz="914400" rtl="0" eaLnBrk="1" latinLnBrk="0" hangingPunct="1">
+        <a:defRPr sz="1800" kern="1200">
+          <a:solidFill>
+            <a:schemeClr val="tx1"/>
+          </a:solidFill>
+          <a:latin typeface="+mn-lt"/>
+          <a:ea typeface="+mn-ea"/>
+          <a:cs typeface="+mn-cs"/>
+        </a:defRPr>
+      </a:lvl3pPr>
+      <a:lvl4pPr marL="1371600" algn="l" defTabSz="914400" rtl="0" eaLnBrk="1" latinLnBrk="0" hangingPunct="1">
+        <a:defRPr sz="1800" kern="1200">
+          <a:solidFill>
+            <a:schemeClr val="tx1"/>
+          </a:solidFill>
+          <a:latin typeface="+mn-lt"/>
+          <a:ea typeface="+mn-ea"/>
+          <a:cs typeface="+mn-cs"/>
+        </a:defRPr>
+      </a:lvl4pPr>
+      <a:lvl5pPr marL="1828800" algn="l" defTabSz="914400" rtl="0" eaLnBrk="1" latinLnBrk="0" hangingPunct="1">
+        <a:defRPr sz="1800" kern="1200">
+          <a:solidFill>
+            <a:schemeClr val="tx1"/>
+          </a:solidFill>
+          <a:latin typeface="+mn-lt"/>
+          <a:ea typeface="+mn-ea"/>
+          <a:cs typeface="+mn-cs"/>
+        </a:defRPr>
+      </a:lvl5pPr>
+      <a:lvl6pPr marL="2286000" algn="l" defTabSz="914400" rtl="0" eaLnBrk="1" latinLnBrk="0" hangingPunct="1">
+        <a:defRPr sz="1800" kern="1200">
+          <a:solidFill>
+            <a:schemeClr val="tx1"/>
+          </a:solidFill>
+          <a:latin typeface="+mn-lt"/>
+          <a:ea typeface="+mn-ea"/>
+          <a:cs typeface="+mn-cs"/>
+        </a:defRPr>
+      </a:lvl6pPr>
+      <a:lvl7pPr marL="2743200" algn="l" defTabSz="914400" rtl="0" eaLnBrk="1" latinLnBrk="0" hangingPunct="1">
+        <a:defRPr sz="1800" kern="1200">
+          <a:solidFill>
+            <a:schemeClr val="tx1"/>
+          </a:solidFill>
+          <a:latin typeface="+mn-lt"/>
+          <a:ea typeface="+mn-ea"/>
+          <a:cs typeface="+mn-cs"/>
+        </a:defRPr>
+      </a:lvl7pPr>
+      <a:lvl8pPr marL="3200400" algn="l" defTabSz="914400" rtl="0" eaLnBrk="1" latinLnBrk="0" hangingPunct="1">
+        <a:defRPr sz="1800" kern="1200">
+          <a:solidFill>
+            <a:schemeClr val="tx1"/>
+          </a:solidFill>
+          <a:latin typeface="+mn-lt"/>
+          <a:ea typeface="+mn-ea"/>
+          <a:cs typeface="+mn-cs"/>
+        </a:defRPr>
+      </a:lvl8pPr>
+      <a:lvl9pPr marL="3657600" algn="l" defTabSz="914400" rtl="0" eaLnBrk="1" latinLnBrk="0" hangingPunct="1">
+        <a:defRPr sz="1800" kern="1200">
+          <a:solidFill>
+            <a:schemeClr val="tx1"/>
+          </a:solidFill>
+          <a:latin typeface="+mn-lt"/>
+          <a:ea typeface="+mn-ea"/>
+          <a:cs typeface="+mn-cs"/>
+        </a:defRPr>
+      </a:lvl9pPr>
+    </p:otherStyle>
+  </p:txStyles>
 </p:sldMaster>
 </file>
 
 <file path=ppt/slides/slide1.xml><?xml version="1.0" encoding="utf-8"?>
-<p:sld xmlns:a="http://schemas.openxmlformats.org/drawingml/2006/main" xmlns:p="http://schemas.openxmlformats.org/presentationml/2006/main" xmlns:r="http://schemas.openxmlformats.org/officeDocument/2006/relationships" xmlns:p14="http://schemas.microsoft.com/office/powerpoint/2010/main" xmlns:p15="http://schemas.microsoft.com/office/powerpoint/2012/main" xmlns:mc="http://schemas.openxmlformats.org/markup-compatibility/2006">
+<p:sld xmlns:a="http://schemas.openxmlformats.org/drawingml/2006/main" xmlns:r="http://schemas.openxmlformats.org/officeDocument/2006/relationships" xmlns:p="http://schemas.openxmlformats.org/presentationml/2006/main">
   <p:cSld>
     <p:spTree>
       <p:nvGrpSpPr>
@@ -5349,6 +5220,7 @@
           <a:bodyPr anchor="b">
             <a:normAutofit/>
           </a:bodyPr>
+          <a:lstStyle/>
           <a:p>
             <a:pPr algn="ctr">
               <a:lnSpc>
@@ -5356,7 +5228,7 @@
               </a:lnSpc>
             </a:pPr>
             <a:r>
-              <a:rPr b="0" lang="en-US" sz="5400" spc="-1" strike="noStrike">
+              <a:rPr lang="en-US" sz="5400" b="0" strike="noStrike" spc="-1">
                 <a:solidFill>
                   <a:srgbClr val="000000"/>
                 </a:solidFill>
@@ -5364,7 +5236,7 @@
               </a:rPr>
               <a:t>Principles of Robot Autonomy I</a:t>
             </a:r>
-            <a:endParaRPr b="0" lang="en-US" sz="5400" spc="-1" strike="noStrike">
+            <a:endParaRPr lang="en-US" sz="5400" b="0" strike="noStrike" spc="-1">
               <a:solidFill>
                 <a:srgbClr val="000000"/>
               </a:solidFill>
@@ -5396,6 +5268,7 @@
           <a:bodyPr>
             <a:noAutofit/>
           </a:bodyPr>
+          <a:lstStyle/>
           <a:p>
             <a:pPr algn="ctr">
               <a:lnSpc>
@@ -5405,11 +5278,11 @@
                 <a:spcPts val="1001"/>
               </a:spcBef>
               <a:tabLst>
-                <a:tab algn="l" pos="0"/>
+                <a:tab pos="0" algn="l"/>
               </a:tabLst>
             </a:pPr>
             <a:r>
-              <a:rPr b="0" lang="en-US" sz="2400" spc="-1" strike="noStrike">
+              <a:rPr lang="en-US" sz="2400" b="0" strike="noStrike" spc="-1">
                 <a:solidFill>
                   <a:srgbClr val="000000"/>
                 </a:solidFill>
@@ -5417,7 +5290,7 @@
               </a:rPr>
               <a:t>Section Logistics</a:t>
             </a:r>
-            <a:endParaRPr b="0" lang="en-US" sz="2400" spc="-1" strike="noStrike">
+            <a:endParaRPr lang="en-US" sz="2400" b="0" strike="noStrike" spc="-1">
               <a:latin typeface="Arial"/>
             </a:endParaRPr>
           </a:p>
@@ -5425,12 +5298,12 @@
       </p:sp>
       <p:pic>
         <p:nvPicPr>
-          <p:cNvPr id="88" name="Picture 3" descr=""/>
+          <p:cNvPr id="88" name="Picture 3"/>
           <p:cNvPicPr/>
           <p:nvPr/>
         </p:nvPicPr>
         <p:blipFill>
-          <a:blip r:embed="rId1"/>
+          <a:blip r:embed="rId3"/>
           <a:stretch/>
         </p:blipFill>
         <p:spPr>
@@ -5448,19 +5321,14 @@
       </p:pic>
     </p:spTree>
   </p:cSld>
-  <mc:AlternateContent>
-    <mc:Choice Requires="p14">
-      <p:transition spd="slow" p14:dur="2000"/>
-    </mc:Choice>
-    <mc:Fallback>
-      <p:transition spd="slow"/>
-    </mc:Fallback>
-  </mc:AlternateContent>
+  <p:clrMapOvr>
+    <a:masterClrMapping/>
+  </p:clrMapOvr>
 </p:sld>
 </file>
 
 <file path=ppt/slides/slide10.xml><?xml version="1.0" encoding="utf-8"?>
-<p:sld xmlns:a="http://schemas.openxmlformats.org/drawingml/2006/main" xmlns:p="http://schemas.openxmlformats.org/presentationml/2006/main" xmlns:r="http://schemas.openxmlformats.org/officeDocument/2006/relationships" xmlns:p14="http://schemas.microsoft.com/office/powerpoint/2010/main" xmlns:p15="http://schemas.microsoft.com/office/powerpoint/2012/main" xmlns:mc="http://schemas.openxmlformats.org/markup-compatibility/2006">
+<p:sld xmlns:a="http://schemas.openxmlformats.org/drawingml/2006/main" xmlns:r="http://schemas.openxmlformats.org/officeDocument/2006/relationships" xmlns:p="http://schemas.openxmlformats.org/presentationml/2006/main">
   <p:cSld>
     <p:spTree>
       <p:nvGrpSpPr>
@@ -5478,7 +5346,7 @@
       </p:grpSpPr>
       <p:sp>
         <p:nvSpPr>
-          <p:cNvPr id="113" name="TextShape 1"/>
+          <p:cNvPr id="110" name="TextShape 1"/>
           <p:cNvSpPr txBox="1"/>
           <p:nvPr/>
         </p:nvSpPr>
@@ -5499,6 +5367,7 @@
           <a:bodyPr anchor="ctr">
             <a:noAutofit/>
           </a:bodyPr>
+          <a:lstStyle/>
           <a:p>
             <a:pPr>
               <a:lnSpc>
@@ -5506,7 +5375,7 @@
               </a:lnSpc>
             </a:pPr>
             <a:r>
-              <a:rPr b="0" lang="en-US" sz="4400" spc="-1" strike="noStrike">
+              <a:rPr lang="en-US" sz="4400" b="0" strike="noStrike" spc="-1" dirty="0">
                 <a:solidFill>
                   <a:srgbClr val="000000"/>
                 </a:solidFill>
@@ -5514,18 +5383,18 @@
               </a:rPr>
               <a:t>Git</a:t>
             </a:r>
-            <a:endParaRPr b="0" lang="en-US" sz="4400" spc="-1" strike="noStrike">
-              <a:solidFill>
-                <a:srgbClr val="000000"/>
-              </a:solidFill>
-              <a:latin typeface="Calibri"/>
-            </a:endParaRPr>
-          </a:p>
-        </p:txBody>
-      </p:sp>
-      <p:sp>
-        <p:nvSpPr>
-          <p:cNvPr id="114" name="TextShape 2"/>
+            <a:endParaRPr lang="en-US" sz="4400" b="0" strike="noStrike" spc="-1" dirty="0">
+              <a:solidFill>
+                <a:srgbClr val="000000"/>
+              </a:solidFill>
+              <a:latin typeface="Calibri"/>
+            </a:endParaRPr>
+          </a:p>
+        </p:txBody>
+      </p:sp>
+      <p:sp>
+        <p:nvSpPr>
+          <p:cNvPr id="111" name="TextShape 2"/>
           <p:cNvSpPr txBox="1"/>
           <p:nvPr/>
         </p:nvSpPr>
@@ -5544,8 +5413,9 @@
         </p:spPr>
         <p:txBody>
           <a:bodyPr>
-            <a:normAutofit/>
-          </a:bodyPr>
+            <a:noAutofit/>
+          </a:bodyPr>
+          <a:lstStyle/>
           <a:p>
             <a:pPr marL="228600" indent="-228240">
               <a:lnSpc>
@@ -5561,20 +5431,14 @@
               <a:buChar char="•"/>
             </a:pPr>
             <a:r>
-              <a:rPr b="0" lang="en-US" sz="2800" spc="-1" strike="noStrike">
+              <a:rPr lang="en-US" sz="2800" spc="-1" dirty="0">
                 <a:solidFill>
                   <a:srgbClr val="000000"/>
                 </a:solidFill>
                 <a:latin typeface="Calibri"/>
               </a:rPr>
-              <a:t>Popular source code version control system</a:t>
+              <a:t>Track your software development.</a:t>
             </a:r>
-            <a:endParaRPr b="0" lang="en-US" sz="2800" spc="-1" strike="noStrike">
-              <a:solidFill>
-                <a:srgbClr val="000000"/>
-              </a:solidFill>
-              <a:latin typeface="Calibri"/>
-            </a:endParaRPr>
           </a:p>
           <a:p>
             <a:pPr marL="228600" indent="-228240">
@@ -5591,53 +5455,17 @@
               <a:buChar char="•"/>
             </a:pPr>
             <a:r>
-              <a:rPr b="0" lang="en-US" sz="2800" spc="-1" strike="noStrike">
+              <a:rPr lang="en-US" sz="2800" spc="-1" dirty="0">
                 <a:solidFill>
                   <a:srgbClr val="000000"/>
                 </a:solidFill>
                 <a:latin typeface="Calibri"/>
               </a:rPr>
-              <a:t>You probably already use it!</a:t>
+              <a:t>Say goodbye to</a:t>
             </a:r>
-            <a:endParaRPr b="0" lang="en-US" sz="2800" spc="-1" strike="noStrike">
-              <a:solidFill>
-                <a:srgbClr val="000000"/>
-              </a:solidFill>
-              <a:latin typeface="Calibri"/>
-            </a:endParaRPr>
-          </a:p>
-          <a:p>
-            <a:pPr lvl="1" marL="685800" indent="-228240">
-              <a:lnSpc>
-                <a:spcPct val="90000"/>
-              </a:lnSpc>
-              <a:spcBef>
-                <a:spcPts val="499"/>
-              </a:spcBef>
-              <a:buClr>
-                <a:srgbClr val="000000"/>
-              </a:buClr>
-              <a:buFont typeface="Arial"/>
-              <a:buChar char="•"/>
-            </a:pPr>
-            <a:r>
-              <a:rPr b="0" lang="en-US" sz="2400" spc="-1" strike="noStrike">
-                <a:solidFill>
-                  <a:srgbClr val="000000"/>
-                </a:solidFill>
-                <a:latin typeface="Calibri"/>
-              </a:rPr>
-              <a:t>Github, BitBucket, etc. all support Git</a:t>
-            </a:r>
-            <a:endParaRPr b="0" lang="en-US" sz="2400" spc="-1" strike="noStrike">
-              <a:solidFill>
-                <a:srgbClr val="000000"/>
-              </a:solidFill>
-              <a:latin typeface="Calibri"/>
-            </a:endParaRPr>
-          </a:p>
-          <a:p>
-            <a:pPr marL="228600" indent="-228240">
+          </a:p>
+          <a:p>
+            <a:pPr marL="685800" lvl="1" indent="-228240">
               <a:lnSpc>
                 <a:spcPct val="90000"/>
               </a:lnSpc>
@@ -5651,192 +5479,117 @@
               <a:buChar char="•"/>
             </a:pPr>
             <a:r>
-              <a:rPr b="0" lang="en-US" sz="2800" spc="-1" strike="noStrike">
+              <a:rPr lang="en-US" sz="2400" spc="-1" dirty="0" err="1">
                 <a:solidFill>
                   <a:srgbClr val="000000"/>
                 </a:solidFill>
-                <a:latin typeface="Calibri"/>
-              </a:rPr>
-              <a:t>Replaces the days of</a:t>
+                <a:latin typeface="Courier New" panose="02070309020205020404" pitchFamily="49" charset="0"/>
+                <a:cs typeface="Courier New" panose="02070309020205020404" pitchFamily="49" charset="0"/>
+              </a:rPr>
+              <a:t>pose_controller.py</a:t>
             </a:r>
-            <a:endParaRPr b="0" lang="en-US" sz="2800" spc="-1" strike="noStrike">
-              <a:solidFill>
-                <a:srgbClr val="000000"/>
-              </a:solidFill>
-              <a:latin typeface="Calibri"/>
-            </a:endParaRPr>
-          </a:p>
-          <a:p>
-            <a:pPr lvl="1" marL="685800" indent="-228240">
-              <a:lnSpc>
-                <a:spcPct val="90000"/>
-              </a:lnSpc>
-              <a:spcBef>
-                <a:spcPts val="499"/>
-              </a:spcBef>
-              <a:buClr>
-                <a:srgbClr val="000000"/>
-              </a:buClr>
-              <a:buFont typeface="Arial"/>
-              <a:buChar char="•"/>
-            </a:pPr>
-            <a:r>
-              <a:rPr b="0" lang="en-US" sz="2400" spc="-1" strike="noStrike">
-                <a:solidFill>
-                  <a:srgbClr val="000000"/>
-                </a:solidFill>
-                <a:latin typeface="Calibri"/>
-              </a:rPr>
-              <a:t>Important_doc.docx</a:t>
-            </a:r>
-            <a:endParaRPr b="0" lang="en-US" sz="2400" spc="-1" strike="noStrike">
-              <a:solidFill>
-                <a:srgbClr val="000000"/>
-              </a:solidFill>
-              <a:latin typeface="Calibri"/>
-            </a:endParaRPr>
-          </a:p>
-          <a:p>
-            <a:pPr lvl="1" marL="685800" indent="-228240">
-              <a:lnSpc>
-                <a:spcPct val="90000"/>
-              </a:lnSpc>
-              <a:spcBef>
-                <a:spcPts val="499"/>
-              </a:spcBef>
-              <a:buClr>
-                <a:srgbClr val="000000"/>
-              </a:buClr>
-              <a:buFont typeface="Arial"/>
-              <a:buChar char="•"/>
-            </a:pPr>
-            <a:r>
-              <a:rPr b="0" lang="en-US" sz="2400" spc="-1" strike="noStrike">
-                <a:solidFill>
-                  <a:srgbClr val="000000"/>
-                </a:solidFill>
-                <a:latin typeface="Calibri"/>
-              </a:rPr>
-              <a:t>Important_doc_v2.docx</a:t>
-            </a:r>
-            <a:endParaRPr b="0" lang="en-US" sz="2400" spc="-1" strike="noStrike">
-              <a:solidFill>
-                <a:srgbClr val="000000"/>
-              </a:solidFill>
-              <a:latin typeface="Calibri"/>
-            </a:endParaRPr>
-          </a:p>
-          <a:p>
-            <a:pPr lvl="1" marL="685800" indent="-228240">
-              <a:lnSpc>
-                <a:spcPct val="90000"/>
-              </a:lnSpc>
-              <a:spcBef>
-                <a:spcPts val="499"/>
-              </a:spcBef>
-              <a:buClr>
-                <a:srgbClr val="000000"/>
-              </a:buClr>
-              <a:buFont typeface="Arial"/>
-              <a:buChar char="•"/>
-            </a:pPr>
-            <a:r>
-              <a:rPr b="0" lang="en-US" sz="2400" spc="-1" strike="noStrike">
-                <a:solidFill>
-                  <a:srgbClr val="000000"/>
-                </a:solidFill>
-                <a:latin typeface="Calibri"/>
-              </a:rPr>
-              <a:t>Important_doc_final.docx</a:t>
-            </a:r>
-            <a:endParaRPr b="0" lang="en-US" sz="2400" spc="-1" strike="noStrike">
-              <a:solidFill>
-                <a:srgbClr val="000000"/>
-              </a:solidFill>
-              <a:latin typeface="Calibri"/>
-            </a:endParaRPr>
-          </a:p>
-          <a:p>
-            <a:pPr lvl="1" marL="685800" indent="-228240">
-              <a:lnSpc>
-                <a:spcPct val="90000"/>
-              </a:lnSpc>
-              <a:spcBef>
-                <a:spcPts val="499"/>
-              </a:spcBef>
-              <a:buClr>
-                <a:srgbClr val="000000"/>
-              </a:buClr>
-              <a:buFont typeface="Arial"/>
-              <a:buChar char="•"/>
-            </a:pPr>
-            <a:r>
-              <a:rPr b="0" lang="en-US" sz="2400" spc="-1" strike="noStrike">
-                <a:solidFill>
-                  <a:srgbClr val="000000"/>
-                </a:solidFill>
-                <a:latin typeface="Calibri"/>
-              </a:rPr>
-              <a:t>Important_doc_final2.docx</a:t>
-            </a:r>
-            <a:endParaRPr b="0" lang="en-US" sz="2400" spc="-1" strike="noStrike">
-              <a:solidFill>
-                <a:srgbClr val="000000"/>
-              </a:solidFill>
-              <a:latin typeface="Calibri"/>
-            </a:endParaRPr>
-          </a:p>
-          <a:p>
-            <a:pPr lvl="1" marL="685800" indent="-228240">
-              <a:lnSpc>
-                <a:spcPct val="90000"/>
-              </a:lnSpc>
-              <a:spcBef>
-                <a:spcPts val="499"/>
-              </a:spcBef>
-              <a:buClr>
-                <a:srgbClr val="000000"/>
-              </a:buClr>
-              <a:buFont typeface="Arial"/>
-              <a:buChar char="•"/>
-            </a:pPr>
-            <a:r>
-              <a:rPr b="0" lang="en-US" sz="2400" spc="-1" strike="noStrike">
-                <a:solidFill>
-                  <a:srgbClr val="000000"/>
-                </a:solidFill>
-                <a:latin typeface="Calibri"/>
-              </a:rPr>
-              <a:t>Important_doc_final2_USE_THIS_ONE.docx</a:t>
-            </a:r>
-            <a:endParaRPr b="0" lang="en-US" sz="2400" spc="-1" strike="noStrike">
-              <a:solidFill>
-                <a:srgbClr val="000000"/>
-              </a:solidFill>
-              <a:latin typeface="Calibri"/>
-            </a:endParaRPr>
-          </a:p>
-          <a:p>
-            <a:pPr>
+            <a:endParaRPr lang="en-US" sz="2400" spc="-1" dirty="0">
+              <a:solidFill>
+                <a:srgbClr val="000000"/>
+              </a:solidFill>
+              <a:latin typeface="Courier New" panose="02070309020205020404" pitchFamily="49" charset="0"/>
+              <a:cs typeface="Courier New" panose="02070309020205020404" pitchFamily="49" charset="0"/>
+            </a:endParaRPr>
+          </a:p>
+          <a:p>
+            <a:pPr marL="685800" lvl="1" indent="-228240">
               <a:lnSpc>
                 <a:spcPct val="90000"/>
               </a:lnSpc>
               <a:spcBef>
                 <a:spcPts val="1001"/>
               </a:spcBef>
+              <a:buClr>
+                <a:srgbClr val="000000"/>
+              </a:buClr>
+              <a:buFont typeface="Arial"/>
+              <a:buChar char="•"/>
             </a:pPr>
-            <a:endParaRPr b="0" lang="en-US" sz="2400" spc="-1" strike="noStrike">
-              <a:solidFill>
-                <a:srgbClr val="000000"/>
-              </a:solidFill>
-              <a:latin typeface="Calibri"/>
-            </a:endParaRPr>
-          </a:p>
-        </p:txBody>
-      </p:sp>
-      <p:sp>
-        <p:nvSpPr>
-          <p:cNvPr id="115" name="TextShape 3"/>
+            <a:r>
+              <a:rPr lang="en-US" sz="2400" spc="-1" dirty="0">
+                <a:solidFill>
+                  <a:srgbClr val="000000"/>
+                </a:solidFill>
+                <a:latin typeface="Courier New" panose="02070309020205020404" pitchFamily="49" charset="0"/>
+                <a:cs typeface="Courier New" panose="02070309020205020404" pitchFamily="49" charset="0"/>
+              </a:rPr>
+              <a:t>pose_controller_v2.py</a:t>
+            </a:r>
+          </a:p>
+          <a:p>
+            <a:pPr marL="685800" lvl="1" indent="-228240">
+              <a:lnSpc>
+                <a:spcPct val="90000"/>
+              </a:lnSpc>
+              <a:spcBef>
+                <a:spcPts val="1001"/>
+              </a:spcBef>
+              <a:buClr>
+                <a:srgbClr val="000000"/>
+              </a:buClr>
+              <a:buFont typeface="Arial"/>
+              <a:buChar char="•"/>
+            </a:pPr>
+            <a:r>
+              <a:rPr lang="en-US" sz="2400" spc="-1" dirty="0">
+                <a:solidFill>
+                  <a:srgbClr val="000000"/>
+                </a:solidFill>
+                <a:latin typeface="Courier New" panose="02070309020205020404" pitchFamily="49" charset="0"/>
+                <a:cs typeface="Courier New" panose="02070309020205020404" pitchFamily="49" charset="0"/>
+              </a:rPr>
+              <a:t>pose_controller_v2_broken.py</a:t>
+            </a:r>
+          </a:p>
+          <a:p>
+            <a:pPr marL="685800" lvl="1" indent="-228240">
+              <a:lnSpc>
+                <a:spcPct val="90000"/>
+              </a:lnSpc>
+              <a:spcBef>
+                <a:spcPts val="1001"/>
+              </a:spcBef>
+              <a:buClr>
+                <a:srgbClr val="000000"/>
+              </a:buClr>
+              <a:buFont typeface="Arial"/>
+              <a:buChar char="•"/>
+            </a:pPr>
+            <a:r>
+              <a:rPr lang="en-US" sz="2400" spc="-1" dirty="0">
+                <a:solidFill>
+                  <a:srgbClr val="000000"/>
+                </a:solidFill>
+                <a:latin typeface="Courier New" panose="02070309020205020404" pitchFamily="49" charset="0"/>
+                <a:cs typeface="Courier New" panose="02070309020205020404" pitchFamily="49" charset="0"/>
+              </a:rPr>
+              <a:t>pose_controller_v3_working.py</a:t>
+            </a:r>
+            <a:endParaRPr lang="en-US" sz="2400" b="0" strike="noStrike" spc="-1" dirty="0">
+              <a:solidFill>
+                <a:srgbClr val="000000"/>
+              </a:solidFill>
+              <a:latin typeface="Calibri"/>
+            </a:endParaRPr>
+          </a:p>
+          <a:p>
+            <a:endParaRPr lang="en-US" sz="2400" b="0" strike="noStrike" spc="-1" dirty="0">
+              <a:solidFill>
+                <a:srgbClr val="000000"/>
+              </a:solidFill>
+              <a:latin typeface="Calibri"/>
+            </a:endParaRPr>
+          </a:p>
+        </p:txBody>
+      </p:sp>
+      <p:sp>
+        <p:nvSpPr>
+          <p:cNvPr id="112" name="TextShape 3"/>
           <p:cNvSpPr txBox="1"/>
           <p:nvPr/>
         </p:nvSpPr>
@@ -5857,22 +5610,23 @@
           <a:bodyPr anchor="ctr">
             <a:noAutofit/>
           </a:bodyPr>
+          <a:lstStyle/>
           <a:p>
             <a:pPr algn="r">
               <a:lnSpc>
                 <a:spcPct val="100000"/>
               </a:lnSpc>
             </a:pPr>
-            <a:fld id="{ECB4A3C5-792B-4824-A6A6-ABC6D894248F}" type="slidenum">
-              <a:rPr b="0" lang="en-US" sz="1200" spc="-1" strike="noStrike">
+            <a:fld id="{565C1977-E3C6-4C8F-8B8C-74AB26E5AE47}" type="slidenum">
+              <a:rPr lang="en-US" sz="1200" b="0" strike="noStrike" spc="-1">
                 <a:solidFill>
-                  <a:srgbClr val="8b8b8b"/>
+                  <a:srgbClr val="8B8B8B"/>
                 </a:solidFill>
                 <a:latin typeface="Calibri"/>
               </a:rPr>
               <a:t>10</a:t>
             </a:fld>
-            <a:endParaRPr b="0" lang="en-US" sz="1200" spc="-1" strike="noStrike">
+            <a:endParaRPr lang="en-US" sz="1200" b="0" strike="noStrike" spc="-1">
               <a:latin typeface="Times New Roman"/>
             </a:endParaRPr>
           </a:p>
@@ -5880,19 +5634,14 @@
       </p:sp>
     </p:spTree>
   </p:cSld>
-  <mc:AlternateContent>
-    <mc:Choice Requires="p14">
-      <p:transition spd="slow" p14:dur="2000"/>
-    </mc:Choice>
-    <mc:Fallback>
-      <p:transition spd="slow"/>
-    </mc:Fallback>
-  </mc:AlternateContent>
+  <p:clrMapOvr>
+    <a:masterClrMapping/>
+  </p:clrMapOvr>
 </p:sld>
 </file>
 
 <file path=ppt/slides/slide11.xml><?xml version="1.0" encoding="utf-8"?>
-<p:sld xmlns:a="http://schemas.openxmlformats.org/drawingml/2006/main" xmlns:p="http://schemas.openxmlformats.org/presentationml/2006/main" xmlns:r="http://schemas.openxmlformats.org/officeDocument/2006/relationships" xmlns:p14="http://schemas.microsoft.com/office/powerpoint/2010/main" xmlns:p15="http://schemas.microsoft.com/office/powerpoint/2012/main" xmlns:mc="http://schemas.openxmlformats.org/markup-compatibility/2006">
+<p:sld xmlns:a="http://schemas.openxmlformats.org/drawingml/2006/main" xmlns:r="http://schemas.openxmlformats.org/officeDocument/2006/relationships" xmlns:p="http://schemas.openxmlformats.org/presentationml/2006/main">
   <p:cSld>
     <p:spTree>
       <p:nvGrpSpPr>
@@ -5910,7 +5659,7 @@
       </p:grpSpPr>
       <p:sp>
         <p:nvSpPr>
-          <p:cNvPr id="116" name="TextShape 1"/>
+          <p:cNvPr id="119" name="TextShape 1"/>
           <p:cNvSpPr txBox="1"/>
           <p:nvPr/>
         </p:nvSpPr>
@@ -5931,6 +5680,7 @@
           <a:bodyPr anchor="ctr">
             <a:noAutofit/>
           </a:bodyPr>
+          <a:lstStyle/>
           <a:p>
             <a:pPr>
               <a:lnSpc>
@@ -5938,26 +5688,26 @@
               </a:lnSpc>
             </a:pPr>
             <a:r>
-              <a:rPr b="0" lang="en-US" sz="4400" spc="-1" strike="noStrike">
+              <a:rPr lang="en-US" sz="4400" b="0" strike="noStrike" spc="-1" dirty="0">
                 <a:solidFill>
                   <a:srgbClr val="000000"/>
                 </a:solidFill>
                 <a:latin typeface="Calibri Light"/>
               </a:rPr>
-              <a:t>Git</a:t>
+              <a:t>Executable in UNIX</a:t>
             </a:r>
-            <a:endParaRPr b="0" lang="en-US" sz="4400" spc="-1" strike="noStrike">
-              <a:solidFill>
-                <a:srgbClr val="000000"/>
-              </a:solidFill>
-              <a:latin typeface="Calibri"/>
-            </a:endParaRPr>
-          </a:p>
-        </p:txBody>
-      </p:sp>
-      <p:sp>
-        <p:nvSpPr>
-          <p:cNvPr id="117" name="TextShape 2"/>
+            <a:endParaRPr lang="en-US" sz="4400" b="0" strike="noStrike" spc="-1" dirty="0">
+              <a:solidFill>
+                <a:srgbClr val="000000"/>
+              </a:solidFill>
+              <a:latin typeface="Calibri"/>
+            </a:endParaRPr>
+          </a:p>
+        </p:txBody>
+      </p:sp>
+      <p:sp>
+        <p:nvSpPr>
+          <p:cNvPr id="120" name="TextShape 2"/>
           <p:cNvSpPr txBox="1"/>
           <p:nvPr/>
         </p:nvSpPr>
@@ -5976,8 +5726,9 @@
         </p:spPr>
         <p:txBody>
           <a:bodyPr>
-            <a:normAutofit/>
-          </a:bodyPr>
+            <a:noAutofit/>
+          </a:bodyPr>
+          <a:lstStyle/>
           <a:p>
             <a:pPr marL="228600" indent="-228240">
               <a:lnSpc>
@@ -5993,88 +5744,61 @@
               <a:buChar char="•"/>
             </a:pPr>
             <a:r>
-              <a:rPr b="0" lang="en-US" sz="2800" spc="-1" strike="noStrike">
+              <a:rPr lang="en-US" sz="2800" spc="-1" dirty="0">
                 <a:solidFill>
                   <a:srgbClr val="000000"/>
                 </a:solidFill>
                 <a:latin typeface="Calibri"/>
               </a:rPr>
-              <a:t>Strongly recommend getting used to using Git on your homework, sections, project, etc.</a:t>
+              <a:t>A.k.a. </a:t>
             </a:r>
-            <a:endParaRPr b="0" lang="en-US" sz="2800" spc="-1" strike="noStrike">
-              <a:solidFill>
-                <a:srgbClr val="000000"/>
-              </a:solidFill>
-              <a:latin typeface="Calibri"/>
-            </a:endParaRPr>
-          </a:p>
-          <a:p>
-            <a:pPr lvl="1" marL="685800" indent="-228240">
-              <a:lnSpc>
-                <a:spcPct val="90000"/>
-              </a:lnSpc>
-              <a:spcBef>
-                <a:spcPts val="499"/>
-              </a:spcBef>
-              <a:buClr>
-                <a:srgbClr val="000000"/>
-              </a:buClr>
-              <a:buFont typeface="Arial"/>
-              <a:buChar char="•"/>
-            </a:pPr>
             <a:r>
-              <a:rPr b="0" lang="en-US" sz="2400" spc="-1" strike="noStrike">
+              <a:rPr lang="en-US" sz="2800" spc="-1" dirty="0">
+                <a:solidFill>
+                  <a:srgbClr val="000000"/>
+                </a:solidFill>
+                <a:latin typeface="Courier New" panose="02070309020205020404" pitchFamily="49" charset="0"/>
+                <a:cs typeface="Courier New" panose="02070309020205020404" pitchFamily="49" charset="0"/>
+              </a:rPr>
+              <a:t>.exe</a:t>
+            </a:r>
+            <a:r>
+              <a:rPr lang="en-US" sz="2800" spc="-1" dirty="0">
                 <a:solidFill>
                   <a:srgbClr val="000000"/>
                 </a:solidFill>
                 <a:latin typeface="Calibri"/>
-              </a:rPr>
-              <a:t>If you have a Github account, you can fork the homework repo and clone that out</a:t>
+                <a:cs typeface="Courier New" panose="02070309020205020404" pitchFamily="49" charset="0"/>
+              </a:rPr>
+              <a:t> for Windows</a:t>
             </a:r>
-            <a:endParaRPr b="0" lang="en-US" sz="2400" spc="-1" strike="noStrike">
-              <a:solidFill>
-                <a:srgbClr val="000000"/>
-              </a:solidFill>
-              <a:latin typeface="Calibri"/>
-            </a:endParaRPr>
-          </a:p>
-          <a:p>
-            <a:endParaRPr b="0" lang="en-US" sz="2400" spc="-1" strike="noStrike">
-              <a:solidFill>
-                <a:srgbClr val="000000"/>
-              </a:solidFill>
-              <a:latin typeface="Calibri"/>
-            </a:endParaRPr>
-          </a:p>
-          <a:p>
-            <a:endParaRPr b="0" lang="en-US" sz="2400" spc="-1" strike="noStrike">
-              <a:solidFill>
-                <a:srgbClr val="000000"/>
-              </a:solidFill>
-              <a:latin typeface="Calibri"/>
-            </a:endParaRPr>
-          </a:p>
-          <a:p>
-            <a:pPr>
+          </a:p>
+          <a:p>
+            <a:pPr marL="228600" indent="-228240">
               <a:lnSpc>
                 <a:spcPct val="90000"/>
               </a:lnSpc>
               <a:spcBef>
                 <a:spcPts val="1001"/>
               </a:spcBef>
+              <a:buClr>
+                <a:srgbClr val="000000"/>
+              </a:buClr>
+              <a:buFont typeface="Arial"/>
+              <a:buChar char="•"/>
             </a:pPr>
-            <a:endParaRPr b="0" lang="en-US" sz="2400" spc="-1" strike="noStrike">
-              <a:solidFill>
-                <a:srgbClr val="000000"/>
-              </a:solidFill>
-              <a:latin typeface="Calibri"/>
-            </a:endParaRPr>
-          </a:p>
-        </p:txBody>
-      </p:sp>
-      <p:sp>
-        <p:nvSpPr>
-          <p:cNvPr id="118" name="TextShape 3"/>
+            <a:endParaRPr lang="en-US" sz="2800" b="0" strike="noStrike" spc="-1" dirty="0">
+              <a:solidFill>
+                <a:srgbClr val="000000"/>
+              </a:solidFill>
+              <a:latin typeface="Calibri"/>
+            </a:endParaRPr>
+          </a:p>
+        </p:txBody>
+      </p:sp>
+      <p:sp>
+        <p:nvSpPr>
+          <p:cNvPr id="121" name="TextShape 3"/>
           <p:cNvSpPr txBox="1"/>
           <p:nvPr/>
         </p:nvSpPr>
@@ -6095,22 +5819,23 @@
           <a:bodyPr anchor="ctr">
             <a:noAutofit/>
           </a:bodyPr>
+          <a:lstStyle/>
           <a:p>
             <a:pPr algn="r">
               <a:lnSpc>
                 <a:spcPct val="100000"/>
               </a:lnSpc>
             </a:pPr>
-            <a:fld id="{B5427E1D-882F-4BB2-A42E-5293BF49ED05}" type="slidenum">
-              <a:rPr b="0" lang="en-US" sz="1200" spc="-1" strike="noStrike">
+            <a:fld id="{9B22FE63-E445-4890-8E6C-ABD23586A851}" type="slidenum">
+              <a:rPr lang="en-US" sz="1200" b="0" strike="noStrike" spc="-1">
                 <a:solidFill>
-                  <a:srgbClr val="8b8b8b"/>
+                  <a:srgbClr val="8B8B8B"/>
                 </a:solidFill>
                 <a:latin typeface="Calibri"/>
               </a:rPr>
               <a:t>11</a:t>
             </a:fld>
-            <a:endParaRPr b="0" lang="en-US" sz="1200" spc="-1" strike="noStrike">
+            <a:endParaRPr lang="en-US" sz="1200" b="0" strike="noStrike" spc="-1">
               <a:latin typeface="Times New Roman"/>
             </a:endParaRPr>
           </a:p>
@@ -6118,19 +5843,14 @@
       </p:sp>
     </p:spTree>
   </p:cSld>
-  <mc:AlternateContent>
-    <mc:Choice Requires="p14">
-      <p:transition spd="slow" p14:dur="2000"/>
-    </mc:Choice>
-    <mc:Fallback>
-      <p:transition spd="slow"/>
-    </mc:Fallback>
-  </mc:AlternateContent>
+  <p:clrMapOvr>
+    <a:masterClrMapping/>
+  </p:clrMapOvr>
 </p:sld>
 </file>
 
 <file path=ppt/slides/slide12.xml><?xml version="1.0" encoding="utf-8"?>
-<p:sld xmlns:a="http://schemas.openxmlformats.org/drawingml/2006/main" xmlns:p="http://schemas.openxmlformats.org/presentationml/2006/main" xmlns:r="http://schemas.openxmlformats.org/officeDocument/2006/relationships" xmlns:p14="http://schemas.microsoft.com/office/powerpoint/2010/main" xmlns:p15="http://schemas.microsoft.com/office/powerpoint/2012/main" xmlns:mc="http://schemas.openxmlformats.org/markup-compatibility/2006">
+<p:sld xmlns:a="http://schemas.openxmlformats.org/drawingml/2006/main" xmlns:r="http://schemas.openxmlformats.org/officeDocument/2006/relationships" xmlns:p="http://schemas.openxmlformats.org/presentationml/2006/main">
   <p:cSld>
     <p:spTree>
       <p:nvGrpSpPr>
@@ -6169,6 +5889,7 @@
           <a:bodyPr anchor="ctr">
             <a:noAutofit/>
           </a:bodyPr>
+          <a:lstStyle/>
           <a:p>
             <a:pPr>
               <a:lnSpc>
@@ -6176,15 +5897,15 @@
               </a:lnSpc>
             </a:pPr>
             <a:r>
-              <a:rPr b="0" lang="en-US" sz="4400" spc="-1" strike="noStrike">
+              <a:rPr lang="en-US" sz="4400" b="0" strike="noStrike" spc="-1" dirty="0">
                 <a:solidFill>
                   <a:srgbClr val="000000"/>
                 </a:solidFill>
                 <a:latin typeface="Calibri Light"/>
               </a:rPr>
-              <a:t>Python 3.8</a:t>
+              <a:t>Python3 Debugging Tips</a:t>
             </a:r>
-            <a:endParaRPr b="0" lang="en-US" sz="4400" spc="-1" strike="noStrike">
+            <a:endParaRPr lang="en-US" sz="4400" b="0" strike="noStrike" spc="-1" dirty="0">
               <a:solidFill>
                 <a:srgbClr val="000000"/>
               </a:solidFill>
@@ -6216,6 +5937,7 @@
           <a:bodyPr>
             <a:noAutofit/>
           </a:bodyPr>
+          <a:lstStyle/>
           <a:p>
             <a:pPr marL="228600" indent="-228240">
               <a:lnSpc>
@@ -6231,19 +5953,21 @@
               <a:buChar char="•"/>
             </a:pPr>
             <a:r>
-              <a:rPr b="0" lang="en-US" sz="2800" spc="-1" strike="noStrike">
+              <a:rPr lang="en-US" sz="2800" spc="-1" dirty="0" err="1">
                 <a:solidFill>
                   <a:srgbClr val="000000"/>
                 </a:solidFill>
-                <a:latin typeface="Calibri"/>
-              </a:rPr>
-              <a:t>We assume you already have some programming experience at the level of CS 106A</a:t>
+                <a:latin typeface="Courier New" panose="02070309020205020404" pitchFamily="49" charset="0"/>
+                <a:cs typeface="Courier New" panose="02070309020205020404" pitchFamily="49" charset="0"/>
+              </a:rPr>
+              <a:t>ipdb</a:t>
             </a:r>
-            <a:endParaRPr b="0" lang="en-US" sz="2800" spc="-1" strike="noStrike">
-              <a:solidFill>
-                <a:srgbClr val="000000"/>
-              </a:solidFill>
-              <a:latin typeface="Calibri"/>
+            <a:endParaRPr lang="en-US" sz="2800" spc="-1" dirty="0">
+              <a:solidFill>
+                <a:srgbClr val="000000"/>
+              </a:solidFill>
+              <a:latin typeface="Courier New" panose="02070309020205020404" pitchFamily="49" charset="0"/>
+              <a:cs typeface="Courier New" panose="02070309020205020404" pitchFamily="49" charset="0"/>
             </a:endParaRPr>
           </a:p>
           <a:p>
@@ -6261,19 +5985,21 @@
               <a:buChar char="•"/>
             </a:pPr>
             <a:r>
-              <a:rPr b="0" lang="en-US" sz="2800" spc="-1" strike="noStrike">
+              <a:rPr lang="en-US" sz="2800" spc="-1" dirty="0" err="1">
                 <a:solidFill>
                   <a:srgbClr val="000000"/>
                 </a:solidFill>
-                <a:latin typeface="Calibri"/>
-              </a:rPr>
-              <a:t>As a result, rather than providing a full-blown tutorial about Python, we’ll direct you to a previous year’s Python + NumPy tutorial (hands-on!)</a:t>
+                <a:latin typeface="Courier New" panose="02070309020205020404" pitchFamily="49" charset="0"/>
+                <a:cs typeface="Courier New" panose="02070309020205020404" pitchFamily="49" charset="0"/>
+              </a:rPr>
+              <a:t>IPython</a:t>
             </a:r>
-            <a:endParaRPr b="0" lang="en-US" sz="2800" spc="-1" strike="noStrike">
-              <a:solidFill>
-                <a:srgbClr val="000000"/>
-              </a:solidFill>
-              <a:latin typeface="Calibri"/>
+            <a:endParaRPr lang="en-US" sz="2800" spc="-1" dirty="0">
+              <a:solidFill>
+                <a:srgbClr val="000000"/>
+              </a:solidFill>
+              <a:latin typeface="Courier New" panose="02070309020205020404" pitchFamily="49" charset="0"/>
+              <a:cs typeface="Courier New" panose="02070309020205020404" pitchFamily="49" charset="0"/>
             </a:endParaRPr>
           </a:p>
           <a:p>
@@ -6290,52 +6016,7 @@
               <a:buFont typeface="Arial"/>
               <a:buChar char="•"/>
             </a:pPr>
-            <a:r>
-              <a:rPr b="0" lang="en-US" sz="2800" spc="-1" strike="noStrike">
-                <a:solidFill>
-                  <a:srgbClr val="000000"/>
-                </a:solidFill>
-                <a:latin typeface="Calibri"/>
-              </a:rPr>
-              <a:t>It can be found online at: </a:t>
-            </a:r>
-            <a:r>
-              <a:rPr b="0" lang="en-US" sz="2800" spc="-1" strike="noStrike" u="sng">
-                <a:solidFill>
-                  <a:srgbClr val="0563c1"/>
-                </a:solidFill>
-                <a:uFillTx/>
-                <a:latin typeface="Calibri"/>
-                <a:hlinkClick r:id="rId1"/>
-              </a:rPr>
-              <a:t>http://asl.stanford.edu/aa274_win1819/pdfs/recitation/Tut3_NumPy.pdf</a:t>
-            </a:r>
-            <a:r>
-              <a:rPr b="0" lang="en-US" sz="2800" spc="-1" strike="noStrike">
-                <a:solidFill>
-                  <a:srgbClr val="000000"/>
-                </a:solidFill>
-                <a:latin typeface="Calibri"/>
-              </a:rPr>
-              <a:t> </a:t>
-            </a:r>
-            <a:endParaRPr b="0" lang="en-US" sz="2800" spc="-1" strike="noStrike">
-              <a:solidFill>
-                <a:srgbClr val="000000"/>
-              </a:solidFill>
-              <a:latin typeface="Calibri"/>
-            </a:endParaRPr>
-          </a:p>
-          <a:p>
-            <a:pPr>
-              <a:lnSpc>
-                <a:spcPct val="90000"/>
-              </a:lnSpc>
-              <a:spcBef>
-                <a:spcPts val="1001"/>
-              </a:spcBef>
-            </a:pPr>
-            <a:endParaRPr b="0" lang="en-US" sz="2800" spc="-1" strike="noStrike">
+            <a:endParaRPr lang="en-US" sz="2800" b="0" strike="noStrike" spc="-1" dirty="0">
               <a:solidFill>
                 <a:srgbClr val="000000"/>
               </a:solidFill>
@@ -6367,6 +6048,7 @@
           <a:bodyPr anchor="ctr">
             <a:noAutofit/>
           </a:bodyPr>
+          <a:lstStyle/>
           <a:p>
             <a:pPr algn="r">
               <a:lnSpc>
@@ -6374,35 +6056,35 @@
               </a:lnSpc>
             </a:pPr>
             <a:fld id="{9B22FE63-E445-4890-8E6C-ABD23586A851}" type="slidenum">
-              <a:rPr b="0" lang="en-US" sz="1200" spc="-1" strike="noStrike">
+              <a:rPr lang="en-US" sz="1200" b="0" strike="noStrike" spc="-1">
                 <a:solidFill>
-                  <a:srgbClr val="8b8b8b"/>
+                  <a:srgbClr val="8B8B8B"/>
                 </a:solidFill>
                 <a:latin typeface="Calibri"/>
               </a:rPr>
-              <a:t>11</a:t>
+              <a:t>12</a:t>
             </a:fld>
-            <a:endParaRPr b="0" lang="en-US" sz="1200" spc="-1" strike="noStrike">
+            <a:endParaRPr lang="en-US" sz="1200" b="0" strike="noStrike" spc="-1">
               <a:latin typeface="Times New Roman"/>
             </a:endParaRPr>
           </a:p>
         </p:txBody>
       </p:sp>
     </p:spTree>
+    <p:extLst>
+      <p:ext uri="{BB962C8B-B14F-4D97-AF65-F5344CB8AC3E}">
+        <p14:creationId xmlns:p14="http://schemas.microsoft.com/office/powerpoint/2010/main" val="3663214727"/>
+      </p:ext>
+    </p:extLst>
   </p:cSld>
-  <mc:AlternateContent>
-    <mc:Choice Requires="p14">
-      <p:transition spd="slow" p14:dur="2000"/>
-    </mc:Choice>
-    <mc:Fallback>
-      <p:transition spd="slow"/>
-    </mc:Fallback>
-  </mc:AlternateContent>
+  <p:clrMapOvr>
+    <a:masterClrMapping/>
+  </p:clrMapOvr>
 </p:sld>
 </file>
 
-<file path=ppt/slides/slide13.xml><?xml version="1.0" encoding="utf-8"?>
-<p:sld xmlns:a="http://schemas.openxmlformats.org/drawingml/2006/main" xmlns:p="http://schemas.openxmlformats.org/presentationml/2006/main" xmlns:r="http://schemas.openxmlformats.org/officeDocument/2006/relationships" xmlns:p14="http://schemas.microsoft.com/office/powerpoint/2010/main" xmlns:p15="http://schemas.microsoft.com/office/powerpoint/2012/main" xmlns:mc="http://schemas.openxmlformats.org/markup-compatibility/2006">
+<file path=ppt/slides/slide2.xml><?xml version="1.0" encoding="utf-8"?>
+<p:sld xmlns:a="http://schemas.openxmlformats.org/drawingml/2006/main" xmlns:r="http://schemas.openxmlformats.org/officeDocument/2006/relationships" xmlns:p="http://schemas.openxmlformats.org/presentationml/2006/main">
   <p:cSld>
     <p:spTree>
       <p:nvGrpSpPr>
@@ -6420,7 +6102,7 @@
       </p:grpSpPr>
       <p:sp>
         <p:nvSpPr>
-          <p:cNvPr id="122" name="TextShape 1"/>
+          <p:cNvPr id="89" name="TextShape 1"/>
           <p:cNvSpPr txBox="1"/>
           <p:nvPr/>
         </p:nvSpPr>
@@ -6441,6 +6123,7 @@
           <a:bodyPr anchor="ctr">
             <a:noAutofit/>
           </a:bodyPr>
+          <a:lstStyle/>
           <a:p>
             <a:pPr>
               <a:lnSpc>
@@ -6448,26 +6131,26 @@
               </a:lnSpc>
             </a:pPr>
             <a:r>
-              <a:rPr b="0" lang="en-US" sz="4400" spc="-1" strike="noStrike">
+              <a:rPr lang="en-US" sz="4400" b="0" strike="noStrike" spc="-1" dirty="0">
                 <a:solidFill>
                   <a:srgbClr val="000000"/>
                 </a:solidFill>
                 <a:latin typeface="Calibri Light"/>
               </a:rPr>
-              <a:t>Debugging</a:t>
+              <a:t>Goals</a:t>
             </a:r>
-            <a:endParaRPr b="0" lang="en-US" sz="4400" spc="-1" strike="noStrike">
-              <a:solidFill>
-                <a:srgbClr val="000000"/>
-              </a:solidFill>
-              <a:latin typeface="Calibri"/>
-            </a:endParaRPr>
-          </a:p>
-        </p:txBody>
-      </p:sp>
-      <p:sp>
-        <p:nvSpPr>
-          <p:cNvPr id="123" name="TextShape 2"/>
+            <a:endParaRPr lang="en-US" sz="4400" b="0" strike="noStrike" spc="-1" dirty="0">
+              <a:solidFill>
+                <a:srgbClr val="000000"/>
+              </a:solidFill>
+              <a:latin typeface="Calibri"/>
+            </a:endParaRPr>
+          </a:p>
+        </p:txBody>
+      </p:sp>
+      <p:sp>
+        <p:nvSpPr>
+          <p:cNvPr id="90" name="TextShape 2"/>
           <p:cNvSpPr txBox="1"/>
           <p:nvPr/>
         </p:nvSpPr>
@@ -6488,6 +6171,7 @@
           <a:bodyPr>
             <a:noAutofit/>
           </a:bodyPr>
+          <a:lstStyle/>
           <a:p>
             <a:pPr marL="228600" indent="-228240">
               <a:lnSpc>
@@ -6503,26 +6187,104 @@
               <a:buChar char="•"/>
             </a:pPr>
             <a:r>
-              <a:rPr b="0" lang="en-US" sz="2800" spc="-1" strike="noStrike">
+              <a:rPr lang="en-US" sz="2800" b="0" strike="noStrike" spc="-1" dirty="0">
                 <a:solidFill>
                   <a:srgbClr val="000000"/>
                 </a:solidFill>
                 <a:latin typeface="Calibri"/>
               </a:rPr>
-              <a:t>pdb</a:t>
+              <a:t>Provide hands-on experience </a:t>
             </a:r>
-            <a:endParaRPr b="0" lang="en-US" sz="2800" spc="-1" strike="noStrike">
-              <a:solidFill>
-                <a:srgbClr val="000000"/>
-              </a:solidFill>
-              <a:latin typeface="Calibri"/>
-            </a:endParaRPr>
-          </a:p>
-        </p:txBody>
-      </p:sp>
-      <p:sp>
-        <p:nvSpPr>
-          <p:cNvPr id="124" name="TextShape 3"/>
+            <a:r>
+              <a:rPr lang="en-US" sz="2800" spc="-1" dirty="0">
+                <a:solidFill>
+                  <a:srgbClr val="000000"/>
+                </a:solidFill>
+                <a:latin typeface="Calibri"/>
+              </a:rPr>
+              <a:t>for working with</a:t>
+            </a:r>
+          </a:p>
+          <a:p>
+            <a:pPr marL="914760" lvl="1" indent="-457200">
+              <a:lnSpc>
+                <a:spcPct val="90000"/>
+              </a:lnSpc>
+              <a:spcBef>
+                <a:spcPts val="1001"/>
+              </a:spcBef>
+              <a:buClr>
+                <a:srgbClr val="000000"/>
+              </a:buClr>
+              <a:buAutoNum type="arabicPeriod"/>
+            </a:pPr>
+            <a:r>
+              <a:rPr lang="en-US" sz="2400" spc="-1" dirty="0">
+                <a:solidFill>
+                  <a:srgbClr val="000000"/>
+                </a:solidFill>
+                <a:latin typeface="Calibri"/>
+              </a:rPr>
+              <a:t>Hardware</a:t>
+            </a:r>
+          </a:p>
+          <a:p>
+            <a:pPr marL="914760" lvl="1" indent="-457200">
+              <a:lnSpc>
+                <a:spcPct val="90000"/>
+              </a:lnSpc>
+              <a:spcBef>
+                <a:spcPts val="1001"/>
+              </a:spcBef>
+              <a:buClr>
+                <a:srgbClr val="000000"/>
+              </a:buClr>
+              <a:buAutoNum type="arabicPeriod"/>
+            </a:pPr>
+            <a:r>
+              <a:rPr lang="en-US" sz="2400" b="0" strike="noStrike" spc="-1" dirty="0">
+                <a:solidFill>
+                  <a:srgbClr val="000000"/>
+                </a:solidFill>
+                <a:latin typeface="Calibri"/>
+              </a:rPr>
+              <a:t>ROS2</a:t>
+            </a:r>
+          </a:p>
+          <a:p>
+            <a:pPr marL="914760" lvl="1" indent="-457200">
+              <a:lnSpc>
+                <a:spcPct val="90000"/>
+              </a:lnSpc>
+              <a:spcBef>
+                <a:spcPts val="1001"/>
+              </a:spcBef>
+              <a:buClr>
+                <a:srgbClr val="000000"/>
+              </a:buClr>
+              <a:buAutoNum type="arabicPeriod"/>
+            </a:pPr>
+            <a:r>
+              <a:rPr lang="en-US" sz="2400" spc="-1" dirty="0">
+                <a:solidFill>
+                  <a:srgbClr val="000000"/>
+                </a:solidFill>
+                <a:latin typeface="Calibri"/>
+              </a:rPr>
+              <a:t>Software Development Workflows</a:t>
+            </a:r>
+            <a:endParaRPr lang="en-US" sz="2400" b="0" strike="noStrike" spc="-1" dirty="0">
+              <a:solidFill>
+                <a:srgbClr val="000000"/>
+              </a:solidFill>
+              <a:latin typeface="Calibri"/>
+            </a:endParaRPr>
+          </a:p>
+        </p:txBody>
+      </p:sp>
+      <p:sp>
+        <p:nvSpPr>
+          <p:cNvPr id="91" name="TextShape 3"/>
           <p:cNvSpPr txBox="1"/>
           <p:nvPr/>
         </p:nvSpPr>
@@ -6543,89 +6305,38 @@
           <a:bodyPr anchor="ctr">
             <a:noAutofit/>
           </a:bodyPr>
+          <a:lstStyle/>
           <a:p>
             <a:pPr algn="r">
               <a:lnSpc>
                 <a:spcPct val="100000"/>
               </a:lnSpc>
             </a:pPr>
-            <a:fld id="{9FC906F6-72FD-42AD-AF1B-F4EBD69A6445}" type="slidenum">
-              <a:rPr b="0" lang="en-US" sz="1200" spc="-1" strike="noStrike">
+            <a:fld id="{85E06D30-0D67-4A58-982F-1924CA972875}" type="slidenum">
+              <a:rPr lang="en-US" sz="1200" b="0" strike="noStrike" spc="-1">
                 <a:solidFill>
-                  <a:srgbClr val="8b8b8b"/>
+                  <a:srgbClr val="8B8B8B"/>
                 </a:solidFill>
                 <a:latin typeface="Calibri"/>
               </a:rPr>
-              <a:t>11</a:t>
+              <a:t>2</a:t>
             </a:fld>
-            <a:endParaRPr b="0" lang="en-US" sz="1200" spc="-1" strike="noStrike">
+            <a:endParaRPr lang="en-US" sz="1200" b="0" strike="noStrike" spc="-1">
               <a:latin typeface="Times New Roman"/>
             </a:endParaRPr>
           </a:p>
         </p:txBody>
       </p:sp>
-      <p:pic>
-        <p:nvPicPr>
-          <p:cNvPr id="125" name="" descr=""/>
-          <p:cNvPicPr/>
-          <p:nvPr/>
-        </p:nvPicPr>
-        <p:blipFill>
-          <a:blip r:embed="rId1"/>
-          <a:stretch/>
-        </p:blipFill>
-        <p:spPr>
-          <a:xfrm>
-            <a:off x="2475000" y="1729080"/>
-            <a:ext cx="5047200" cy="4206240"/>
-          </a:xfrm>
-          <a:prstGeom prst="rect">
-            <a:avLst/>
-          </a:prstGeom>
-          <a:ln>
-            <a:noFill/>
-          </a:ln>
-        </p:spPr>
-      </p:pic>
-      <p:pic>
-        <p:nvPicPr>
-          <p:cNvPr id="126" name="" descr=""/>
-          <p:cNvPicPr/>
-          <p:nvPr/>
-        </p:nvPicPr>
-        <p:blipFill>
-          <a:blip r:embed="rId2"/>
-          <a:srcRect l="0" t="0" r="23729" b="26102"/>
-          <a:stretch/>
-        </p:blipFill>
-        <p:spPr>
-          <a:xfrm>
-            <a:off x="7589520" y="1746000"/>
-            <a:ext cx="4114440" cy="4289040"/>
-          </a:xfrm>
-          <a:prstGeom prst="rect">
-            <a:avLst/>
-          </a:prstGeom>
-          <a:ln>
-            <a:noFill/>
-          </a:ln>
-        </p:spPr>
-      </p:pic>
     </p:spTree>
   </p:cSld>
-  <mc:AlternateContent>
-    <mc:Choice Requires="p14">
-      <p:transition spd="slow" p14:dur="2000"/>
-    </mc:Choice>
-    <mc:Fallback>
-      <p:transition spd="slow"/>
-    </mc:Fallback>
-  </mc:AlternateContent>
+  <p:clrMapOvr>
+    <a:masterClrMapping/>
+  </p:clrMapOvr>
 </p:sld>
 </file>
 
-<file path=ppt/slides/slide14.xml><?xml version="1.0" encoding="utf-8"?>
-<p:sld xmlns:a="http://schemas.openxmlformats.org/drawingml/2006/main" xmlns:p="http://schemas.openxmlformats.org/presentationml/2006/main" xmlns:r="http://schemas.openxmlformats.org/officeDocument/2006/relationships" xmlns:p14="http://schemas.microsoft.com/office/powerpoint/2010/main" xmlns:p15="http://schemas.microsoft.com/office/powerpoint/2012/main" xmlns:mc="http://schemas.openxmlformats.org/markup-compatibility/2006">
+<file path=ppt/slides/slide3.xml><?xml version="1.0" encoding="utf-8"?>
+<p:sld xmlns:a="http://schemas.openxmlformats.org/drawingml/2006/main" xmlns:r="http://schemas.openxmlformats.org/officeDocument/2006/relationships" xmlns:p="http://schemas.openxmlformats.org/presentationml/2006/main">
   <p:cSld>
     <p:spTree>
       <p:nvGrpSpPr>
@@ -6643,7 +6354,7 @@
       </p:grpSpPr>
       <p:sp>
         <p:nvSpPr>
-          <p:cNvPr id="127" name="TextShape 1"/>
+          <p:cNvPr id="92" name="TextShape 1"/>
           <p:cNvSpPr txBox="1"/>
           <p:nvPr/>
         </p:nvSpPr>
@@ -6664,6 +6375,7 @@
           <a:bodyPr anchor="ctr">
             <a:noAutofit/>
           </a:bodyPr>
+          <a:lstStyle/>
           <a:p>
             <a:pPr>
               <a:lnSpc>
@@ -6671,26 +6383,26 @@
               </a:lnSpc>
             </a:pPr>
             <a:r>
-              <a:rPr b="0" lang="en-US" sz="4400" spc="-1" strike="noStrike">
+              <a:rPr lang="en-US" sz="4400" b="0" strike="noStrike" spc="-1" dirty="0">
                 <a:solidFill>
                   <a:srgbClr val="000000"/>
                 </a:solidFill>
                 <a:latin typeface="Calibri Light"/>
               </a:rPr>
-              <a:t>Debugging</a:t>
+              <a:t>Logistics</a:t>
             </a:r>
-            <a:endParaRPr b="0" lang="en-US" sz="4400" spc="-1" strike="noStrike">
-              <a:solidFill>
-                <a:srgbClr val="000000"/>
-              </a:solidFill>
-              <a:latin typeface="Calibri"/>
-            </a:endParaRPr>
-          </a:p>
-        </p:txBody>
-      </p:sp>
-      <p:sp>
-        <p:nvSpPr>
-          <p:cNvPr id="128" name="TextShape 2"/>
+            <a:endParaRPr lang="en-US" sz="4400" b="0" strike="noStrike" spc="-1" dirty="0">
+              <a:solidFill>
+                <a:srgbClr val="000000"/>
+              </a:solidFill>
+              <a:latin typeface="Calibri"/>
+            </a:endParaRPr>
+          </a:p>
+        </p:txBody>
+      </p:sp>
+      <p:sp>
+        <p:nvSpPr>
+          <p:cNvPr id="93" name="TextShape 2"/>
           <p:cNvSpPr txBox="1"/>
           <p:nvPr/>
         </p:nvSpPr>
@@ -6711,6 +6423,7 @@
           <a:bodyPr>
             <a:noAutofit/>
           </a:bodyPr>
+          <a:lstStyle/>
           <a:p>
             <a:pPr marL="228600" indent="-228240">
               <a:lnSpc>
@@ -6726,28 +6439,22 @@
               <a:buChar char="•"/>
             </a:pPr>
             <a:r>
-              <a:rPr b="0" lang="en-US" sz="2800" spc="-1" strike="noStrike">
+              <a:rPr lang="en-US" sz="2800" b="0" strike="noStrike" spc="-1" dirty="0">
                 <a:solidFill>
                   <a:srgbClr val="000000"/>
                 </a:solidFill>
                 <a:latin typeface="Calibri"/>
               </a:rPr>
-              <a:t>More generally the debugging process is:</a:t>
+              <a:t>Sections will be a combination of mini lectures and hands-on activities.</a:t>
             </a:r>
-            <a:endParaRPr b="0" lang="en-US" sz="2800" spc="-1" strike="noStrike">
-              <a:solidFill>
-                <a:srgbClr val="000000"/>
-              </a:solidFill>
-              <a:latin typeface="Calibri"/>
-            </a:endParaRPr>
-          </a:p>
-          <a:p>
-            <a:pPr lvl="1" marL="685800" indent="-228240">
+          </a:p>
+          <a:p>
+            <a:pPr marL="685800" lvl="1" indent="-228240">
               <a:lnSpc>
                 <a:spcPct val="90000"/>
               </a:lnSpc>
               <a:spcBef>
-                <a:spcPts val="499"/>
+                <a:spcPts val="1001"/>
               </a:spcBef>
               <a:buClr>
                 <a:srgbClr val="000000"/>
@@ -6756,28 +6463,22 @@
               <a:buChar char="•"/>
             </a:pPr>
             <a:r>
-              <a:rPr b="0" lang="en-US" sz="2400" spc="-1" strike="noStrike">
+              <a:rPr lang="en-US" sz="2800" spc="-1" dirty="0">
                 <a:solidFill>
                   <a:srgbClr val="000000"/>
                 </a:solidFill>
                 <a:latin typeface="Calibri"/>
               </a:rPr>
-              <a:t>Google it</a:t>
+              <a:t>Mini lectures are made up of a minimal slide deck and live demos relevant to your hands-on activities.</a:t>
             </a:r>
-            <a:endParaRPr b="0" lang="en-US" sz="2400" spc="-1" strike="noStrike">
-              <a:solidFill>
-                <a:srgbClr val="000000"/>
-              </a:solidFill>
-              <a:latin typeface="Calibri"/>
-            </a:endParaRPr>
-          </a:p>
-          <a:p>
-            <a:pPr lvl="1" marL="685800" indent="-228240">
+          </a:p>
+          <a:p>
+            <a:pPr marL="228600" indent="-228240">
               <a:lnSpc>
                 <a:spcPct val="90000"/>
               </a:lnSpc>
               <a:spcBef>
-                <a:spcPts val="499"/>
+                <a:spcPts val="1001"/>
               </a:spcBef>
               <a:buClr>
                 <a:srgbClr val="000000"/>
@@ -6786,28 +6487,22 @@
               <a:buChar char="•"/>
             </a:pPr>
             <a:r>
-              <a:rPr b="0" lang="en-US" sz="2400" spc="-1" strike="noStrike">
+              <a:rPr lang="en-US" sz="2800" b="0" strike="noStrike" spc="-1" dirty="0">
                 <a:solidFill>
                   <a:srgbClr val="000000"/>
                 </a:solidFill>
                 <a:latin typeface="Calibri"/>
               </a:rPr>
-              <a:t>Ask a peer in the class</a:t>
+              <a:t>Done in groups of 3 – 4 people.</a:t>
             </a:r>
-            <a:endParaRPr b="0" lang="en-US" sz="2400" spc="-1" strike="noStrike">
-              <a:solidFill>
-                <a:srgbClr val="000000"/>
-              </a:solidFill>
-              <a:latin typeface="Calibri"/>
-            </a:endParaRPr>
-          </a:p>
-          <a:p>
-            <a:pPr lvl="1" marL="685800" indent="-228240">
+          </a:p>
+          <a:p>
+            <a:pPr marL="228600" indent="-228240">
               <a:lnSpc>
                 <a:spcPct val="90000"/>
               </a:lnSpc>
               <a:spcBef>
-                <a:spcPts val="499"/>
+                <a:spcPts val="1001"/>
               </a:spcBef>
               <a:buClr>
                 <a:srgbClr val="000000"/>
@@ -6816,56 +6511,38 @@
               <a:buChar char="•"/>
             </a:pPr>
             <a:r>
-              <a:rPr b="0" lang="en-US" sz="2400" spc="-1" strike="noStrike">
+              <a:rPr lang="en-US" sz="2800" b="0" strike="noStrike" spc="-1" dirty="0">
                 <a:solidFill>
                   <a:srgbClr val="000000"/>
                 </a:solidFill>
                 <a:latin typeface="Calibri"/>
               </a:rPr>
-              <a:t>Google it</a:t>
+              <a:t>CAs will come check with each group for each </a:t>
             </a:r>
-            <a:endParaRPr b="0" lang="en-US" sz="2400" spc="-1" strike="noStrike">
-              <a:solidFill>
-                <a:srgbClr val="000000"/>
-              </a:solidFill>
-              <a:latin typeface="Calibri"/>
-            </a:endParaRPr>
-          </a:p>
-          <a:p>
-            <a:pPr lvl="1" marL="685800" indent="-228240">
-              <a:lnSpc>
-                <a:spcPct val="90000"/>
-              </a:lnSpc>
-              <a:spcBef>
-                <a:spcPts val="499"/>
-              </a:spcBef>
-              <a:buClr>
-                <a:srgbClr val="000000"/>
-              </a:buClr>
-              <a:buFont typeface="Arial"/>
-              <a:buChar char="•"/>
-            </a:pPr>
             <a:r>
-              <a:rPr b="0" lang="en-US" sz="2400" spc="-1" strike="noStrike">
+              <a:rPr lang="en-US" sz="2800" b="0" i="1" strike="noStrike" spc="-1" dirty="0">
                 <a:solidFill>
                   <a:srgbClr val="000000"/>
                 </a:solidFill>
                 <a:latin typeface="Calibri"/>
               </a:rPr>
-              <a:t>If all else fails, then post on Edstem or at office hours</a:t>
+              <a:t>checkpoint</a:t>
             </a:r>
-            <a:endParaRPr b="0" lang="en-US" sz="2400" spc="-1" strike="noStrike">
-              <a:solidFill>
-                <a:srgbClr val="000000"/>
-              </a:solidFill>
-              <a:latin typeface="Calibri"/>
-            </a:endParaRPr>
-          </a:p>
-        </p:txBody>
-      </p:sp>
-      <p:sp>
-        <p:nvSpPr>
-          <p:cNvPr id="129" name="TextShape 3"/>
+            <a:r>
+              <a:rPr lang="en-US" sz="2800" b="0" strike="noStrike" spc="-1" dirty="0">
+                <a:solidFill>
+                  <a:srgbClr val="000000"/>
+                </a:solidFill>
+                <a:latin typeface="Calibri"/>
+              </a:rPr>
+              <a:t>.</a:t>
+            </a:r>
+          </a:p>
+        </p:txBody>
+      </p:sp>
+      <p:sp>
+        <p:nvSpPr>
+          <p:cNvPr id="94" name="TextShape 3"/>
           <p:cNvSpPr txBox="1"/>
           <p:nvPr/>
         </p:nvSpPr>
@@ -6886,22 +6563,23 @@
           <a:bodyPr anchor="ctr">
             <a:noAutofit/>
           </a:bodyPr>
+          <a:lstStyle/>
           <a:p>
             <a:pPr algn="r">
               <a:lnSpc>
                 <a:spcPct val="100000"/>
               </a:lnSpc>
             </a:pPr>
-            <a:fld id="{058810C9-AA94-46CF-83E6-B55E1BA0B693}" type="slidenum">
-              <a:rPr b="0" lang="en-US" sz="1200" spc="-1" strike="noStrike">
+            <a:fld id="{D3C3FDBC-6E5B-4E81-882F-7EACBBF43CD1}" type="slidenum">
+              <a:rPr lang="en-US" sz="1200" b="0" strike="noStrike" spc="-1">
                 <a:solidFill>
-                  <a:srgbClr val="8b8b8b"/>
+                  <a:srgbClr val="8B8B8B"/>
                 </a:solidFill>
                 <a:latin typeface="Calibri"/>
               </a:rPr>
-              <a:t>&lt;number&gt;</a:t>
+              <a:t>3</a:t>
             </a:fld>
-            <a:endParaRPr b="0" lang="en-US" sz="1200" spc="-1" strike="noStrike">
+            <a:endParaRPr lang="en-US" sz="1200" b="0" strike="noStrike" spc="-1">
               <a:latin typeface="Times New Roman"/>
             </a:endParaRPr>
           </a:p>
@@ -6909,19 +6587,14 @@
       </p:sp>
     </p:spTree>
   </p:cSld>
-  <mc:AlternateContent>
-    <mc:Choice Requires="p14">
-      <p:transition spd="slow" p14:dur="2000"/>
-    </mc:Choice>
-    <mc:Fallback>
-      <p:transition spd="slow"/>
-    </mc:Fallback>
-  </mc:AlternateContent>
+  <p:clrMapOvr>
+    <a:masterClrMapping/>
+  </p:clrMapOvr>
 </p:sld>
 </file>
 
-<file path=ppt/slides/slide15.xml><?xml version="1.0" encoding="utf-8"?>
-<p:sld xmlns:a="http://schemas.openxmlformats.org/drawingml/2006/main" xmlns:p="http://schemas.openxmlformats.org/presentationml/2006/main" xmlns:r="http://schemas.openxmlformats.org/officeDocument/2006/relationships" xmlns:p14="http://schemas.microsoft.com/office/powerpoint/2010/main" xmlns:p15="http://schemas.microsoft.com/office/powerpoint/2012/main" xmlns:mc="http://schemas.openxmlformats.org/markup-compatibility/2006">
+<file path=ppt/slides/slide4.xml><?xml version="1.0" encoding="utf-8"?>
+<p:sld xmlns:a="http://schemas.openxmlformats.org/drawingml/2006/main" xmlns:r="http://schemas.openxmlformats.org/officeDocument/2006/relationships" xmlns:p="http://schemas.openxmlformats.org/presentationml/2006/main">
   <p:cSld>
     <p:spTree>
       <p:nvGrpSpPr>
@@ -6939,7 +6612,7 @@
       </p:grpSpPr>
       <p:sp>
         <p:nvSpPr>
-          <p:cNvPr id="130" name="TextShape 1"/>
+          <p:cNvPr id="95" name="TextShape 1"/>
           <p:cNvSpPr txBox="1"/>
           <p:nvPr/>
         </p:nvSpPr>
@@ -6960,6 +6633,7 @@
           <a:bodyPr anchor="ctr">
             <a:noAutofit/>
           </a:bodyPr>
+          <a:lstStyle/>
           <a:p>
             <a:pPr>
               <a:lnSpc>
@@ -6967,26 +6641,26 @@
               </a:lnSpc>
             </a:pPr>
             <a:r>
-              <a:rPr b="0" lang="en-US" sz="4400" spc="-1" strike="noStrike">
+              <a:rPr lang="en-US" sz="4400" b="0" strike="noStrike" spc="-1">
                 <a:solidFill>
                   <a:srgbClr val="000000"/>
                 </a:solidFill>
                 <a:latin typeface="Calibri Light"/>
               </a:rPr>
-              <a:t>Section 1</a:t>
+              <a:t>Do I have to stay the whole time?</a:t>
             </a:r>
-            <a:endParaRPr b="0" lang="en-US" sz="4400" spc="-1" strike="noStrike">
-              <a:solidFill>
-                <a:srgbClr val="000000"/>
-              </a:solidFill>
-              <a:latin typeface="Calibri"/>
-            </a:endParaRPr>
-          </a:p>
-        </p:txBody>
-      </p:sp>
-      <p:sp>
-        <p:nvSpPr>
-          <p:cNvPr id="131" name="TextShape 2"/>
+            <a:endParaRPr lang="en-US" sz="4400" b="0" strike="noStrike" spc="-1">
+              <a:solidFill>
+                <a:srgbClr val="000000"/>
+              </a:solidFill>
+              <a:latin typeface="Calibri"/>
+            </a:endParaRPr>
+          </a:p>
+        </p:txBody>
+      </p:sp>
+      <p:sp>
+        <p:nvSpPr>
+          <p:cNvPr id="96" name="TextShape 2"/>
           <p:cNvSpPr txBox="1"/>
           <p:nvPr/>
         </p:nvSpPr>
@@ -7007,6 +6681,7 @@
           <a:bodyPr>
             <a:noAutofit/>
           </a:bodyPr>
+          <a:lstStyle/>
           <a:p>
             <a:pPr marL="228600" indent="-228240">
               <a:lnSpc>
@@ -7022,20 +6697,14 @@
               <a:buChar char="•"/>
             </a:pPr>
             <a:r>
-              <a:rPr b="0" lang="en-US" sz="2800" spc="-1" strike="noStrike">
+              <a:rPr lang="en-US" sz="2800" b="0" strike="noStrike" spc="-1" dirty="0">
                 <a:solidFill>
                   <a:srgbClr val="000000"/>
                 </a:solidFill>
                 <a:latin typeface="Calibri"/>
               </a:rPr>
-              <a:t>Focuses on Python and common use-cases for it in this course</a:t>
+              <a:t>Once you complete the activities and have all checkpoints verified by the CA, you are then free to leave.</a:t>
             </a:r>
-            <a:endParaRPr b="0" lang="en-US" sz="2800" spc="-1" strike="noStrike">
-              <a:solidFill>
-                <a:srgbClr val="000000"/>
-              </a:solidFill>
-              <a:latin typeface="Calibri"/>
-            </a:endParaRPr>
           </a:p>
           <a:p>
             <a:pPr marL="228600" indent="-228240">
@@ -7052,26 +6721,26 @@
               <a:buChar char="•"/>
             </a:pPr>
             <a:r>
-              <a:rPr b="0" lang="en-US" sz="2800" spc="-1" strike="noStrike">
+              <a:rPr lang="en-US" sz="2800" spc="-1" dirty="0">
                 <a:solidFill>
                   <a:srgbClr val="000000"/>
                 </a:solidFill>
                 <a:latin typeface="Calibri"/>
               </a:rPr>
-              <a:t>We’ll ask you to perform a few basic mathematical operations and plot the results</a:t>
+              <a:t>It would be highly appreciated if you can stick around and help out the other groups. This creates a great community!</a:t>
             </a:r>
-            <a:endParaRPr b="0" lang="en-US" sz="2800" spc="-1" strike="noStrike">
-              <a:solidFill>
-                <a:srgbClr val="000000"/>
-              </a:solidFill>
-              <a:latin typeface="Calibri"/>
-            </a:endParaRPr>
-          </a:p>
-        </p:txBody>
-      </p:sp>
-      <p:sp>
-        <p:nvSpPr>
-          <p:cNvPr id="132" name="TextShape 3"/>
+            <a:endParaRPr lang="en-US" sz="2800" b="0" strike="noStrike" spc="-1" dirty="0">
+              <a:solidFill>
+                <a:srgbClr val="000000"/>
+              </a:solidFill>
+              <a:latin typeface="Calibri"/>
+            </a:endParaRPr>
+          </a:p>
+        </p:txBody>
+      </p:sp>
+      <p:sp>
+        <p:nvSpPr>
+          <p:cNvPr id="97" name="TextShape 3"/>
           <p:cNvSpPr txBox="1"/>
           <p:nvPr/>
         </p:nvSpPr>
@@ -7092,22 +6761,23 @@
           <a:bodyPr anchor="ctr">
             <a:noAutofit/>
           </a:bodyPr>
+          <a:lstStyle/>
           <a:p>
             <a:pPr algn="r">
               <a:lnSpc>
                 <a:spcPct val="100000"/>
               </a:lnSpc>
             </a:pPr>
-            <a:fld id="{611220A6-4A9D-4314-8054-03B7F8746B45}" type="slidenum">
-              <a:rPr b="0" lang="en-US" sz="1200" spc="-1" strike="noStrike">
+            <a:fld id="{EED7A57A-7320-4169-9337-6FC70D72E156}" type="slidenum">
+              <a:rPr lang="en-US" sz="1200" b="0" strike="noStrike" spc="-1">
                 <a:solidFill>
-                  <a:srgbClr val="8b8b8b"/>
+                  <a:srgbClr val="8B8B8B"/>
                 </a:solidFill>
                 <a:latin typeface="Calibri"/>
               </a:rPr>
-              <a:t>&lt;number&gt;</a:t>
+              <a:t>4</a:t>
             </a:fld>
-            <a:endParaRPr b="0" lang="en-US" sz="1200" spc="-1" strike="noStrike">
+            <a:endParaRPr lang="en-US" sz="1200" b="0" strike="noStrike" spc="-1">
               <a:latin typeface="Times New Roman"/>
             </a:endParaRPr>
           </a:p>
@@ -7115,19 +6785,14 @@
       </p:sp>
     </p:spTree>
   </p:cSld>
-  <mc:AlternateContent>
-    <mc:Choice Requires="p14">
-      <p:transition spd="slow" p14:dur="2000"/>
-    </mc:Choice>
-    <mc:Fallback>
-      <p:transition spd="slow"/>
-    </mc:Fallback>
-  </mc:AlternateContent>
+  <p:clrMapOvr>
+    <a:masterClrMapping/>
+  </p:clrMapOvr>
 </p:sld>
 </file>
 
-<file path=ppt/slides/slide2.xml><?xml version="1.0" encoding="utf-8"?>
-<p:sld xmlns:a="http://schemas.openxmlformats.org/drawingml/2006/main" xmlns:p="http://schemas.openxmlformats.org/presentationml/2006/main" xmlns:r="http://schemas.openxmlformats.org/officeDocument/2006/relationships" xmlns:p14="http://schemas.microsoft.com/office/powerpoint/2010/main" xmlns:p15="http://schemas.microsoft.com/office/powerpoint/2012/main" xmlns:mc="http://schemas.openxmlformats.org/markup-compatibility/2006">
+<file path=ppt/slides/slide5.xml><?xml version="1.0" encoding="utf-8"?>
+<p:sld xmlns:a="http://schemas.openxmlformats.org/drawingml/2006/main" xmlns:r="http://schemas.openxmlformats.org/officeDocument/2006/relationships" xmlns:p="http://schemas.openxmlformats.org/presentationml/2006/main">
   <p:cSld>
     <p:spTree>
       <p:nvGrpSpPr>
@@ -7145,7 +6810,7 @@
       </p:grpSpPr>
       <p:sp>
         <p:nvSpPr>
-          <p:cNvPr id="89" name="TextShape 1"/>
+          <p:cNvPr id="98" name="TextShape 1"/>
           <p:cNvSpPr txBox="1"/>
           <p:nvPr/>
         </p:nvSpPr>
@@ -7166,6 +6831,7 @@
           <a:bodyPr anchor="ctr">
             <a:noAutofit/>
           </a:bodyPr>
+          <a:lstStyle/>
           <a:p>
             <a:pPr>
               <a:lnSpc>
@@ -7173,26 +6839,26 @@
               </a:lnSpc>
             </a:pPr>
             <a:r>
-              <a:rPr b="0" lang="en-US" sz="4400" spc="-1" strike="noStrike">
+              <a:rPr lang="en-US" sz="4400" b="0" strike="noStrike" spc="-1">
                 <a:solidFill>
                   <a:srgbClr val="000000"/>
                 </a:solidFill>
                 <a:latin typeface="Calibri Light"/>
               </a:rPr>
-              <a:t>Sections</a:t>
+              <a:t>Do I have to arrive on time?</a:t>
             </a:r>
-            <a:endParaRPr b="0" lang="en-US" sz="4400" spc="-1" strike="noStrike">
-              <a:solidFill>
-                <a:srgbClr val="000000"/>
-              </a:solidFill>
-              <a:latin typeface="Calibri"/>
-            </a:endParaRPr>
-          </a:p>
-        </p:txBody>
-      </p:sp>
-      <p:sp>
-        <p:nvSpPr>
-          <p:cNvPr id="90" name="TextShape 2"/>
+            <a:endParaRPr lang="en-US" sz="4400" b="0" strike="noStrike" spc="-1">
+              <a:solidFill>
+                <a:srgbClr val="000000"/>
+              </a:solidFill>
+              <a:latin typeface="Calibri"/>
+            </a:endParaRPr>
+          </a:p>
+        </p:txBody>
+      </p:sp>
+      <p:sp>
+        <p:nvSpPr>
+          <p:cNvPr id="99" name="TextShape 2"/>
           <p:cNvSpPr txBox="1"/>
           <p:nvPr/>
         </p:nvSpPr>
@@ -7211,8 +6877,9 @@
         </p:spPr>
         <p:txBody>
           <a:bodyPr>
-            <a:noAutofit/>
-          </a:bodyPr>
+            <a:normAutofit/>
+          </a:bodyPr>
+          <a:lstStyle/>
           <a:p>
             <a:pPr marL="228600" indent="-228240">
               <a:lnSpc>
@@ -7228,15 +6895,24 @@
               <a:buChar char="•"/>
             </a:pPr>
             <a:r>
-              <a:rPr b="0" lang="en-US" sz="2800" spc="-1" strike="noStrike">
+              <a:rPr lang="en-US" sz="2800" b="1" strike="noStrike" spc="-1" dirty="0">
                 <a:solidFill>
                   <a:srgbClr val="000000"/>
                 </a:solidFill>
                 <a:latin typeface="Calibri"/>
               </a:rPr>
-              <a:t>Modeled after sections in CS 106A/B/X/L</a:t>
+              <a:t>YES. </a:t>
             </a:r>
-            <a:endParaRPr b="0" lang="en-US" sz="2800" spc="-1" strike="noStrike">
+            <a:r>
+              <a:rPr lang="en-US" sz="2800" spc="-1" dirty="0">
+                <a:solidFill>
+                  <a:srgbClr val="000000"/>
+                </a:solidFill>
+                <a:latin typeface="Calibri"/>
+              </a:rPr>
+              <a:t>Mini lectures during sections will contain crucial information for the hands-on activities.</a:t>
+            </a:r>
+            <a:endParaRPr lang="en-US" sz="2400" strike="noStrike" spc="-1" dirty="0">
               <a:solidFill>
                 <a:srgbClr val="000000"/>
               </a:solidFill>
@@ -7258,45 +6934,24 @@
               <a:buChar char="•"/>
             </a:pPr>
             <a:r>
-              <a:rPr b="0" lang="en-US" sz="2800" spc="-1" strike="noStrike">
+              <a:rPr lang="en-US" sz="2800" b="0" strike="noStrike" spc="-1" dirty="0">
                 <a:solidFill>
                   <a:srgbClr val="000000"/>
                 </a:solidFill>
                 <a:latin typeface="Calibri"/>
               </a:rPr>
-              <a:t>Provide hands-on experience for commonly-used tools in robotics</a:t>
+              <a:t>Section slides and the activity handout will be posted online, </a:t>
             </a:r>
-            <a:endParaRPr b="0" lang="en-US" sz="2800" spc="-1" strike="noStrike">
-              <a:solidFill>
-                <a:srgbClr val="000000"/>
-              </a:solidFill>
-              <a:latin typeface="Calibri"/>
-            </a:endParaRPr>
-          </a:p>
-          <a:p>
-            <a:pPr lvl="1" marL="685800" indent="-228240">
-              <a:lnSpc>
-                <a:spcPct val="90000"/>
-              </a:lnSpc>
-              <a:spcBef>
-                <a:spcPts val="499"/>
-              </a:spcBef>
-              <a:buClr>
-                <a:srgbClr val="000000"/>
-              </a:buClr>
-              <a:buFont typeface="Arial"/>
-              <a:buChar char="•"/>
-            </a:pPr>
             <a:r>
-              <a:rPr b="0" lang="en-US" sz="2400" spc="-1" strike="noStrike">
+              <a:rPr lang="en-US" sz="2800" spc="-1" dirty="0">
                 <a:solidFill>
                   <a:srgbClr val="000000"/>
                 </a:solidFill>
                 <a:latin typeface="Calibri"/>
               </a:rPr>
-              <a:t>AKA tools you’ll be using for your homework and final projects</a:t>
+              <a:t>but live demos from mini lecture may not be recorded.</a:t>
             </a:r>
-            <a:endParaRPr b="0" lang="en-US" sz="2400" spc="-1" strike="noStrike">
+            <a:endParaRPr lang="en-US" sz="2800" b="0" strike="noStrike" spc="-1" dirty="0">
               <a:solidFill>
                 <a:srgbClr val="000000"/>
               </a:solidFill>
@@ -7318,26 +6973,68 @@
               <a:buChar char="•"/>
             </a:pPr>
             <a:r>
-              <a:rPr b="0" lang="en-US" sz="2800" spc="-1" strike="noStrike">
+              <a:rPr lang="en-US" sz="2800" b="0" strike="noStrike" spc="-1" dirty="0">
                 <a:solidFill>
                   <a:srgbClr val="000000"/>
                 </a:solidFill>
                 <a:latin typeface="Calibri"/>
               </a:rPr>
-              <a:t>Taking feedback from previous years to heart</a:t>
+              <a:t>We </a:t>
             </a:r>
-            <a:endParaRPr b="0" lang="en-US" sz="2800" spc="-1" strike="noStrike">
-              <a:solidFill>
-                <a:srgbClr val="000000"/>
-              </a:solidFill>
-              <a:latin typeface="Calibri"/>
-            </a:endParaRPr>
-          </a:p>
-        </p:txBody>
-      </p:sp>
-      <p:sp>
-        <p:nvSpPr>
-          <p:cNvPr id="91" name="TextShape 3"/>
+            <a:r>
+              <a:rPr lang="en-US" sz="2800" b="0" i="1" strike="noStrike" spc="-1" dirty="0">
+                <a:solidFill>
+                  <a:srgbClr val="000000"/>
+                </a:solidFill>
+                <a:latin typeface="Calibri"/>
+              </a:rPr>
+              <a:t>will not </a:t>
+            </a:r>
+            <a:r>
+              <a:rPr lang="en-US" sz="2800" b="0" strike="noStrike" spc="-1" dirty="0">
+                <a:solidFill>
+                  <a:srgbClr val="000000"/>
+                </a:solidFill>
+                <a:latin typeface="Calibri"/>
+              </a:rPr>
+              <a:t>stay after hours.</a:t>
+            </a:r>
+          </a:p>
+          <a:p>
+            <a:pPr marL="228600" indent="-228240">
+              <a:lnSpc>
+                <a:spcPct val="90000"/>
+              </a:lnSpc>
+              <a:spcBef>
+                <a:spcPts val="1001"/>
+              </a:spcBef>
+              <a:buClr>
+                <a:srgbClr val="000000"/>
+              </a:buClr>
+              <a:buFont typeface="Arial"/>
+              <a:buChar char="•"/>
+            </a:pPr>
+            <a:r>
+              <a:rPr lang="en-US" sz="2800" spc="-1" dirty="0">
+                <a:solidFill>
+                  <a:srgbClr val="000000"/>
+                </a:solidFill>
+                <a:latin typeface="Calibri"/>
+              </a:rPr>
+              <a:t>Consistently showing up late will impact your attendance grades.</a:t>
+            </a:r>
+            <a:endParaRPr lang="en-US" sz="2800" b="0" strike="noStrike" spc="-1" dirty="0">
+              <a:solidFill>
+                <a:srgbClr val="000000"/>
+              </a:solidFill>
+              <a:latin typeface="Calibri"/>
+            </a:endParaRPr>
+          </a:p>
+        </p:txBody>
+      </p:sp>
+      <p:sp>
+        <p:nvSpPr>
+          <p:cNvPr id="100" name="TextShape 3"/>
           <p:cNvSpPr txBox="1"/>
           <p:nvPr/>
         </p:nvSpPr>
@@ -7358,22 +7055,23 @@
           <a:bodyPr anchor="ctr">
             <a:noAutofit/>
           </a:bodyPr>
+          <a:lstStyle/>
           <a:p>
             <a:pPr algn="r">
               <a:lnSpc>
                 <a:spcPct val="100000"/>
               </a:lnSpc>
             </a:pPr>
-            <a:fld id="{85E06D30-0D67-4A58-982F-1924CA972875}" type="slidenum">
-              <a:rPr b="0" lang="en-US" sz="1200" spc="-1" strike="noStrike">
+            <a:fld id="{F80947FB-D060-474F-991F-CA3D9F978F4E}" type="slidenum">
+              <a:rPr lang="en-US" sz="1200" b="0" strike="noStrike" spc="-1">
                 <a:solidFill>
-                  <a:srgbClr val="8b8b8b"/>
+                  <a:srgbClr val="8B8B8B"/>
                 </a:solidFill>
                 <a:latin typeface="Calibri"/>
               </a:rPr>
-              <a:t>1</a:t>
+              <a:t>5</a:t>
             </a:fld>
-            <a:endParaRPr b="0" lang="en-US" sz="1200" spc="-1" strike="noStrike">
+            <a:endParaRPr lang="en-US" sz="1200" b="0" strike="noStrike" spc="-1">
               <a:latin typeface="Times New Roman"/>
             </a:endParaRPr>
           </a:p>
@@ -7381,19 +7079,14 @@
       </p:sp>
     </p:spTree>
   </p:cSld>
-  <mc:AlternateContent>
-    <mc:Choice Requires="p14">
-      <p:transition spd="slow" p14:dur="2000"/>
-    </mc:Choice>
-    <mc:Fallback>
-      <p:transition spd="slow"/>
-    </mc:Fallback>
-  </mc:AlternateContent>
+  <p:clrMapOvr>
+    <a:masterClrMapping/>
+  </p:clrMapOvr>
 </p:sld>
 </file>
 
-<file path=ppt/slides/slide3.xml><?xml version="1.0" encoding="utf-8"?>
-<p:sld xmlns:a="http://schemas.openxmlformats.org/drawingml/2006/main" xmlns:p="http://schemas.openxmlformats.org/presentationml/2006/main" xmlns:r="http://schemas.openxmlformats.org/officeDocument/2006/relationships" xmlns:p14="http://schemas.microsoft.com/office/powerpoint/2010/main" xmlns:p15="http://schemas.microsoft.com/office/powerpoint/2012/main" xmlns:mc="http://schemas.openxmlformats.org/markup-compatibility/2006">
+<file path=ppt/slides/slide6.xml><?xml version="1.0" encoding="utf-8"?>
+<p:sld xmlns:a="http://schemas.openxmlformats.org/drawingml/2006/main" xmlns:r="http://schemas.openxmlformats.org/officeDocument/2006/relationships" xmlns:p="http://schemas.openxmlformats.org/presentationml/2006/main">
   <p:cSld>
     <p:spTree>
       <p:nvGrpSpPr>
@@ -7411,7 +7104,7 @@
       </p:grpSpPr>
       <p:sp>
         <p:nvSpPr>
-          <p:cNvPr id="92" name="TextShape 1"/>
+          <p:cNvPr id="98" name="TextShape 1"/>
           <p:cNvSpPr txBox="1"/>
           <p:nvPr/>
         </p:nvSpPr>
@@ -7432,6 +7125,7 @@
           <a:bodyPr anchor="ctr">
             <a:noAutofit/>
           </a:bodyPr>
+          <a:lstStyle/>
           <a:p>
             <a:pPr>
               <a:lnSpc>
@@ -7439,26 +7133,26 @@
               </a:lnSpc>
             </a:pPr>
             <a:r>
-              <a:rPr b="0" lang="en-US" sz="4400" spc="-1" strike="noStrike">
+              <a:rPr lang="en-US" sz="4400" b="0" strike="noStrike" spc="-1" dirty="0">
                 <a:solidFill>
                   <a:srgbClr val="000000"/>
                 </a:solidFill>
                 <a:latin typeface="Calibri Light"/>
               </a:rPr>
-              <a:t>Section Logistics</a:t>
+              <a:t>Grading</a:t>
             </a:r>
-            <a:endParaRPr b="0" lang="en-US" sz="4400" spc="-1" strike="noStrike">
-              <a:solidFill>
-                <a:srgbClr val="000000"/>
-              </a:solidFill>
-              <a:latin typeface="Calibri"/>
-            </a:endParaRPr>
-          </a:p>
-        </p:txBody>
-      </p:sp>
-      <p:sp>
-        <p:nvSpPr>
-          <p:cNvPr id="93" name="TextShape 2"/>
+            <a:endParaRPr lang="en-US" sz="4400" b="0" strike="noStrike" spc="-1" dirty="0">
+              <a:solidFill>
+                <a:srgbClr val="000000"/>
+              </a:solidFill>
+              <a:latin typeface="Calibri"/>
+            </a:endParaRPr>
+          </a:p>
+        </p:txBody>
+      </p:sp>
+      <p:sp>
+        <p:nvSpPr>
+          <p:cNvPr id="99" name="TextShape 2"/>
           <p:cNvSpPr txBox="1"/>
           <p:nvPr/>
         </p:nvSpPr>
@@ -7477,8 +7171,9 @@
         </p:spPr>
         <p:txBody>
           <a:bodyPr>
-            <a:noAutofit/>
-          </a:bodyPr>
+            <a:normAutofit/>
+          </a:bodyPr>
+          <a:lstStyle/>
           <a:p>
             <a:pPr marL="228600" indent="-228240">
               <a:lnSpc>
@@ -7494,20 +7189,14 @@
               <a:buChar char="•"/>
             </a:pPr>
             <a:r>
-              <a:rPr b="0" lang="en-US" sz="2800" spc="-1" strike="noStrike">
+              <a:rPr lang="en-US" sz="2800" spc="-1" dirty="0">
                 <a:solidFill>
                   <a:srgbClr val="000000"/>
                 </a:solidFill>
                 <a:latin typeface="Calibri"/>
               </a:rPr>
-              <a:t>First 15-30 minutes will be a presentation about the aims of the section, references, and a description of the hands-on activity you’ll be doing</a:t>
+              <a:t>Allow to miss one section without grading penalty</a:t>
             </a:r>
-            <a:endParaRPr b="0" lang="en-US" sz="2800" spc="-1" strike="noStrike">
-              <a:solidFill>
-                <a:srgbClr val="000000"/>
-              </a:solidFill>
-              <a:latin typeface="Calibri"/>
-            </a:endParaRPr>
           </a:p>
           <a:p>
             <a:pPr marL="228600" indent="-228240">
@@ -7524,15 +7213,72 @@
               <a:buChar char="•"/>
             </a:pPr>
             <a:r>
-              <a:rPr b="0" lang="en-US" sz="2800" spc="-1" strike="noStrike">
+              <a:rPr lang="en-US" sz="2800" spc="-1" dirty="0">
                 <a:solidFill>
                   <a:srgbClr val="000000"/>
                 </a:solidFill>
                 <a:latin typeface="Calibri"/>
               </a:rPr>
-              <a:t>Rest of the time (1.5+ hours) will be for you and a partner (your tablemate) to complete the hands-on activity</a:t>
+              <a:t>(24%) </a:t>
             </a:r>
-            <a:endParaRPr b="0" lang="en-US" sz="2800" spc="-1" strike="noStrike">
+            <a:r>
+              <a:rPr lang="en-US" sz="2800" strike="noStrike" spc="-1" dirty="0">
+                <a:solidFill>
+                  <a:srgbClr val="000000"/>
+                </a:solidFill>
+                <a:latin typeface="Calibri"/>
+              </a:rPr>
+              <a:t>Section x 8</a:t>
+            </a:r>
+          </a:p>
+          <a:p>
+            <a:pPr marL="685800" lvl="1" indent="-228240">
+              <a:lnSpc>
+                <a:spcPct val="90000"/>
+              </a:lnSpc>
+              <a:spcBef>
+                <a:spcPts val="1001"/>
+              </a:spcBef>
+              <a:buClr>
+                <a:srgbClr val="000000"/>
+              </a:buClr>
+              <a:buFont typeface="Arial"/>
+              <a:buChar char="•"/>
+            </a:pPr>
+            <a:r>
+              <a:rPr lang="en-US" sz="2800" spc="-1" dirty="0">
+                <a:solidFill>
+                  <a:srgbClr val="000000"/>
+                </a:solidFill>
+                <a:latin typeface="Calibri"/>
+              </a:rPr>
+              <a:t>(2%) Attendance</a:t>
+            </a:r>
+          </a:p>
+          <a:p>
+            <a:pPr marL="685800" lvl="1" indent="-228240">
+              <a:lnSpc>
+                <a:spcPct val="90000"/>
+              </a:lnSpc>
+              <a:spcBef>
+                <a:spcPts val="1001"/>
+              </a:spcBef>
+              <a:buClr>
+                <a:srgbClr val="000000"/>
+              </a:buClr>
+              <a:buFont typeface="Arial"/>
+              <a:buChar char="•"/>
+            </a:pPr>
+            <a:r>
+              <a:rPr lang="en-US" sz="2800" strike="noStrike" spc="-1" dirty="0">
+                <a:solidFill>
+                  <a:srgbClr val="000000"/>
+                </a:solidFill>
+                <a:latin typeface="Calibri"/>
+              </a:rPr>
+              <a:t>(1%) Group Participation -- through peer evaluation at the end</a:t>
+            </a:r>
+            <a:endParaRPr lang="en-US" sz="2800" spc="-1" dirty="0">
               <a:solidFill>
                 <a:srgbClr val="000000"/>
               </a:solidFill>
@@ -7554,26 +7300,107 @@
               <a:buChar char="•"/>
             </a:pPr>
             <a:r>
-              <a:rPr b="0" lang="en-US" sz="2800" spc="-1" strike="noStrike">
+              <a:rPr lang="en-US" sz="2800" strike="noStrike" spc="-1" dirty="0">
                 <a:solidFill>
                   <a:srgbClr val="000000"/>
                 </a:solidFill>
                 <a:latin typeface="Calibri"/>
               </a:rPr>
-              <a:t>You submit your results on Gradescope when you’re done</a:t>
+              <a:t>(16%) Final Section Demo</a:t>
             </a:r>
-            <a:endParaRPr b="0" lang="en-US" sz="2800" spc="-1" strike="noStrike">
-              <a:solidFill>
-                <a:srgbClr val="000000"/>
-              </a:solidFill>
-              <a:latin typeface="Calibri"/>
-            </a:endParaRPr>
-          </a:p>
-        </p:txBody>
-      </p:sp>
-      <p:sp>
-        <p:nvSpPr>
-          <p:cNvPr id="94" name="TextShape 3"/>
+          </a:p>
+          <a:p>
+            <a:pPr marL="685800" lvl="1" indent="-228240">
+              <a:lnSpc>
+                <a:spcPct val="90000"/>
+              </a:lnSpc>
+              <a:spcBef>
+                <a:spcPts val="1001"/>
+              </a:spcBef>
+              <a:buClr>
+                <a:srgbClr val="000000"/>
+              </a:buClr>
+              <a:buFont typeface="Arial"/>
+              <a:buChar char="•"/>
+            </a:pPr>
+            <a:r>
+              <a:rPr lang="en-US" sz="2800" strike="noStrike" spc="-1" dirty="0">
+                <a:solidFill>
+                  <a:srgbClr val="000000"/>
+                </a:solidFill>
+                <a:latin typeface="Calibri"/>
+              </a:rPr>
+              <a:t>(4%) Code Style</a:t>
+            </a:r>
+          </a:p>
+          <a:p>
+            <a:pPr marL="685800" lvl="1" indent="-228240">
+              <a:lnSpc>
+                <a:spcPct val="90000"/>
+              </a:lnSpc>
+              <a:spcBef>
+                <a:spcPts val="1001"/>
+              </a:spcBef>
+              <a:buClr>
+                <a:srgbClr val="000000"/>
+              </a:buClr>
+              <a:buFont typeface="Arial"/>
+              <a:buChar char="•"/>
+            </a:pPr>
+            <a:r>
+              <a:rPr lang="en-US" sz="2800" spc="-1" dirty="0">
+                <a:solidFill>
+                  <a:srgbClr val="000000"/>
+                </a:solidFill>
+                <a:latin typeface="Calibri"/>
+              </a:rPr>
+              <a:t>(8%) Autonomy Stack Functionality</a:t>
+            </a:r>
+          </a:p>
+          <a:p>
+            <a:pPr marL="685800" lvl="1" indent="-228240">
+              <a:lnSpc>
+                <a:spcPct val="90000"/>
+              </a:lnSpc>
+              <a:spcBef>
+                <a:spcPts val="1001"/>
+              </a:spcBef>
+              <a:buClr>
+                <a:srgbClr val="000000"/>
+              </a:buClr>
+              <a:buFont typeface="Arial"/>
+              <a:buChar char="•"/>
+            </a:pPr>
+            <a:r>
+              <a:rPr lang="en-US" sz="2800" strike="noStrike" spc="-1" dirty="0">
+                <a:solidFill>
+                  <a:srgbClr val="000000"/>
+                </a:solidFill>
+                <a:latin typeface="Calibri"/>
+              </a:rPr>
+              <a:t>(4%) </a:t>
+            </a:r>
+            <a:r>
+              <a:rPr lang="en-US" sz="2800" spc="-1" dirty="0">
+                <a:solidFill>
+                  <a:srgbClr val="000000"/>
+                </a:solidFill>
+                <a:latin typeface="Calibri"/>
+              </a:rPr>
+              <a:t>CA Q&amp;A</a:t>
+            </a:r>
+            <a:endParaRPr lang="en-US" sz="2800" strike="noStrike" spc="-1" dirty="0">
+              <a:solidFill>
+                <a:srgbClr val="000000"/>
+              </a:solidFill>
+              <a:latin typeface="Calibri"/>
+            </a:endParaRPr>
+          </a:p>
+        </p:txBody>
+      </p:sp>
+      <p:sp>
+        <p:nvSpPr>
+          <p:cNvPr id="100" name="TextShape 3"/>
           <p:cNvSpPr txBox="1"/>
           <p:nvPr/>
         </p:nvSpPr>
@@ -7594,42 +7421,43 @@
           <a:bodyPr anchor="ctr">
             <a:noAutofit/>
           </a:bodyPr>
+          <a:lstStyle/>
           <a:p>
             <a:pPr algn="r">
               <a:lnSpc>
                 <a:spcPct val="100000"/>
               </a:lnSpc>
             </a:pPr>
-            <a:fld id="{D3C3FDBC-6E5B-4E81-882F-7EACBBF43CD1}" type="slidenum">
-              <a:rPr b="0" lang="en-US" sz="1200" spc="-1" strike="noStrike">
+            <a:fld id="{F80947FB-D060-474F-991F-CA3D9F978F4E}" type="slidenum">
+              <a:rPr lang="en-US" sz="1200" b="0" strike="noStrike" spc="-1">
                 <a:solidFill>
-                  <a:srgbClr val="8b8b8b"/>
+                  <a:srgbClr val="8B8B8B"/>
                 </a:solidFill>
                 <a:latin typeface="Calibri"/>
               </a:rPr>
-              <a:t>1</a:t>
+              <a:t>6</a:t>
             </a:fld>
-            <a:endParaRPr b="0" lang="en-US" sz="1200" spc="-1" strike="noStrike">
+            <a:endParaRPr lang="en-US" sz="1200" b="0" strike="noStrike" spc="-1">
               <a:latin typeface="Times New Roman"/>
             </a:endParaRPr>
           </a:p>
         </p:txBody>
       </p:sp>
     </p:spTree>
+    <p:extLst>
+      <p:ext uri="{BB962C8B-B14F-4D97-AF65-F5344CB8AC3E}">
+        <p14:creationId xmlns:p14="http://schemas.microsoft.com/office/powerpoint/2010/main" val="3406174408"/>
+      </p:ext>
+    </p:extLst>
   </p:cSld>
-  <mc:AlternateContent>
-    <mc:Choice Requires="p14">
-      <p:transition spd="slow" p14:dur="2000"/>
-    </mc:Choice>
-    <mc:Fallback>
-      <p:transition spd="slow"/>
-    </mc:Fallback>
-  </mc:AlternateContent>
+  <p:clrMapOvr>
+    <a:masterClrMapping/>
+  </p:clrMapOvr>
 </p:sld>
 </file>
 
-<file path=ppt/slides/slide4.xml><?xml version="1.0" encoding="utf-8"?>
-<p:sld xmlns:a="http://schemas.openxmlformats.org/drawingml/2006/main" xmlns:p="http://schemas.openxmlformats.org/presentationml/2006/main" xmlns:r="http://schemas.openxmlformats.org/officeDocument/2006/relationships" xmlns:p14="http://schemas.microsoft.com/office/powerpoint/2010/main" xmlns:p15="http://schemas.microsoft.com/office/powerpoint/2012/main" xmlns:mc="http://schemas.openxmlformats.org/markup-compatibility/2006">
+<file path=ppt/slides/slide7.xml><?xml version="1.0" encoding="utf-8"?>
+<p:sld xmlns:a="http://schemas.openxmlformats.org/drawingml/2006/main" xmlns:r="http://schemas.openxmlformats.org/officeDocument/2006/relationships" xmlns:p="http://schemas.openxmlformats.org/presentationml/2006/main">
   <p:cSld>
     <p:spTree>
       <p:nvGrpSpPr>
@@ -7647,7 +7475,7 @@
       </p:grpSpPr>
       <p:sp>
         <p:nvSpPr>
-          <p:cNvPr id="95" name="TextShape 1"/>
+          <p:cNvPr id="101" name="TextShape 1"/>
           <p:cNvSpPr txBox="1"/>
           <p:nvPr/>
         </p:nvSpPr>
@@ -7668,6 +7496,7 @@
           <a:bodyPr anchor="ctr">
             <a:noAutofit/>
           </a:bodyPr>
+          <a:lstStyle/>
           <a:p>
             <a:pPr>
               <a:lnSpc>
@@ -7675,33 +7504,33 @@
               </a:lnSpc>
             </a:pPr>
             <a:r>
-              <a:rPr b="0" lang="en-US" sz="4400" spc="-1" strike="noStrike">
+              <a:rPr lang="en-US" sz="4400" b="0" strike="noStrike" spc="-1">
                 <a:solidFill>
                   <a:srgbClr val="000000"/>
                 </a:solidFill>
                 <a:latin typeface="Calibri Light"/>
               </a:rPr>
-              <a:t>Do I have to stay the whole time?</a:t>
+              <a:t>Questions about Section Logistics?</a:t>
             </a:r>
-            <a:endParaRPr b="0" lang="en-US" sz="4400" spc="-1" strike="noStrike">
-              <a:solidFill>
-                <a:srgbClr val="000000"/>
-              </a:solidFill>
-              <a:latin typeface="Calibri"/>
-            </a:endParaRPr>
-          </a:p>
-        </p:txBody>
-      </p:sp>
-      <p:sp>
-        <p:nvSpPr>
-          <p:cNvPr id="96" name="TextShape 2"/>
+            <a:endParaRPr lang="en-US" sz="4400" b="0" strike="noStrike" spc="-1">
+              <a:solidFill>
+                <a:srgbClr val="000000"/>
+              </a:solidFill>
+              <a:latin typeface="Calibri"/>
+            </a:endParaRPr>
+          </a:p>
+        </p:txBody>
+      </p:sp>
+      <p:sp>
+        <p:nvSpPr>
+          <p:cNvPr id="102" name="TextShape 2"/>
           <p:cNvSpPr txBox="1"/>
           <p:nvPr/>
         </p:nvSpPr>
         <p:spPr>
           <a:xfrm>
-            <a:off x="838080" y="1825560"/>
-            <a:ext cx="10515240" cy="4350960"/>
+            <a:off x="8610480" y="6541920"/>
+            <a:ext cx="2742840" cy="364680"/>
           </a:xfrm>
           <a:prstGeom prst="rect">
             <a:avLst/>
@@ -7712,100 +7541,75 @@
           </a:ln>
         </p:spPr>
         <p:txBody>
-          <a:bodyPr>
-            <a:noAutofit/>
-          </a:bodyPr>
-          <a:p>
-            <a:pPr marL="228600" indent="-228240">
-              <a:lnSpc>
-                <a:spcPct val="90000"/>
-              </a:lnSpc>
-              <a:spcBef>
-                <a:spcPts val="1001"/>
-              </a:spcBef>
-              <a:buClr>
-                <a:srgbClr val="000000"/>
-              </a:buClr>
-              <a:buFont typeface="Arial"/>
-              <a:buChar char="•"/>
-            </a:pPr>
-            <a:r>
-              <a:rPr b="0" lang="en-US" sz="2800" spc="-1" strike="noStrike">
-                <a:solidFill>
-                  <a:srgbClr val="000000"/>
-                </a:solidFill>
-                <a:latin typeface="Calibri"/>
-              </a:rPr>
-              <a:t>Once you complete the activity and submit your results, you can leave</a:t>
-            </a:r>
-            <a:endParaRPr b="0" lang="en-US" sz="2800" spc="-1" strike="noStrike">
-              <a:solidFill>
-                <a:srgbClr val="000000"/>
-              </a:solidFill>
-              <a:latin typeface="Calibri"/>
-            </a:endParaRPr>
-          </a:p>
-        </p:txBody>
-      </p:sp>
-      <p:sp>
-        <p:nvSpPr>
-          <p:cNvPr id="97" name="TextShape 3"/>
-          <p:cNvSpPr txBox="1"/>
-          <p:nvPr/>
-        </p:nvSpPr>
-        <p:spPr>
-          <a:xfrm>
-            <a:off x="8610480" y="6541920"/>
-            <a:ext cx="2742840" cy="364680"/>
-          </a:xfrm>
-          <a:prstGeom prst="rect">
-            <a:avLst/>
-          </a:prstGeom>
-          <a:noFill/>
-          <a:ln>
-            <a:noFill/>
-          </a:ln>
-        </p:spPr>
-        <p:txBody>
           <a:bodyPr anchor="ctr">
             <a:noAutofit/>
           </a:bodyPr>
+          <a:lstStyle/>
           <a:p>
             <a:pPr algn="r">
               <a:lnSpc>
                 <a:spcPct val="100000"/>
               </a:lnSpc>
             </a:pPr>
-            <a:fld id="{EED7A57A-7320-4169-9337-6FC70D72E156}" type="slidenum">
-              <a:rPr b="0" lang="en-US" sz="1200" spc="-1" strike="noStrike">
+            <a:fld id="{47AACE06-5A56-4D50-9034-D474EF561F33}" type="slidenum">
+              <a:rPr lang="en-US" sz="1200" b="0" strike="noStrike" spc="-1">
                 <a:solidFill>
-                  <a:srgbClr val="8b8b8b"/>
+                  <a:srgbClr val="8B8B8B"/>
                 </a:solidFill>
                 <a:latin typeface="Calibri"/>
               </a:rPr>
-              <a:t>1</a:t>
+              <a:t>7</a:t>
             </a:fld>
-            <a:endParaRPr b="0" lang="en-US" sz="1200" spc="-1" strike="noStrike">
+            <a:endParaRPr lang="en-US" sz="1200" b="0" strike="noStrike" spc="-1">
               <a:latin typeface="Times New Roman"/>
+            </a:endParaRPr>
+          </a:p>
+        </p:txBody>
+      </p:sp>
+      <p:sp>
+        <p:nvSpPr>
+          <p:cNvPr id="103" name="TextShape 3"/>
+          <p:cNvSpPr txBox="1"/>
+          <p:nvPr/>
+        </p:nvSpPr>
+        <p:spPr>
+          <a:xfrm>
+            <a:off x="838080" y="1825560"/>
+            <a:ext cx="10515240" cy="4350960"/>
+          </a:xfrm>
+          <a:prstGeom prst="rect">
+            <a:avLst/>
+          </a:prstGeom>
+          <a:noFill/>
+          <a:ln>
+            <a:noFill/>
+          </a:ln>
+        </p:spPr>
+        <p:txBody>
+          <a:bodyPr>
+            <a:noAutofit/>
+          </a:bodyPr>
+          <a:lstStyle/>
+          <a:p>
+            <a:endParaRPr lang="en-US" sz="2800" b="0" strike="noStrike" spc="-1">
+              <a:solidFill>
+                <a:srgbClr val="000000"/>
+              </a:solidFill>
+              <a:latin typeface="Calibri"/>
             </a:endParaRPr>
           </a:p>
         </p:txBody>
       </p:sp>
     </p:spTree>
   </p:cSld>
-  <mc:AlternateContent>
-    <mc:Choice Requires="p14">
-      <p:transition spd="slow" p14:dur="2000"/>
-    </mc:Choice>
-    <mc:Fallback>
-      <p:transition spd="slow"/>
-    </mc:Fallback>
-  </mc:AlternateContent>
+  <p:clrMapOvr>
+    <a:masterClrMapping/>
+  </p:clrMapOvr>
 </p:sld>
 </file>
 
-<file path=ppt/slides/slide5.xml><?xml version="1.0" encoding="utf-8"?>
-<p:sld xmlns:a="http://schemas.openxmlformats.org/drawingml/2006/main" xmlns:p="http://schemas.openxmlformats.org/presentationml/2006/main" xmlns:r="http://schemas.openxmlformats.org/officeDocument/2006/relationships" xmlns:p14="http://schemas.microsoft.com/office/powerpoint/2010/main" xmlns:p15="http://schemas.microsoft.com/office/powerpoint/2012/main" xmlns:mc="http://schemas.openxmlformats.org/markup-compatibility/2006">
+<file path=ppt/slides/slide8.xml><?xml version="1.0" encoding="utf-8"?>
+<p:sld xmlns:a="http://schemas.openxmlformats.org/drawingml/2006/main" xmlns:r="http://schemas.openxmlformats.org/officeDocument/2006/relationships" xmlns:p="http://schemas.openxmlformats.org/presentationml/2006/main">
   <p:cSld>
     <p:spTree>
       <p:nvGrpSpPr>
@@ -7823,14 +7627,14 @@
       </p:grpSpPr>
       <p:sp>
         <p:nvSpPr>
-          <p:cNvPr id="98" name="TextShape 1"/>
+          <p:cNvPr id="104" name="TextShape 1"/>
           <p:cNvSpPr txBox="1"/>
           <p:nvPr/>
         </p:nvSpPr>
         <p:spPr>
           <a:xfrm>
-            <a:off x="838080" y="365040"/>
-            <a:ext cx="10515240" cy="1325160"/>
+            <a:off x="1523880" y="1122480"/>
+            <a:ext cx="9143640" cy="2387160"/>
           </a:xfrm>
           <a:prstGeom prst="rect">
             <a:avLst/>
@@ -7841,43 +7645,44 @@
           </a:ln>
         </p:spPr>
         <p:txBody>
-          <a:bodyPr anchor="ctr">
-            <a:noAutofit/>
-          </a:bodyPr>
-          <a:p>
-            <a:pPr>
+          <a:bodyPr anchor="b">
+            <a:normAutofit/>
+          </a:bodyPr>
+          <a:lstStyle/>
+          <a:p>
+            <a:pPr algn="ctr">
               <a:lnSpc>
                 <a:spcPct val="90000"/>
               </a:lnSpc>
             </a:pPr>
             <a:r>
-              <a:rPr b="0" lang="en-US" sz="4400" spc="-1" strike="noStrike">
+              <a:rPr lang="en-US" sz="5400" b="0" strike="noStrike" spc="-1">
                 <a:solidFill>
                   <a:srgbClr val="000000"/>
                 </a:solidFill>
                 <a:latin typeface="Calibri Light"/>
               </a:rPr>
-              <a:t>Do I have to arrive on time?</a:t>
+              <a:t>Principles of Robot Autonomy I</a:t>
             </a:r>
-            <a:endParaRPr b="0" lang="en-US" sz="4400" spc="-1" strike="noStrike">
-              <a:solidFill>
-                <a:srgbClr val="000000"/>
-              </a:solidFill>
-              <a:latin typeface="Calibri"/>
-            </a:endParaRPr>
-          </a:p>
-        </p:txBody>
-      </p:sp>
-      <p:sp>
-        <p:nvSpPr>
-          <p:cNvPr id="99" name="TextShape 2"/>
+            <a:endParaRPr lang="en-US" sz="5400" b="0" strike="noStrike" spc="-1">
+              <a:solidFill>
+                <a:srgbClr val="000000"/>
+              </a:solidFill>
+              <a:latin typeface="Calibri"/>
+            </a:endParaRPr>
+          </a:p>
+        </p:txBody>
+      </p:sp>
+      <p:sp>
+        <p:nvSpPr>
+          <p:cNvPr id="105" name="TextShape 2"/>
           <p:cNvSpPr txBox="1"/>
           <p:nvPr/>
         </p:nvSpPr>
         <p:spPr>
           <a:xfrm>
-            <a:off x="838080" y="1825560"/>
-            <a:ext cx="10515240" cy="4350960"/>
+            <a:off x="1523880" y="3602160"/>
+            <a:ext cx="9143640" cy="1655280"/>
           </a:xfrm>
           <a:prstGeom prst="rect">
             <a:avLst/>
@@ -7889,280 +7694,69 @@
         </p:spPr>
         <p:txBody>
           <a:bodyPr>
-            <a:normAutofit/>
-          </a:bodyPr>
-          <a:p>
-            <a:pPr marL="228600" indent="-228240">
+            <a:noAutofit/>
+          </a:bodyPr>
+          <a:lstStyle/>
+          <a:p>
+            <a:pPr algn="ctr">
               <a:lnSpc>
                 <a:spcPct val="90000"/>
               </a:lnSpc>
               <a:spcBef>
                 <a:spcPts val="1001"/>
               </a:spcBef>
-              <a:buClr>
-                <a:srgbClr val="000000"/>
-              </a:buClr>
-              <a:buFont typeface="Arial"/>
-              <a:buChar char="•"/>
+              <a:tabLst>
+                <a:tab pos="0" algn="l"/>
+              </a:tabLst>
             </a:pPr>
             <a:r>
-              <a:rPr b="0" lang="en-US" sz="2800" spc="-1" strike="noStrike">
+              <a:rPr lang="en-US" sz="2400" b="0" strike="noStrike" spc="-1" dirty="0">
                 <a:solidFill>
                   <a:srgbClr val="000000"/>
                 </a:solidFill>
                 <a:latin typeface="Calibri"/>
               </a:rPr>
-              <a:t>Yes</a:t>
+              <a:t>Section 1: Introduction to UNIX, Git, and Python3</a:t>
             </a:r>
-            <a:endParaRPr b="0" lang="en-US" sz="2800" spc="-1" strike="noStrike">
-              <a:solidFill>
-                <a:srgbClr val="000000"/>
-              </a:solidFill>
-              <a:latin typeface="Calibri"/>
-            </a:endParaRPr>
-          </a:p>
-          <a:p>
-            <a:pPr marL="228600" indent="-228240">
-              <a:lnSpc>
-                <a:spcPct val="90000"/>
-              </a:lnSpc>
-              <a:spcBef>
-                <a:spcPts val="1001"/>
-              </a:spcBef>
-              <a:buClr>
-                <a:srgbClr val="000000"/>
-              </a:buClr>
-              <a:buFont typeface="Arial"/>
-              <a:buChar char="•"/>
-            </a:pPr>
-            <a:r>
-              <a:rPr b="0" lang="en-US" sz="2800" spc="-1" strike="noStrike">
-                <a:solidFill>
-                  <a:srgbClr val="000000"/>
-                </a:solidFill>
-                <a:latin typeface="Calibri"/>
-              </a:rPr>
-              <a:t>… </a:t>
-            </a:r>
-            <a:r>
-              <a:rPr b="0" lang="en-US" sz="2800" spc="-1" strike="noStrike">
-                <a:solidFill>
-                  <a:srgbClr val="000000"/>
-                </a:solidFill>
-                <a:latin typeface="Calibri"/>
-              </a:rPr>
-              <a:t>unless you have an overlapping class conflict. In that case, you should still arrive ASAP and make a group with someone else that is arriving similarly late</a:t>
-            </a:r>
-            <a:endParaRPr b="0" lang="en-US" sz="2800" spc="-1" strike="noStrike">
-              <a:solidFill>
-                <a:srgbClr val="000000"/>
-              </a:solidFill>
-              <a:latin typeface="Calibri"/>
-            </a:endParaRPr>
-          </a:p>
-          <a:p>
-            <a:pPr lvl="1" marL="685800" indent="-228240">
-              <a:lnSpc>
-                <a:spcPct val="90000"/>
-              </a:lnSpc>
-              <a:spcBef>
-                <a:spcPts val="499"/>
-              </a:spcBef>
-              <a:buClr>
-                <a:srgbClr val="000000"/>
-              </a:buClr>
-              <a:buFont typeface="Arial"/>
-              <a:buChar char="•"/>
-            </a:pPr>
-            <a:r>
-              <a:rPr b="0" lang="en-US" sz="2400" spc="-1" strike="noStrike">
-                <a:solidFill>
-                  <a:srgbClr val="000000"/>
-                </a:solidFill>
-                <a:latin typeface="Calibri"/>
-              </a:rPr>
-              <a:t>If you’re </a:t>
-            </a:r>
-            <a:r>
-              <a:rPr b="0" i="1" lang="en-US" sz="2400" spc="-1" strike="noStrike">
-                <a:solidFill>
-                  <a:srgbClr val="000000"/>
-                </a:solidFill>
-                <a:latin typeface="Calibri"/>
-              </a:rPr>
-              <a:t>the only one </a:t>
-            </a:r>
-            <a:r>
-              <a:rPr b="0" lang="en-US" sz="2400" spc="-1" strike="noStrike">
-                <a:solidFill>
-                  <a:srgbClr val="000000"/>
-                </a:solidFill>
-                <a:latin typeface="Calibri"/>
-              </a:rPr>
-              <a:t>that arrives late, then you can join an existing group</a:t>
-            </a:r>
-            <a:endParaRPr b="0" lang="en-US" sz="2400" spc="-1" strike="noStrike">
-              <a:solidFill>
-                <a:srgbClr val="000000"/>
-              </a:solidFill>
-              <a:latin typeface="Calibri"/>
-            </a:endParaRPr>
-          </a:p>
-          <a:p>
-            <a:pPr>
-              <a:lnSpc>
-                <a:spcPct val="90000"/>
-              </a:lnSpc>
-              <a:spcBef>
-                <a:spcPts val="1001"/>
-              </a:spcBef>
-            </a:pPr>
-            <a:endParaRPr b="0" lang="en-US" sz="2400" spc="-1" strike="noStrike">
-              <a:solidFill>
-                <a:srgbClr val="000000"/>
-              </a:solidFill>
-              <a:latin typeface="Calibri"/>
-            </a:endParaRPr>
-          </a:p>
-          <a:p>
-            <a:pPr marL="228600" indent="-228240">
-              <a:lnSpc>
-                <a:spcPct val="90000"/>
-              </a:lnSpc>
-              <a:spcBef>
-                <a:spcPts val="1001"/>
-              </a:spcBef>
-              <a:buClr>
-                <a:srgbClr val="000000"/>
-              </a:buClr>
-              <a:buFont typeface="Arial"/>
-              <a:buChar char="•"/>
-            </a:pPr>
-            <a:r>
-              <a:rPr b="0" lang="en-US" sz="2800" spc="-1" strike="noStrike">
-                <a:solidFill>
-                  <a:srgbClr val="000000"/>
-                </a:solidFill>
-                <a:latin typeface="Calibri"/>
-              </a:rPr>
-              <a:t>Section slides and the activity handout will be posted online, so you can still catch up</a:t>
-            </a:r>
-            <a:endParaRPr b="0" lang="en-US" sz="2800" spc="-1" strike="noStrike">
-              <a:solidFill>
-                <a:srgbClr val="000000"/>
-              </a:solidFill>
-              <a:latin typeface="Calibri"/>
-            </a:endParaRPr>
-          </a:p>
-          <a:p>
-            <a:pPr marL="228600" indent="-228240">
-              <a:lnSpc>
-                <a:spcPct val="90000"/>
-              </a:lnSpc>
-              <a:spcBef>
-                <a:spcPts val="1001"/>
-              </a:spcBef>
-              <a:buClr>
-                <a:srgbClr val="000000"/>
-              </a:buClr>
-              <a:buFont typeface="Arial"/>
-              <a:buChar char="•"/>
-            </a:pPr>
-            <a:r>
-              <a:rPr b="0" lang="en-US" sz="2800" spc="-1" strike="noStrike">
-                <a:solidFill>
-                  <a:srgbClr val="000000"/>
-                </a:solidFill>
-                <a:latin typeface="Calibri"/>
-              </a:rPr>
-              <a:t>However, we </a:t>
-            </a:r>
-            <a:r>
-              <a:rPr b="0" i="1" lang="en-US" sz="2800" spc="-1" strike="noStrike">
-                <a:solidFill>
-                  <a:srgbClr val="000000"/>
-                </a:solidFill>
-                <a:latin typeface="Calibri"/>
-              </a:rPr>
-              <a:t>will not </a:t>
-            </a:r>
-            <a:r>
-              <a:rPr b="0" lang="en-US" sz="2800" spc="-1" strike="noStrike">
-                <a:solidFill>
-                  <a:srgbClr val="000000"/>
-                </a:solidFill>
-                <a:latin typeface="Calibri"/>
-              </a:rPr>
-              <a:t>stay after hours</a:t>
-            </a:r>
-            <a:endParaRPr b="0" lang="en-US" sz="2800" spc="-1" strike="noStrike">
-              <a:solidFill>
-                <a:srgbClr val="000000"/>
-              </a:solidFill>
-              <a:latin typeface="Calibri"/>
-            </a:endParaRPr>
-          </a:p>
-        </p:txBody>
-      </p:sp>
-      <p:sp>
-        <p:nvSpPr>
-          <p:cNvPr id="100" name="TextShape 3"/>
-          <p:cNvSpPr txBox="1"/>
+            <a:endParaRPr lang="en-US" sz="2400" b="0" strike="noStrike" spc="-1" dirty="0">
+              <a:latin typeface="Arial"/>
+            </a:endParaRPr>
+          </a:p>
+        </p:txBody>
+      </p:sp>
+      <p:pic>
+        <p:nvPicPr>
+          <p:cNvPr id="106" name="Picture 3"/>
+          <p:cNvPicPr/>
           <p:nvPr/>
-        </p:nvSpPr>
-        <p:spPr>
-          <a:xfrm>
-            <a:off x="8610480" y="6541920"/>
-            <a:ext cx="2742840" cy="364680"/>
-          </a:xfrm>
-          <a:prstGeom prst="rect">
-            <a:avLst/>
-          </a:prstGeom>
-          <a:noFill/>
+        </p:nvPicPr>
+        <p:blipFill>
+          <a:blip r:embed="rId3"/>
+          <a:stretch/>
+        </p:blipFill>
+        <p:spPr>
+          <a:xfrm>
+            <a:off x="0" y="5688000"/>
+            <a:ext cx="12191760" cy="1169640"/>
+          </a:xfrm>
+          <a:prstGeom prst="rect">
+            <a:avLst/>
+          </a:prstGeom>
           <a:ln>
             <a:noFill/>
           </a:ln>
         </p:spPr>
-        <p:txBody>
-          <a:bodyPr anchor="ctr">
-            <a:noAutofit/>
-          </a:bodyPr>
-          <a:p>
-            <a:pPr algn="r">
-              <a:lnSpc>
-                <a:spcPct val="100000"/>
-              </a:lnSpc>
-            </a:pPr>
-            <a:fld id="{F80947FB-D060-474F-991F-CA3D9F978F4E}" type="slidenum">
-              <a:rPr b="0" lang="en-US" sz="1200" spc="-1" strike="noStrike">
-                <a:solidFill>
-                  <a:srgbClr val="8b8b8b"/>
-                </a:solidFill>
-                <a:latin typeface="Calibri"/>
-              </a:rPr>
-              <a:t>5</a:t>
-            </a:fld>
-            <a:endParaRPr b="0" lang="en-US" sz="1200" spc="-1" strike="noStrike">
-              <a:latin typeface="Times New Roman"/>
-            </a:endParaRPr>
-          </a:p>
-        </p:txBody>
-      </p:sp>
+      </p:pic>
     </p:spTree>
   </p:cSld>
-  <mc:AlternateContent>
-    <mc:Choice Requires="p14">
-      <p:transition spd="slow" p14:dur="2000"/>
-    </mc:Choice>
-    <mc:Fallback>
-      <p:transition spd="slow"/>
-    </mc:Fallback>
-  </mc:AlternateContent>
+  <p:clrMapOvr>
+    <a:masterClrMapping/>
+  </p:clrMapOvr>
 </p:sld>
 </file>
 
-<file path=ppt/slides/slide6.xml><?xml version="1.0" encoding="utf-8"?>
-<p:sld xmlns:a="http://schemas.openxmlformats.org/drawingml/2006/main" xmlns:p="http://schemas.openxmlformats.org/presentationml/2006/main" xmlns:r="http://schemas.openxmlformats.org/officeDocument/2006/relationships" xmlns:p14="http://schemas.microsoft.com/office/powerpoint/2010/main" xmlns:p15="http://schemas.microsoft.com/office/powerpoint/2012/main" xmlns:mc="http://schemas.openxmlformats.org/markup-compatibility/2006">
+<file path=ppt/slides/slide9.xml><?xml version="1.0" encoding="utf-8"?>
+<p:sld xmlns:a="http://schemas.openxmlformats.org/drawingml/2006/main" xmlns:r="http://schemas.openxmlformats.org/officeDocument/2006/relationships" xmlns:p="http://schemas.openxmlformats.org/presentationml/2006/main">
   <p:cSld>
     <p:spTree>
       <p:nvGrpSpPr>
@@ -8180,7 +7774,7 @@
       </p:grpSpPr>
       <p:sp>
         <p:nvSpPr>
-          <p:cNvPr id="101" name="TextShape 1"/>
+          <p:cNvPr id="107" name="TextShape 1"/>
           <p:cNvSpPr txBox="1"/>
           <p:nvPr/>
         </p:nvSpPr>
@@ -8201,6 +7795,7 @@
           <a:bodyPr anchor="ctr">
             <a:noAutofit/>
           </a:bodyPr>
+          <a:lstStyle/>
           <a:p>
             <a:pPr>
               <a:lnSpc>
@@ -8208,33 +7803,33 @@
               </a:lnSpc>
             </a:pPr>
             <a:r>
-              <a:rPr b="0" lang="en-US" sz="4400" spc="-1" strike="noStrike">
+              <a:rPr lang="en-US" sz="4400" b="0" strike="noStrike" spc="-1" dirty="0">
                 <a:solidFill>
                   <a:srgbClr val="000000"/>
                 </a:solidFill>
                 <a:latin typeface="Calibri Light"/>
               </a:rPr>
-              <a:t>Questions about Section Logistics?</a:t>
+              <a:t>UNIX</a:t>
             </a:r>
-            <a:endParaRPr b="0" lang="en-US" sz="4400" spc="-1" strike="noStrike">
-              <a:solidFill>
-                <a:srgbClr val="000000"/>
-              </a:solidFill>
-              <a:latin typeface="Calibri"/>
-            </a:endParaRPr>
-          </a:p>
-        </p:txBody>
-      </p:sp>
-      <p:sp>
-        <p:nvSpPr>
-          <p:cNvPr id="102" name="TextShape 2"/>
+            <a:endParaRPr lang="en-US" sz="4400" b="0" strike="noStrike" spc="-1" dirty="0">
+              <a:solidFill>
+                <a:srgbClr val="000000"/>
+              </a:solidFill>
+              <a:latin typeface="Calibri"/>
+            </a:endParaRPr>
+          </a:p>
+        </p:txBody>
+      </p:sp>
+      <p:sp>
+        <p:nvSpPr>
+          <p:cNvPr id="108" name="TextShape 2"/>
           <p:cNvSpPr txBox="1"/>
           <p:nvPr/>
         </p:nvSpPr>
         <p:spPr>
           <a:xfrm>
-            <a:off x="8610480" y="6541920"/>
-            <a:ext cx="2742840" cy="364680"/>
+            <a:off x="838080" y="1825560"/>
+            <a:ext cx="10515240" cy="4350960"/>
           </a:xfrm>
           <a:prstGeom prst="rect">
             <a:avLst/>
@@ -8245,313 +7840,10 @@
           </a:ln>
         </p:spPr>
         <p:txBody>
-          <a:bodyPr anchor="ctr">
-            <a:noAutofit/>
-          </a:bodyPr>
-          <a:p>
-            <a:pPr algn="r">
-              <a:lnSpc>
-                <a:spcPct val="100000"/>
-              </a:lnSpc>
-            </a:pPr>
-            <a:fld id="{47AACE06-5A56-4D50-9034-D474EF561F33}" type="slidenum">
-              <a:rPr b="0" lang="en-US" sz="1200" spc="-1" strike="noStrike">
-                <a:solidFill>
-                  <a:srgbClr val="8b8b8b"/>
-                </a:solidFill>
-                <a:latin typeface="Calibri"/>
-              </a:rPr>
-              <a:t>5</a:t>
-            </a:fld>
-            <a:endParaRPr b="0" lang="en-US" sz="1200" spc="-1" strike="noStrike">
-              <a:latin typeface="Times New Roman"/>
-            </a:endParaRPr>
-          </a:p>
-        </p:txBody>
-      </p:sp>
-      <p:sp>
-        <p:nvSpPr>
-          <p:cNvPr id="103" name="TextShape 3"/>
-          <p:cNvSpPr txBox="1"/>
-          <p:nvPr/>
-        </p:nvSpPr>
-        <p:spPr>
-          <a:xfrm>
-            <a:off x="838080" y="1825560"/>
-            <a:ext cx="10515240" cy="4350960"/>
-          </a:xfrm>
-          <a:prstGeom prst="rect">
-            <a:avLst/>
-          </a:prstGeom>
-          <a:noFill/>
-          <a:ln>
-            <a:noFill/>
-          </a:ln>
-        </p:spPr>
-        <p:txBody>
           <a:bodyPr>
             <a:noAutofit/>
           </a:bodyPr>
-          <a:p>
-            <a:endParaRPr b="0" lang="en-US" sz="2800" spc="-1" strike="noStrike">
-              <a:solidFill>
-                <a:srgbClr val="000000"/>
-              </a:solidFill>
-              <a:latin typeface="Calibri"/>
-            </a:endParaRPr>
-          </a:p>
-        </p:txBody>
-      </p:sp>
-    </p:spTree>
-  </p:cSld>
-  <mc:AlternateContent>
-    <mc:Choice Requires="p14">
-      <p:transition spd="slow" p14:dur="2000"/>
-    </mc:Choice>
-    <mc:Fallback>
-      <p:transition spd="slow"/>
-    </mc:Fallback>
-  </mc:AlternateContent>
-</p:sld>
-</file>
-
-<file path=ppt/slides/slide7.xml><?xml version="1.0" encoding="utf-8"?>
-<p:sld xmlns:a="http://schemas.openxmlformats.org/drawingml/2006/main" xmlns:p="http://schemas.openxmlformats.org/presentationml/2006/main" xmlns:r="http://schemas.openxmlformats.org/officeDocument/2006/relationships" xmlns:p14="http://schemas.microsoft.com/office/powerpoint/2010/main" xmlns:p15="http://schemas.microsoft.com/office/powerpoint/2012/main" xmlns:mc="http://schemas.openxmlformats.org/markup-compatibility/2006">
-  <p:cSld>
-    <p:spTree>
-      <p:nvGrpSpPr>
-        <p:cNvPr id="1" name=""/>
-        <p:cNvGrpSpPr/>
-        <p:nvPr/>
-      </p:nvGrpSpPr>
-      <p:grpSpPr>
-        <a:xfrm>
-          <a:off x="0" y="0"/>
-          <a:ext cx="0" cy="0"/>
-          <a:chOff x="0" y="0"/>
-          <a:chExt cx="0" cy="0"/>
-        </a:xfrm>
-      </p:grpSpPr>
-      <p:sp>
-        <p:nvSpPr>
-          <p:cNvPr id="104" name="TextShape 1"/>
-          <p:cNvSpPr txBox="1"/>
-          <p:nvPr/>
-        </p:nvSpPr>
-        <p:spPr>
-          <a:xfrm>
-            <a:off x="1523880" y="1122480"/>
-            <a:ext cx="9143640" cy="2387160"/>
-          </a:xfrm>
-          <a:prstGeom prst="rect">
-            <a:avLst/>
-          </a:prstGeom>
-          <a:noFill/>
-          <a:ln>
-            <a:noFill/>
-          </a:ln>
-        </p:spPr>
-        <p:txBody>
-          <a:bodyPr anchor="b">
-            <a:normAutofit/>
-          </a:bodyPr>
-          <a:p>
-            <a:pPr algn="ctr">
-              <a:lnSpc>
-                <a:spcPct val="90000"/>
-              </a:lnSpc>
-            </a:pPr>
-            <a:r>
-              <a:rPr b="0" lang="en-US" sz="5400" spc="-1" strike="noStrike">
-                <a:solidFill>
-                  <a:srgbClr val="000000"/>
-                </a:solidFill>
-                <a:latin typeface="Calibri Light"/>
-              </a:rPr>
-              <a:t>Principles of Robot Autonomy I</a:t>
-            </a:r>
-            <a:endParaRPr b="0" lang="en-US" sz="5400" spc="-1" strike="noStrike">
-              <a:solidFill>
-                <a:srgbClr val="000000"/>
-              </a:solidFill>
-              <a:latin typeface="Calibri"/>
-            </a:endParaRPr>
-          </a:p>
-        </p:txBody>
-      </p:sp>
-      <p:sp>
-        <p:nvSpPr>
-          <p:cNvPr id="105" name="TextShape 2"/>
-          <p:cNvSpPr txBox="1"/>
-          <p:nvPr/>
-        </p:nvSpPr>
-        <p:spPr>
-          <a:xfrm>
-            <a:off x="1523880" y="3602160"/>
-            <a:ext cx="9143640" cy="1655280"/>
-          </a:xfrm>
-          <a:prstGeom prst="rect">
-            <a:avLst/>
-          </a:prstGeom>
-          <a:noFill/>
-          <a:ln>
-            <a:noFill/>
-          </a:ln>
-        </p:spPr>
-        <p:txBody>
-          <a:bodyPr>
-            <a:noAutofit/>
-          </a:bodyPr>
-          <a:p>
-            <a:pPr algn="ctr">
-              <a:lnSpc>
-                <a:spcPct val="90000"/>
-              </a:lnSpc>
-              <a:spcBef>
-                <a:spcPts val="1001"/>
-              </a:spcBef>
-              <a:tabLst>
-                <a:tab algn="l" pos="0"/>
-              </a:tabLst>
-            </a:pPr>
-            <a:r>
-              <a:rPr b="0" lang="en-US" sz="2400" spc="-1" strike="noStrike">
-                <a:solidFill>
-                  <a:srgbClr val="000000"/>
-                </a:solidFill>
-                <a:latin typeface="Calibri"/>
-              </a:rPr>
-              <a:t>Section 1: Introduction to Python3.8, Git, and Debugging</a:t>
-            </a:r>
-            <a:endParaRPr b="0" lang="en-US" sz="2400" spc="-1" strike="noStrike">
-              <a:latin typeface="Arial"/>
-            </a:endParaRPr>
-          </a:p>
-        </p:txBody>
-      </p:sp>
-      <p:pic>
-        <p:nvPicPr>
-          <p:cNvPr id="106" name="Picture 3" descr=""/>
-          <p:cNvPicPr/>
-          <p:nvPr/>
-        </p:nvPicPr>
-        <p:blipFill>
-          <a:blip r:embed="rId1"/>
-          <a:stretch/>
-        </p:blipFill>
-        <p:spPr>
-          <a:xfrm>
-            <a:off x="0" y="5688000"/>
-            <a:ext cx="12191760" cy="1169640"/>
-          </a:xfrm>
-          <a:prstGeom prst="rect">
-            <a:avLst/>
-          </a:prstGeom>
-          <a:ln>
-            <a:noFill/>
-          </a:ln>
-        </p:spPr>
-      </p:pic>
-    </p:spTree>
-  </p:cSld>
-  <mc:AlternateContent>
-    <mc:Choice Requires="p14">
-      <p:transition spd="slow" p14:dur="2000"/>
-    </mc:Choice>
-    <mc:Fallback>
-      <p:transition spd="slow"/>
-    </mc:Fallback>
-  </mc:AlternateContent>
-</p:sld>
-</file>
-
-<file path=ppt/slides/slide8.xml><?xml version="1.0" encoding="utf-8"?>
-<p:sld xmlns:a="http://schemas.openxmlformats.org/drawingml/2006/main" xmlns:p="http://schemas.openxmlformats.org/presentationml/2006/main" xmlns:r="http://schemas.openxmlformats.org/officeDocument/2006/relationships" xmlns:p14="http://schemas.microsoft.com/office/powerpoint/2010/main" xmlns:p15="http://schemas.microsoft.com/office/powerpoint/2012/main" xmlns:mc="http://schemas.openxmlformats.org/markup-compatibility/2006">
-  <p:cSld>
-    <p:spTree>
-      <p:nvGrpSpPr>
-        <p:cNvPr id="1" name=""/>
-        <p:cNvGrpSpPr/>
-        <p:nvPr/>
-      </p:nvGrpSpPr>
-      <p:grpSpPr>
-        <a:xfrm>
-          <a:off x="0" y="0"/>
-          <a:ext cx="0" cy="0"/>
-          <a:chOff x="0" y="0"/>
-          <a:chExt cx="0" cy="0"/>
-        </a:xfrm>
-      </p:grpSpPr>
-      <p:sp>
-        <p:nvSpPr>
-          <p:cNvPr id="107" name="TextShape 1"/>
-          <p:cNvSpPr txBox="1"/>
-          <p:nvPr/>
-        </p:nvSpPr>
-        <p:spPr>
-          <a:xfrm>
-            <a:off x="838080" y="365040"/>
-            <a:ext cx="10515240" cy="1325160"/>
-          </a:xfrm>
-          <a:prstGeom prst="rect">
-            <a:avLst/>
-          </a:prstGeom>
-          <a:noFill/>
-          <a:ln>
-            <a:noFill/>
-          </a:ln>
-        </p:spPr>
-        <p:txBody>
-          <a:bodyPr anchor="ctr">
-            <a:noAutofit/>
-          </a:bodyPr>
-          <a:p>
-            <a:pPr>
-              <a:lnSpc>
-                <a:spcPct val="90000"/>
-              </a:lnSpc>
-            </a:pPr>
-            <a:r>
-              <a:rPr b="0" lang="en-US" sz="4400" spc="-1" strike="noStrike">
-                <a:solidFill>
-                  <a:srgbClr val="000000"/>
-                </a:solidFill>
-                <a:latin typeface="Calibri Light"/>
-              </a:rPr>
-              <a:t>Aims</a:t>
-            </a:r>
-            <a:endParaRPr b="0" lang="en-US" sz="4400" spc="-1" strike="noStrike">
-              <a:solidFill>
-                <a:srgbClr val="000000"/>
-              </a:solidFill>
-              <a:latin typeface="Calibri"/>
-            </a:endParaRPr>
-          </a:p>
-        </p:txBody>
-      </p:sp>
-      <p:sp>
-        <p:nvSpPr>
-          <p:cNvPr id="108" name="TextShape 2"/>
-          <p:cNvSpPr txBox="1"/>
-          <p:nvPr/>
-        </p:nvSpPr>
-        <p:spPr>
-          <a:xfrm>
-            <a:off x="838080" y="1825560"/>
-            <a:ext cx="10515240" cy="4350960"/>
-          </a:xfrm>
-          <a:prstGeom prst="rect">
-            <a:avLst/>
-          </a:prstGeom>
-          <a:noFill/>
-          <a:ln>
-            <a:noFill/>
-          </a:ln>
-        </p:spPr>
-        <p:txBody>
-          <a:bodyPr>
-            <a:noAutofit/>
-          </a:bodyPr>
+          <a:lstStyle/>
           <a:p>
             <a:pPr marL="228600" indent="-228240">
               <a:lnSpc>
@@ -8567,80 +7859,14 @@
               <a:buChar char="•"/>
             </a:pPr>
             <a:r>
-              <a:rPr b="0" lang="en-US" sz="2800" spc="-1" strike="noStrike">
+              <a:rPr lang="en-US" sz="2800" b="0" strike="noStrike" spc="-1" dirty="0">
                 <a:solidFill>
                   <a:srgbClr val="000000"/>
                 </a:solidFill>
                 <a:latin typeface="Calibri"/>
               </a:rPr>
-              <a:t>Learn how to use Git for version control</a:t>
+              <a:t>Take full control of your computer through terminal.</a:t>
             </a:r>
-            <a:endParaRPr b="0" lang="en-US" sz="2800" spc="-1" strike="noStrike">
-              <a:solidFill>
-                <a:srgbClr val="000000"/>
-              </a:solidFill>
-              <a:latin typeface="Calibri"/>
-            </a:endParaRPr>
-          </a:p>
-          <a:p>
-            <a:pPr marL="228600" indent="-228240">
-              <a:lnSpc>
-                <a:spcPct val="90000"/>
-              </a:lnSpc>
-              <a:spcBef>
-                <a:spcPts val="1001"/>
-              </a:spcBef>
-              <a:buClr>
-                <a:srgbClr val="000000"/>
-              </a:buClr>
-              <a:buFont typeface="Arial"/>
-              <a:buChar char="•"/>
-            </a:pPr>
-            <a:r>
-              <a:rPr b="0" lang="en-US" sz="2800" spc="-1" strike="noStrike">
-                <a:solidFill>
-                  <a:srgbClr val="000000"/>
-                </a:solidFill>
-                <a:latin typeface="Calibri"/>
-              </a:rPr>
-              <a:t>Start working with Python 3.8 and some of its most common packages</a:t>
-            </a:r>
-            <a:endParaRPr b="0" lang="en-US" sz="2800" spc="-1" strike="noStrike">
-              <a:solidFill>
-                <a:srgbClr val="000000"/>
-              </a:solidFill>
-              <a:latin typeface="Calibri"/>
-            </a:endParaRPr>
-          </a:p>
-          <a:p>
-            <a:pPr marL="228600" indent="-228240">
-              <a:lnSpc>
-                <a:spcPct val="90000"/>
-              </a:lnSpc>
-              <a:spcBef>
-                <a:spcPts val="1001"/>
-              </a:spcBef>
-              <a:buClr>
-                <a:srgbClr val="000000"/>
-              </a:buClr>
-              <a:buFont typeface="Arial"/>
-              <a:buChar char="•"/>
-            </a:pPr>
-            <a:r>
-              <a:rPr b="0" lang="en-US" sz="2800" spc="-1" strike="noStrike">
-                <a:solidFill>
-                  <a:srgbClr val="000000"/>
-                </a:solidFill>
-                <a:latin typeface="Calibri"/>
-              </a:rPr>
-              <a:t>Tips and tricks for debugging</a:t>
-            </a:r>
-            <a:endParaRPr b="0" lang="en-US" sz="2800" spc="-1" strike="noStrike">
-              <a:solidFill>
-                <a:srgbClr val="000000"/>
-              </a:solidFill>
-              <a:latin typeface="Calibri"/>
-            </a:endParaRPr>
           </a:p>
         </p:txBody>
       </p:sp>
@@ -8667,6 +7893,7 @@
           <a:bodyPr anchor="ctr">
             <a:noAutofit/>
           </a:bodyPr>
+          <a:lstStyle/>
           <a:p>
             <a:pPr algn="r">
               <a:lnSpc>
@@ -8674,15 +7901,15 @@
               </a:lnSpc>
             </a:pPr>
             <a:fld id="{74763E73-9B63-4618-821A-B961128C181D}" type="slidenum">
-              <a:rPr b="0" lang="en-US" sz="1200" spc="-1" strike="noStrike">
+              <a:rPr lang="en-US" sz="1200" b="0" strike="noStrike" spc="-1">
                 <a:solidFill>
-                  <a:srgbClr val="8b8b8b"/>
+                  <a:srgbClr val="8B8B8B"/>
                 </a:solidFill>
                 <a:latin typeface="Calibri"/>
               </a:rPr>
-              <a:t>7</a:t>
+              <a:t>9</a:t>
             </a:fld>
-            <a:endParaRPr b="0" lang="en-US" sz="1200" spc="-1" strike="noStrike">
+            <a:endParaRPr lang="en-US" sz="1200" b="0" strike="noStrike" spc="-1">
               <a:latin typeface="Times New Roman"/>
             </a:endParaRPr>
           </a:p>
@@ -8690,356 +7917,9 @@
       </p:sp>
     </p:spTree>
   </p:cSld>
-  <mc:AlternateContent>
-    <mc:Choice Requires="p14">
-      <p:transition spd="slow" p14:dur="2000"/>
-    </mc:Choice>
-    <mc:Fallback>
-      <p:transition spd="slow"/>
-    </mc:Fallback>
-  </mc:AlternateContent>
-</p:sld>
-</file>
-
-<file path=ppt/slides/slide9.xml><?xml version="1.0" encoding="utf-8"?>
-<p:sld xmlns:a="http://schemas.openxmlformats.org/drawingml/2006/main" xmlns:p="http://schemas.openxmlformats.org/presentationml/2006/main" xmlns:r="http://schemas.openxmlformats.org/officeDocument/2006/relationships" xmlns:p14="http://schemas.microsoft.com/office/powerpoint/2010/main" xmlns:p15="http://schemas.microsoft.com/office/powerpoint/2012/main" xmlns:mc="http://schemas.openxmlformats.org/markup-compatibility/2006">
-  <p:cSld>
-    <p:spTree>
-      <p:nvGrpSpPr>
-        <p:cNvPr id="1" name=""/>
-        <p:cNvGrpSpPr/>
-        <p:nvPr/>
-      </p:nvGrpSpPr>
-      <p:grpSpPr>
-        <a:xfrm>
-          <a:off x="0" y="0"/>
-          <a:ext cx="0" cy="0"/>
-          <a:chOff x="0" y="0"/>
-          <a:chExt cx="0" cy="0"/>
-        </a:xfrm>
-      </p:grpSpPr>
-      <p:sp>
-        <p:nvSpPr>
-          <p:cNvPr id="110" name="TextShape 1"/>
-          <p:cNvSpPr txBox="1"/>
-          <p:nvPr/>
-        </p:nvSpPr>
-        <p:spPr>
-          <a:xfrm>
-            <a:off x="838080" y="365040"/>
-            <a:ext cx="10515240" cy="1325160"/>
-          </a:xfrm>
-          <a:prstGeom prst="rect">
-            <a:avLst/>
-          </a:prstGeom>
-          <a:noFill/>
-          <a:ln>
-            <a:noFill/>
-          </a:ln>
-        </p:spPr>
-        <p:txBody>
-          <a:bodyPr anchor="ctr">
-            <a:noAutofit/>
-          </a:bodyPr>
-          <a:p>
-            <a:pPr>
-              <a:lnSpc>
-                <a:spcPct val="90000"/>
-              </a:lnSpc>
-            </a:pPr>
-            <a:r>
-              <a:rPr b="0" lang="en-US" sz="4400" spc="-1" strike="noStrike">
-                <a:solidFill>
-                  <a:srgbClr val="000000"/>
-                </a:solidFill>
-                <a:latin typeface="Calibri Light"/>
-              </a:rPr>
-              <a:t>OS Setup</a:t>
-            </a:r>
-            <a:endParaRPr b="0" lang="en-US" sz="4400" spc="-1" strike="noStrike">
-              <a:solidFill>
-                <a:srgbClr val="000000"/>
-              </a:solidFill>
-              <a:latin typeface="Calibri"/>
-            </a:endParaRPr>
-          </a:p>
-        </p:txBody>
-      </p:sp>
-      <p:sp>
-        <p:nvSpPr>
-          <p:cNvPr id="111" name="TextShape 2"/>
-          <p:cNvSpPr txBox="1"/>
-          <p:nvPr/>
-        </p:nvSpPr>
-        <p:spPr>
-          <a:xfrm>
-            <a:off x="838080" y="1825560"/>
-            <a:ext cx="10515240" cy="4350960"/>
-          </a:xfrm>
-          <a:prstGeom prst="rect">
-            <a:avLst/>
-          </a:prstGeom>
-          <a:noFill/>
-          <a:ln>
-            <a:noFill/>
-          </a:ln>
-        </p:spPr>
-        <p:txBody>
-          <a:bodyPr>
-            <a:noAutofit/>
-          </a:bodyPr>
-          <a:p>
-            <a:pPr marL="228600" indent="-228240">
-              <a:lnSpc>
-                <a:spcPct val="90000"/>
-              </a:lnSpc>
-              <a:spcBef>
-                <a:spcPts val="1001"/>
-              </a:spcBef>
-              <a:buClr>
-                <a:srgbClr val="000000"/>
-              </a:buClr>
-              <a:buFont typeface="Arial"/>
-              <a:buChar char="•"/>
-            </a:pPr>
-            <a:r>
-              <a:rPr b="0" lang="en-US" sz="2800" spc="-1" strike="noStrike">
-                <a:solidFill>
-                  <a:srgbClr val="000000"/>
-                </a:solidFill>
-                <a:latin typeface="Calibri"/>
-              </a:rPr>
-              <a:t>Only need a local Python 3.8 installation for the first two sections</a:t>
-            </a:r>
-            <a:endParaRPr b="0" lang="en-US" sz="2800" spc="-1" strike="noStrike">
-              <a:solidFill>
-                <a:srgbClr val="000000"/>
-              </a:solidFill>
-              <a:latin typeface="Calibri"/>
-            </a:endParaRPr>
-          </a:p>
-          <a:p>
-            <a:pPr lvl="1" marL="685800" indent="-228240">
-              <a:lnSpc>
-                <a:spcPct val="90000"/>
-              </a:lnSpc>
-              <a:spcBef>
-                <a:spcPts val="499"/>
-              </a:spcBef>
-              <a:buClr>
-                <a:srgbClr val="000000"/>
-              </a:buClr>
-              <a:buFont typeface="Arial"/>
-              <a:buChar char="•"/>
-            </a:pPr>
-            <a:r>
-              <a:rPr b="0" lang="en-US" sz="2400" spc="-1" strike="noStrike">
-                <a:solidFill>
-                  <a:srgbClr val="000000"/>
-                </a:solidFill>
-                <a:latin typeface="Calibri"/>
-              </a:rPr>
-              <a:t>Later, we’ll be providing a server for running ROS remotely and rendering the visualization on your laptop</a:t>
-            </a:r>
-            <a:endParaRPr b="0" lang="en-US" sz="2400" spc="-1" strike="noStrike">
-              <a:solidFill>
-                <a:srgbClr val="000000"/>
-              </a:solidFill>
-              <a:latin typeface="Calibri"/>
-            </a:endParaRPr>
-          </a:p>
-          <a:p>
-            <a:endParaRPr b="0" lang="en-US" sz="2400" spc="-1" strike="noStrike">
-              <a:solidFill>
-                <a:srgbClr val="000000"/>
-              </a:solidFill>
-              <a:latin typeface="Calibri"/>
-            </a:endParaRPr>
-          </a:p>
-          <a:p>
-            <a:pPr marL="228600" indent="-228240">
-              <a:lnSpc>
-                <a:spcPct val="90000"/>
-              </a:lnSpc>
-              <a:spcBef>
-                <a:spcPts val="1001"/>
-              </a:spcBef>
-              <a:buClr>
-                <a:srgbClr val="000000"/>
-              </a:buClr>
-              <a:buFont typeface="Arial"/>
-              <a:buChar char="•"/>
-            </a:pPr>
-            <a:r>
-              <a:rPr b="0" lang="en-US" sz="2800" spc="-1" strike="noStrike">
-                <a:solidFill>
-                  <a:srgbClr val="000000"/>
-                </a:solidFill>
-                <a:latin typeface="Calibri"/>
-              </a:rPr>
-              <a:t>You have three options:</a:t>
-            </a:r>
-            <a:endParaRPr b="0" lang="en-US" sz="2800" spc="-1" strike="noStrike">
-              <a:solidFill>
-                <a:srgbClr val="000000"/>
-              </a:solidFill>
-              <a:latin typeface="Calibri"/>
-            </a:endParaRPr>
-          </a:p>
-          <a:p>
-            <a:pPr lvl="1" marL="914400" indent="-456840">
-              <a:lnSpc>
-                <a:spcPct val="90000"/>
-              </a:lnSpc>
-              <a:spcBef>
-                <a:spcPts val="499"/>
-              </a:spcBef>
-              <a:buClr>
-                <a:srgbClr val="000000"/>
-              </a:buClr>
-              <a:buFont typeface="Arial"/>
-              <a:buAutoNum type="arabicPeriod"/>
-            </a:pPr>
-            <a:r>
-              <a:rPr b="0" lang="en-US" sz="2400" spc="-1" strike="noStrike">
-                <a:solidFill>
-                  <a:srgbClr val="000000"/>
-                </a:solidFill>
-                <a:latin typeface="Calibri"/>
-              </a:rPr>
-              <a:t>Install Python and run your scripts locally on Windows/MacOS/Linux</a:t>
-            </a:r>
-            <a:endParaRPr b="0" lang="en-US" sz="2400" spc="-1" strike="noStrike">
-              <a:solidFill>
-                <a:srgbClr val="000000"/>
-              </a:solidFill>
-              <a:latin typeface="Calibri"/>
-            </a:endParaRPr>
-          </a:p>
-          <a:p>
-            <a:pPr lvl="1" marL="914400" indent="-456840">
-              <a:lnSpc>
-                <a:spcPct val="90000"/>
-              </a:lnSpc>
-              <a:spcBef>
-                <a:spcPts val="499"/>
-              </a:spcBef>
-              <a:buClr>
-                <a:srgbClr val="000000"/>
-              </a:buClr>
-              <a:buFont typeface="Arial"/>
-              <a:buAutoNum type="arabicPeriod"/>
-            </a:pPr>
-            <a:r>
-              <a:rPr b="0" lang="en-US" sz="2400" spc="-1" strike="noStrike">
-                <a:solidFill>
-                  <a:srgbClr val="000000"/>
-                </a:solidFill>
-                <a:latin typeface="Calibri"/>
-              </a:rPr>
-              <a:t>Set up a dual boot with Ubuntu 20.04</a:t>
-            </a:r>
-            <a:endParaRPr b="0" lang="en-US" sz="2400" spc="-1" strike="noStrike">
-              <a:solidFill>
-                <a:srgbClr val="000000"/>
-              </a:solidFill>
-              <a:latin typeface="Calibri"/>
-            </a:endParaRPr>
-          </a:p>
-          <a:p>
-            <a:pPr lvl="1" marL="914400" indent="-456840">
-              <a:lnSpc>
-                <a:spcPct val="90000"/>
-              </a:lnSpc>
-              <a:spcBef>
-                <a:spcPts val="499"/>
-              </a:spcBef>
-              <a:buClr>
-                <a:srgbClr val="000000"/>
-              </a:buClr>
-              <a:buFont typeface="Arial"/>
-              <a:buAutoNum type="arabicPeriod"/>
-            </a:pPr>
-            <a:r>
-              <a:rPr b="0" lang="en-US" sz="2400" spc="-1" strike="noStrike">
-                <a:solidFill>
-                  <a:srgbClr val="000000"/>
-                </a:solidFill>
-                <a:latin typeface="Calibri"/>
-              </a:rPr>
-              <a:t>Set up a virtual machine with Ubuntu 20.04</a:t>
-            </a:r>
-            <a:endParaRPr b="0" lang="en-US" sz="2400" spc="-1" strike="noStrike">
-              <a:solidFill>
-                <a:srgbClr val="000000"/>
-              </a:solidFill>
-              <a:latin typeface="Calibri"/>
-            </a:endParaRPr>
-          </a:p>
-          <a:p>
-            <a:endParaRPr b="0" lang="en-US" sz="2400" spc="-1" strike="noStrike">
-              <a:solidFill>
-                <a:srgbClr val="000000"/>
-              </a:solidFill>
-              <a:latin typeface="Calibri"/>
-            </a:endParaRPr>
-          </a:p>
-        </p:txBody>
-      </p:sp>
-      <p:sp>
-        <p:nvSpPr>
-          <p:cNvPr id="112" name="TextShape 3"/>
-          <p:cNvSpPr txBox="1"/>
-          <p:nvPr/>
-        </p:nvSpPr>
-        <p:spPr>
-          <a:xfrm>
-            <a:off x="8610480" y="6541920"/>
-            <a:ext cx="2742840" cy="364680"/>
-          </a:xfrm>
-          <a:prstGeom prst="rect">
-            <a:avLst/>
-          </a:prstGeom>
-          <a:noFill/>
-          <a:ln>
-            <a:noFill/>
-          </a:ln>
-        </p:spPr>
-        <p:txBody>
-          <a:bodyPr anchor="ctr">
-            <a:noAutofit/>
-          </a:bodyPr>
-          <a:p>
-            <a:pPr algn="r">
-              <a:lnSpc>
-                <a:spcPct val="100000"/>
-              </a:lnSpc>
-            </a:pPr>
-            <a:fld id="{565C1977-E3C6-4C8F-8B8C-74AB26E5AE47}" type="slidenum">
-              <a:rPr b="0" lang="en-US" sz="1200" spc="-1" strike="noStrike">
-                <a:solidFill>
-                  <a:srgbClr val="8b8b8b"/>
-                </a:solidFill>
-                <a:latin typeface="Calibri"/>
-              </a:rPr>
-              <a:t>7</a:t>
-            </a:fld>
-            <a:endParaRPr b="0" lang="en-US" sz="1200" spc="-1" strike="noStrike">
-              <a:latin typeface="Times New Roman"/>
-            </a:endParaRPr>
-          </a:p>
-        </p:txBody>
-      </p:sp>
-    </p:spTree>
-  </p:cSld>
-  <mc:AlternateContent>
-    <mc:Choice Requires="p14">
-      <p:transition spd="slow" p14:dur="2000"/>
-    </mc:Choice>
-    <mc:Fallback>
-      <p:transition spd="slow"/>
-    </mc:Fallback>
-  </mc:AlternateContent>
+  <p:clrMapOvr>
+    <a:masterClrMapping/>
+  </p:clrMapOvr>
 </p:sld>
 </file>
 
@@ -9054,34 +7934,34 @@
         <a:sysClr val="window" lastClr="FFFFFF"/>
       </a:lt1>
       <a:dk2>
-        <a:srgbClr val="44546a"/>
+        <a:srgbClr val="44546A"/>
       </a:dk2>
       <a:lt2>
-        <a:srgbClr val="e7e6e6"/>
+        <a:srgbClr val="E7E6E6"/>
       </a:lt2>
       <a:accent1>
-        <a:srgbClr val="4472c4"/>
+        <a:srgbClr val="4472C4"/>
       </a:accent1>
       <a:accent2>
-        <a:srgbClr val="ed7d31"/>
+        <a:srgbClr val="ED7D31"/>
       </a:accent2>
       <a:accent3>
-        <a:srgbClr val="a5a5a5"/>
+        <a:srgbClr val="A5A5A5"/>
       </a:accent3>
       <a:accent4>
-        <a:srgbClr val="ffc000"/>
+        <a:srgbClr val="FFC000"/>
       </a:accent4>
       <a:accent5>
-        <a:srgbClr val="5b9bd5"/>
+        <a:srgbClr val="5B9BD5"/>
       </a:accent5>
       <a:accent6>
-        <a:srgbClr val="70ad47"/>
+        <a:srgbClr val="70AD47"/>
       </a:accent6>
       <a:hlink>
-        <a:srgbClr val="0563c1"/>
+        <a:srgbClr val="0563C1"/>
       </a:hlink>
       <a:folHlink>
-        <a:srgbClr val="954f72"/>
+        <a:srgbClr val="954F72"/>
       </a:folHlink>
     </a:clrScheme>
     <a:fontScheme name="Office">
@@ -9266,6 +8146,8 @@
       </a:bgFillStyleLst>
     </a:fmtScheme>
   </a:themeElements>
+  <a:objectDefaults/>
+  <a:extraClrSchemeLst/>
 </a:theme>
 </file>
 
@@ -9280,34 +8162,34 @@
         <a:sysClr val="window" lastClr="FFFFFF"/>
       </a:lt1>
       <a:dk2>
-        <a:srgbClr val="44546a"/>
+        <a:srgbClr val="44546A"/>
       </a:dk2>
       <a:lt2>
-        <a:srgbClr val="e7e6e6"/>
+        <a:srgbClr val="E7E6E6"/>
       </a:lt2>
       <a:accent1>
-        <a:srgbClr val="4472c4"/>
+        <a:srgbClr val="4472C4"/>
       </a:accent1>
       <a:accent2>
-        <a:srgbClr val="ed7d31"/>
+        <a:srgbClr val="ED7D31"/>
       </a:accent2>
       <a:accent3>
-        <a:srgbClr val="a5a5a5"/>
+        <a:srgbClr val="A5A5A5"/>
       </a:accent3>
       <a:accent4>
-        <a:srgbClr val="ffc000"/>
+        <a:srgbClr val="FFC000"/>
       </a:accent4>
       <a:accent5>
-        <a:srgbClr val="5b9bd5"/>
+        <a:srgbClr val="5B9BD5"/>
       </a:accent5>
       <a:accent6>
-        <a:srgbClr val="70ad47"/>
+        <a:srgbClr val="70AD47"/>
       </a:accent6>
       <a:hlink>
-        <a:srgbClr val="0563c1"/>
+        <a:srgbClr val="0563C1"/>
       </a:hlink>
       <a:folHlink>
-        <a:srgbClr val="954f72"/>
+        <a:srgbClr val="954F72"/>
       </a:folHlink>
     </a:clrScheme>
     <a:fontScheme name="Office">
@@ -9492,6 +8374,8 @@
       </a:bgFillStyleLst>
     </a:fmtScheme>
   </a:themeElements>
+  <a:objectDefaults/>
+  <a:extraClrSchemeLst/>
 </a:theme>
 </file>
 
@@ -9506,34 +8390,34 @@
         <a:sysClr val="window" lastClr="FFFFFF"/>
       </a:lt1>
       <a:dk2>
-        <a:srgbClr val="44546a"/>
+        <a:srgbClr val="44546A"/>
       </a:dk2>
       <a:lt2>
-        <a:srgbClr val="e7e6e6"/>
+        <a:srgbClr val="E7E6E6"/>
       </a:lt2>
       <a:accent1>
-        <a:srgbClr val="4472c4"/>
+        <a:srgbClr val="4472C4"/>
       </a:accent1>
       <a:accent2>
-        <a:srgbClr val="ed7d31"/>
+        <a:srgbClr val="ED7D31"/>
       </a:accent2>
       <a:accent3>
-        <a:srgbClr val="a5a5a5"/>
+        <a:srgbClr val="A5A5A5"/>
       </a:accent3>
       <a:accent4>
-        <a:srgbClr val="ffc000"/>
+        <a:srgbClr val="FFC000"/>
       </a:accent4>
       <a:accent5>
-        <a:srgbClr val="5b9bd5"/>
+        <a:srgbClr val="5B9BD5"/>
       </a:accent5>
       <a:accent6>
-        <a:srgbClr val="70ad47"/>
+        <a:srgbClr val="70AD47"/>
       </a:accent6>
       <a:hlink>
-        <a:srgbClr val="0563c1"/>
+        <a:srgbClr val="0563C1"/>
       </a:hlink>
       <a:folHlink>
-        <a:srgbClr val="954f72"/>
+        <a:srgbClr val="954F72"/>
       </a:folHlink>
     </a:clrScheme>
     <a:fontScheme name="Office">
@@ -9718,5 +8602,7 @@
       </a:bgFillStyleLst>
     </a:fmtScheme>
   </a:themeElements>
+  <a:objectDefaults/>
+  <a:extraClrSchemeLst/>
 </a:theme>
 </file>